--- a/Pallet Scan and Print Project Presentation.pptx
+++ b/Pallet Scan and Print Project Presentation.pptx
@@ -8,16 +8,18 @@
     <p:sldMasterId id="2147484109" r:id="rId7"/>
   </p:sldMasterIdLst>
   <p:notesMasterIdLst>
-    <p:notesMasterId r:id="rId15"/>
+    <p:notesMasterId r:id="rId17"/>
   </p:notesMasterIdLst>
   <p:sldIdLst>
     <p:sldId id="256" r:id="rId8"/>
-    <p:sldId id="268" r:id="rId9"/>
-    <p:sldId id="271" r:id="rId10"/>
-    <p:sldId id="273" r:id="rId11"/>
-    <p:sldId id="259" r:id="rId12"/>
-    <p:sldId id="274" r:id="rId13"/>
-    <p:sldId id="267" r:id="rId14"/>
+    <p:sldId id="277" r:id="rId9"/>
+    <p:sldId id="276" r:id="rId10"/>
+    <p:sldId id="271" r:id="rId11"/>
+    <p:sldId id="273" r:id="rId12"/>
+    <p:sldId id="259" r:id="rId13"/>
+    <p:sldId id="274" r:id="rId14"/>
+    <p:sldId id="279" r:id="rId15"/>
+    <p:sldId id="267" r:id="rId16"/>
   </p:sldIdLst>
   <p:sldSz cx="12192000" cy="6858000"/>
   <p:notesSz cx="6858000" cy="9144000"/>
@@ -2930,7 +2932,7 @@
           <a:p>
             <a:fld id="{7ABF5324-6432-45A2-ADFC-32ABE8A3E94A}" type="datetimeFigureOut">
               <a:rPr lang="en-US" smtClean="0"/>
-              <a:t>11/16/2022</a:t>
+              <a:t>11/18/2022</a:t>
             </a:fld>
             <a:endParaRPr lang="en-US"/>
           </a:p>
@@ -3271,7 +3273,7 @@
     </p:spTree>
     <p:extLst>
       <p:ext uri="{BB962C8B-B14F-4D97-AF65-F5344CB8AC3E}">
-        <p14:creationId xmlns:p14="http://schemas.microsoft.com/office/powerpoint/2010/main" val="1587003292"/>
+        <p14:creationId xmlns:p14="http://schemas.microsoft.com/office/powerpoint/2010/main" val="1004439438"/>
       </p:ext>
     </p:extLst>
   </p:cSld>
@@ -3346,7 +3348,7 @@
           <a:p>
             <a:fld id="{B3ED1C80-5D8D-4070-B38C-E06E8467A079}" type="slidenum">
               <a:rPr lang="en-US" smtClean="0"/>
-              <a:t>5</a:t>
+              <a:t>3</a:t>
             </a:fld>
             <a:endParaRPr lang="en-US"/>
           </a:p>
@@ -3355,7 +3357,7 @@
     </p:spTree>
     <p:extLst>
       <p:ext uri="{BB962C8B-B14F-4D97-AF65-F5344CB8AC3E}">
-        <p14:creationId xmlns:p14="http://schemas.microsoft.com/office/powerpoint/2010/main" val="1707662314"/>
+        <p14:creationId xmlns:p14="http://schemas.microsoft.com/office/powerpoint/2010/main" val="1587003292"/>
       </p:ext>
     </p:extLst>
   </p:cSld>
@@ -3439,7 +3441,7 @@
     </p:spTree>
     <p:extLst>
       <p:ext uri="{BB962C8B-B14F-4D97-AF65-F5344CB8AC3E}">
-        <p14:creationId xmlns:p14="http://schemas.microsoft.com/office/powerpoint/2010/main" val="4257549475"/>
+        <p14:creationId xmlns:p14="http://schemas.microsoft.com/office/powerpoint/2010/main" val="1707662314"/>
       </p:ext>
     </p:extLst>
   </p:cSld>
@@ -3515,6 +3517,90 @@
             <a:fld id="{B3ED1C80-5D8D-4070-B38C-E06E8467A079}" type="slidenum">
               <a:rPr lang="en-US" smtClean="0"/>
               <a:t>7</a:t>
+            </a:fld>
+            <a:endParaRPr lang="en-US"/>
+          </a:p>
+        </p:txBody>
+      </p:sp>
+    </p:spTree>
+    <p:extLst>
+      <p:ext uri="{BB962C8B-B14F-4D97-AF65-F5344CB8AC3E}">
+        <p14:creationId xmlns:p14="http://schemas.microsoft.com/office/powerpoint/2010/main" val="4257549475"/>
+      </p:ext>
+    </p:extLst>
+  </p:cSld>
+  <p:clrMapOvr>
+    <a:masterClrMapping/>
+  </p:clrMapOvr>
+</p:notes>
+</file>
+
+<file path=ppt/notesSlides/notesSlide5.xml><?xml version="1.0" encoding="utf-8"?>
+<p:notes xmlns:a="http://schemas.openxmlformats.org/drawingml/2006/main" xmlns:r="http://schemas.openxmlformats.org/officeDocument/2006/relationships" xmlns:p="http://schemas.openxmlformats.org/presentationml/2006/main">
+  <p:cSld>
+    <p:spTree>
+      <p:nvGrpSpPr>
+        <p:cNvPr id="1" name=""/>
+        <p:cNvGrpSpPr/>
+        <p:nvPr/>
+      </p:nvGrpSpPr>
+      <p:grpSpPr>
+        <a:xfrm>
+          <a:off x="0" y="0"/>
+          <a:ext cx="0" cy="0"/>
+          <a:chOff x="0" y="0"/>
+          <a:chExt cx="0" cy="0"/>
+        </a:xfrm>
+      </p:grpSpPr>
+      <p:sp>
+        <p:nvSpPr>
+          <p:cNvPr id="2" name="Slide Image Placeholder 1"/>
+          <p:cNvSpPr>
+            <a:spLocks noGrp="1" noRot="1" noChangeAspect="1"/>
+          </p:cNvSpPr>
+          <p:nvPr>
+            <p:ph type="sldImg"/>
+          </p:nvPr>
+        </p:nvSpPr>
+        <p:spPr/>
+      </p:sp>
+      <p:sp>
+        <p:nvSpPr>
+          <p:cNvPr id="3" name="Notes Placeholder 2"/>
+          <p:cNvSpPr>
+            <a:spLocks noGrp="1"/>
+          </p:cNvSpPr>
+          <p:nvPr>
+            <p:ph type="body" idx="1"/>
+          </p:nvPr>
+        </p:nvSpPr>
+        <p:spPr/>
+        <p:txBody>
+          <a:bodyPr/>
+          <a:lstStyle/>
+          <a:p>
+            <a:endParaRPr lang="en-US" dirty="0"/>
+          </a:p>
+        </p:txBody>
+      </p:sp>
+      <p:sp>
+        <p:nvSpPr>
+          <p:cNvPr id="4" name="Slide Number Placeholder 3"/>
+          <p:cNvSpPr>
+            <a:spLocks noGrp="1"/>
+          </p:cNvSpPr>
+          <p:nvPr>
+            <p:ph type="sldNum" sz="quarter" idx="5"/>
+          </p:nvPr>
+        </p:nvSpPr>
+        <p:spPr/>
+        <p:txBody>
+          <a:bodyPr/>
+          <a:lstStyle/>
+          <a:p>
+            <a:fld id="{B3ED1C80-5D8D-4070-B38C-E06E8467A079}" type="slidenum">
+              <a:rPr lang="en-US" smtClean="0"/>
+              <a:t>9</a:t>
             </a:fld>
             <a:endParaRPr lang="en-US"/>
           </a:p>
@@ -3807,7 +3893,7 @@
           <a:p>
             <a:fld id="{B2E7FAC6-FC36-4755-BF26-01EE8E87C7AC}" type="datetimeFigureOut">
               <a:rPr lang="en-US" smtClean="0"/>
-              <a:t>11/16/2022</a:t>
+              <a:t>11/18/2022</a:t>
             </a:fld>
             <a:endParaRPr lang="en-US"/>
           </a:p>
@@ -4233,7 +4319,7 @@
           <a:p>
             <a:fld id="{B2E7FAC6-FC36-4755-BF26-01EE8E87C7AC}" type="datetimeFigureOut">
               <a:rPr lang="en-US" smtClean="0"/>
-              <a:t>11/16/2022</a:t>
+              <a:t>11/18/2022</a:t>
             </a:fld>
             <a:endParaRPr lang="en-US"/>
           </a:p>
@@ -4581,7 +4667,7 @@
           <a:p>
             <a:fld id="{B2E7FAC6-FC36-4755-BF26-01EE8E87C7AC}" type="datetimeFigureOut">
               <a:rPr lang="en-US" smtClean="0"/>
-              <a:t>11/16/2022</a:t>
+              <a:t>11/18/2022</a:t>
             </a:fld>
             <a:endParaRPr lang="en-US"/>
           </a:p>
@@ -4998,7 +5084,7 @@
           <a:p>
             <a:fld id="{B2E7FAC6-FC36-4755-BF26-01EE8E87C7AC}" type="datetimeFigureOut">
               <a:rPr lang="en-US" smtClean="0"/>
-              <a:t>11/16/2022</a:t>
+              <a:t>11/18/2022</a:t>
             </a:fld>
             <a:endParaRPr lang="en-US"/>
           </a:p>
@@ -5578,7 +5664,7 @@
           <a:p>
             <a:fld id="{B2E7FAC6-FC36-4755-BF26-01EE8E87C7AC}" type="datetimeFigureOut">
               <a:rPr lang="en-US" smtClean="0"/>
-              <a:t>11/16/2022</a:t>
+              <a:t>11/18/2022</a:t>
             </a:fld>
             <a:endParaRPr lang="en-US"/>
           </a:p>
@@ -6271,7 +6357,7 @@
           <a:p>
             <a:fld id="{B2E7FAC6-FC36-4755-BF26-01EE8E87C7AC}" type="datetimeFigureOut">
               <a:rPr lang="en-US" smtClean="0"/>
-              <a:t>11/16/2022</a:t>
+              <a:t>11/18/2022</a:t>
             </a:fld>
             <a:endParaRPr lang="en-US"/>
           </a:p>
@@ -7196,7 +7282,7 @@
           <a:p>
             <a:fld id="{B2E7FAC6-FC36-4755-BF26-01EE8E87C7AC}" type="datetimeFigureOut">
               <a:rPr lang="en-US" smtClean="0"/>
-              <a:t>11/16/2022</a:t>
+              <a:t>11/18/2022</a:t>
             </a:fld>
             <a:endParaRPr lang="en-US"/>
           </a:p>
@@ -7521,7 +7607,7 @@
           <a:p>
             <a:fld id="{B2E7FAC6-FC36-4755-BF26-01EE8E87C7AC}" type="datetimeFigureOut">
               <a:rPr lang="en-US" smtClean="0"/>
-              <a:t>11/16/2022</a:t>
+              <a:t>11/18/2022</a:t>
             </a:fld>
             <a:endParaRPr lang="en-US"/>
           </a:p>
@@ -7797,7 +7883,7 @@
           <a:p>
             <a:fld id="{B2E7FAC6-FC36-4755-BF26-01EE8E87C7AC}" type="datetimeFigureOut">
               <a:rPr lang="en-US" smtClean="0"/>
-              <a:t>11/16/2022</a:t>
+              <a:t>11/18/2022</a:t>
             </a:fld>
             <a:endParaRPr lang="en-US"/>
           </a:p>
@@ -8158,7 +8244,7 @@
           <a:p>
             <a:fld id="{78ABE3C1-DBE1-495D-B57B-2849774B866A}" type="datetimeFigureOut">
               <a:rPr lang="en-US" dirty="0"/>
-              <a:t>11/16/2022</a:t>
+              <a:t>11/18/2022</a:t>
             </a:fld>
             <a:endParaRPr lang="en-US" dirty="0"/>
           </a:p>
@@ -8484,7 +8570,7 @@
           <a:p>
             <a:fld id="{12DE42F4-6EEF-4EF7-8ED4-2208F0F89A08}" type="datetimeFigureOut">
               <a:rPr lang="en-US" dirty="0"/>
-              <a:t>11/16/2022</a:t>
+              <a:t>11/18/2022</a:t>
             </a:fld>
             <a:endParaRPr lang="en-US" dirty="0"/>
           </a:p>
@@ -8823,7 +8909,7 @@
           <a:p>
             <a:fld id="{B2E7FAC6-FC36-4755-BF26-01EE8E87C7AC}" type="datetimeFigureOut">
               <a:rPr lang="en-US" smtClean="0"/>
-              <a:t>11/16/2022</a:t>
+              <a:t>11/18/2022</a:t>
             </a:fld>
             <a:endParaRPr lang="en-US"/>
           </a:p>
@@ -9224,7 +9310,7 @@
           <a:p>
             <a:fld id="{30578ACC-22D6-47C1-A373-4FD133E34F3C}" type="datetimeFigureOut">
               <a:rPr lang="en-US" dirty="0"/>
-              <a:t>11/16/2022</a:t>
+              <a:t>11/18/2022</a:t>
             </a:fld>
             <a:endParaRPr lang="en-US" dirty="0"/>
           </a:p>
@@ -9612,7 +9698,7 @@
           <a:p>
             <a:fld id="{4E5A6C69-6797-4E8A-BF37-F2C3751466E9}" type="datetimeFigureOut">
               <a:rPr lang="en-US" dirty="0"/>
-              <a:t>11/16/2022</a:t>
+              <a:t>11/18/2022</a:t>
             </a:fld>
             <a:endParaRPr lang="en-US" dirty="0"/>
           </a:p>
@@ -10130,7 +10216,7 @@
           <a:p>
             <a:fld id="{D82014A1-A632-4878-A0D3-F52BA7563730}" type="datetimeFigureOut">
               <a:rPr lang="en-US" dirty="0"/>
-              <a:t>11/16/2022</a:t>
+              <a:t>11/18/2022</a:t>
             </a:fld>
             <a:endParaRPr lang="en-US" dirty="0"/>
           </a:p>
@@ -10399,7 +10485,7 @@
           <a:p>
             <a:fld id="{CE99F462-093F-4566-844B-4C71F2739DA5}" type="datetimeFigureOut">
               <a:rPr lang="en-US" dirty="0"/>
-              <a:t>11/16/2022</a:t>
+              <a:t>11/18/2022</a:t>
             </a:fld>
             <a:endParaRPr lang="en-US" dirty="0"/>
           </a:p>
@@ -10574,7 +10660,7 @@
           <a:p>
             <a:fld id="{3D24A7AC-904D-4781-85BA-7D10C17ED021}" type="datetimeFigureOut">
               <a:rPr lang="en-US" dirty="0"/>
-              <a:t>11/16/2022</a:t>
+              <a:t>11/18/2022</a:t>
             </a:fld>
             <a:endParaRPr lang="en-US" dirty="0"/>
           </a:p>
@@ -10976,7 +11062,7 @@
           <a:p>
             <a:fld id="{E331444B-B92B-4E27-8C94-BB93EAF5CB18}" type="datetimeFigureOut">
               <a:rPr lang="en-US" dirty="0"/>
-              <a:t>11/16/2022</a:t>
+              <a:t>11/18/2022</a:t>
             </a:fld>
             <a:endParaRPr lang="en-US" dirty="0"/>
           </a:p>
@@ -11397,7 +11483,7 @@
           <a:p>
             <a:fld id="{363EFA5E-FA76-400D-B3DC-F0BA90E6D107}" type="datetimeFigureOut">
               <a:rPr lang="en-US" dirty="0"/>
-              <a:t>11/16/2022</a:t>
+              <a:t>11/18/2022</a:t>
             </a:fld>
             <a:endParaRPr lang="en-US" dirty="0"/>
           </a:p>
@@ -11818,7 +11904,7 @@
           <a:p>
             <a:fld id="{446C117F-5CCF-4837-BE5F-2B92066CAFAF}" type="datetimeFigureOut">
               <a:rPr lang="en-US" dirty="0"/>
-              <a:t>11/16/2022</a:t>
+              <a:t>11/18/2022</a:t>
             </a:fld>
             <a:endParaRPr lang="en-US" dirty="0"/>
           </a:p>
@@ -12166,7 +12252,7 @@
           <a:p>
             <a:fld id="{84EB90BD-B6CE-46B7-997F-7313B992CCDC}" type="datetimeFigureOut">
               <a:rPr lang="en-US" dirty="0"/>
-              <a:t>11/16/2022</a:t>
+              <a:t>11/18/2022</a:t>
             </a:fld>
             <a:endParaRPr lang="en-US" dirty="0"/>
           </a:p>
@@ -12583,7 +12669,7 @@
           <a:p>
             <a:fld id="{CDB9D11F-B188-461D-B23F-39381795C052}" type="datetimeFigureOut">
               <a:rPr lang="en-US" dirty="0"/>
-              <a:t>11/16/2022</a:t>
+              <a:t>11/18/2022</a:t>
             </a:fld>
             <a:endParaRPr lang="en-US" dirty="0"/>
           </a:p>
@@ -13221,7 +13307,7 @@
           <a:p>
             <a:fld id="{B2E7FAC6-FC36-4755-BF26-01EE8E87C7AC}" type="datetimeFigureOut">
               <a:rPr lang="en-US" smtClean="0"/>
-              <a:t>11/16/2022</a:t>
+              <a:t>11/18/2022</a:t>
             </a:fld>
             <a:endParaRPr lang="en-US"/>
           </a:p>
@@ -13569,7 +13655,7 @@
           <a:p>
             <a:fld id="{52E6D8D9-55A2-4063-B0F3-121F44549695}" type="datetimeFigureOut">
               <a:rPr lang="en-US" dirty="0"/>
-              <a:t>11/16/2022</a:t>
+              <a:t>11/18/2022</a:t>
             </a:fld>
             <a:endParaRPr lang="en-US" dirty="0"/>
           </a:p>
@@ -14262,7 +14348,7 @@
           <a:p>
             <a:fld id="{D4B24536-994D-4021-A283-9F449C0DB509}" type="datetimeFigureOut">
               <a:rPr lang="en-US" dirty="0"/>
-              <a:t>11/16/2022</a:t>
+              <a:t>11/18/2022</a:t>
             </a:fld>
             <a:endParaRPr lang="en-US" dirty="0"/>
           </a:p>
@@ -15187,7 +15273,7 @@
           <a:p>
             <a:fld id="{3CBBBB78-C96F-47B7-AB17-D852CA960AC9}" type="datetimeFigureOut">
               <a:rPr lang="en-US" dirty="0"/>
-              <a:t>11/16/2022</a:t>
+              <a:t>11/18/2022</a:t>
             </a:fld>
             <a:endParaRPr lang="en-US" dirty="0"/>
           </a:p>
@@ -15512,7 +15598,7 @@
           <a:p>
             <a:fld id="{1FA3F48C-C7C6-4055-9F49-3777875E72AE}" type="datetimeFigureOut">
               <a:rPr lang="en-US" dirty="0"/>
-              <a:t>11/16/2022</a:t>
+              <a:t>11/18/2022</a:t>
             </a:fld>
             <a:endParaRPr lang="en-US" dirty="0"/>
           </a:p>
@@ -15788,7 +15874,7 @@
           <a:p>
             <a:fld id="{6178E61D-D431-422C-9764-11DAFE33AB63}" type="datetimeFigureOut">
               <a:rPr lang="en-US" dirty="0"/>
-              <a:t>11/16/2022</a:t>
+              <a:t>11/18/2022</a:t>
             </a:fld>
             <a:endParaRPr lang="en-US" dirty="0"/>
           </a:p>
@@ -16150,7 +16236,7 @@
           <a:p>
             <a:fld id="{78ABE3C1-DBE1-495D-B57B-2849774B866A}" type="datetimeFigureOut">
               <a:rPr lang="en-US" smtClean="0"/>
-              <a:t>11/16/2022</a:t>
+              <a:t>11/18/2022</a:t>
             </a:fld>
             <a:endParaRPr lang="en-US" dirty="0"/>
           </a:p>
@@ -16476,7 +16562,7 @@
           <a:p>
             <a:fld id="{12DE42F4-6EEF-4EF7-8ED4-2208F0F89A08}" type="datetimeFigureOut">
               <a:rPr lang="en-US" smtClean="0"/>
-              <a:t>11/16/2022</a:t>
+              <a:t>11/18/2022</a:t>
             </a:fld>
             <a:endParaRPr lang="en-US" dirty="0"/>
           </a:p>
@@ -16877,7 +16963,7 @@
           <a:p>
             <a:fld id="{30578ACC-22D6-47C1-A373-4FD133E34F3C}" type="datetimeFigureOut">
               <a:rPr lang="en-US" smtClean="0"/>
-              <a:t>11/16/2022</a:t>
+              <a:t>11/18/2022</a:t>
             </a:fld>
             <a:endParaRPr lang="en-US" dirty="0"/>
           </a:p>
@@ -17265,7 +17351,7 @@
           <a:p>
             <a:fld id="{4E5A6C69-6797-4E8A-BF37-F2C3751466E9}" type="datetimeFigureOut">
               <a:rPr lang="en-US" smtClean="0"/>
-              <a:t>11/16/2022</a:t>
+              <a:t>11/18/2022</a:t>
             </a:fld>
             <a:endParaRPr lang="en-US" dirty="0"/>
           </a:p>
@@ -17783,7 +17869,7 @@
           <a:p>
             <a:fld id="{D82014A1-A632-4878-A0D3-F52BA7563730}" type="datetimeFigureOut">
               <a:rPr lang="en-US" smtClean="0"/>
-              <a:t>11/16/2022</a:t>
+              <a:t>11/18/2022</a:t>
             </a:fld>
             <a:endParaRPr lang="en-US" dirty="0"/>
           </a:p>
@@ -18166,7 +18252,7 @@
           <a:p>
             <a:fld id="{B2E7FAC6-FC36-4755-BF26-01EE8E87C7AC}" type="datetimeFigureOut">
               <a:rPr lang="en-US" smtClean="0"/>
-              <a:t>11/16/2022</a:t>
+              <a:t>11/18/2022</a:t>
             </a:fld>
             <a:endParaRPr lang="en-US"/>
           </a:p>
@@ -18435,7 +18521,7 @@
           <a:p>
             <a:fld id="{CE99F462-093F-4566-844B-4C71F2739DA5}" type="datetimeFigureOut">
               <a:rPr lang="en-US" smtClean="0"/>
-              <a:t>11/16/2022</a:t>
+              <a:t>11/18/2022</a:t>
             </a:fld>
             <a:endParaRPr lang="en-US" dirty="0"/>
           </a:p>
@@ -18610,7 +18696,7 @@
           <a:p>
             <a:fld id="{3D24A7AC-904D-4781-85BA-7D10C17ED021}" type="datetimeFigureOut">
               <a:rPr lang="en-US" smtClean="0"/>
-              <a:t>11/16/2022</a:t>
+              <a:t>11/18/2022</a:t>
             </a:fld>
             <a:endParaRPr lang="en-US" dirty="0"/>
           </a:p>
@@ -19012,7 +19098,7 @@
           <a:p>
             <a:fld id="{E331444B-B92B-4E27-8C94-BB93EAF5CB18}" type="datetimeFigureOut">
               <a:rPr lang="en-US" smtClean="0"/>
-              <a:t>11/16/2022</a:t>
+              <a:t>11/18/2022</a:t>
             </a:fld>
             <a:endParaRPr lang="en-US" dirty="0"/>
           </a:p>
@@ -19433,7 +19519,7 @@
           <a:p>
             <a:fld id="{363EFA5E-FA76-400D-B3DC-F0BA90E6D107}" type="datetimeFigureOut">
               <a:rPr lang="en-US" smtClean="0"/>
-              <a:t>11/16/2022</a:t>
+              <a:t>11/18/2022</a:t>
             </a:fld>
             <a:endParaRPr lang="en-US" dirty="0"/>
           </a:p>
@@ -19854,7 +19940,7 @@
           <a:p>
             <a:fld id="{446C117F-5CCF-4837-BE5F-2B92066CAFAF}" type="datetimeFigureOut">
               <a:rPr lang="en-US" smtClean="0"/>
-              <a:t>11/16/2022</a:t>
+              <a:t>11/18/2022</a:t>
             </a:fld>
             <a:endParaRPr lang="en-US" dirty="0"/>
           </a:p>
@@ -20202,7 +20288,7 @@
           <a:p>
             <a:fld id="{84EB90BD-B6CE-46B7-997F-7313B992CCDC}" type="datetimeFigureOut">
               <a:rPr lang="en-US" smtClean="0"/>
-              <a:t>11/16/2022</a:t>
+              <a:t>11/18/2022</a:t>
             </a:fld>
             <a:endParaRPr lang="en-US" dirty="0"/>
           </a:p>
@@ -20619,7 +20705,7 @@
           <a:p>
             <a:fld id="{CDB9D11F-B188-461D-B23F-39381795C052}" type="datetimeFigureOut">
               <a:rPr lang="en-US" smtClean="0"/>
-              <a:t>11/16/2022</a:t>
+              <a:t>11/18/2022</a:t>
             </a:fld>
             <a:endParaRPr lang="en-US" dirty="0"/>
           </a:p>
@@ -21199,7 +21285,7 @@
           <a:p>
             <a:fld id="{52E6D8D9-55A2-4063-B0F3-121F44549695}" type="datetimeFigureOut">
               <a:rPr lang="en-US" smtClean="0"/>
-              <a:t>11/16/2022</a:t>
+              <a:t>11/18/2022</a:t>
             </a:fld>
             <a:endParaRPr lang="en-US" dirty="0"/>
           </a:p>
@@ -21892,7 +21978,7 @@
           <a:p>
             <a:fld id="{D4B24536-994D-4021-A283-9F449C0DB509}" type="datetimeFigureOut">
               <a:rPr lang="en-US" smtClean="0"/>
-              <a:t>11/16/2022</a:t>
+              <a:t>11/18/2022</a:t>
             </a:fld>
             <a:endParaRPr lang="en-US" dirty="0"/>
           </a:p>
@@ -22817,7 +22903,7 @@
           <a:p>
             <a:fld id="{3CBBBB78-C96F-47B7-AB17-D852CA960AC9}" type="datetimeFigureOut">
               <a:rPr lang="en-US" smtClean="0"/>
-              <a:t>11/16/2022</a:t>
+              <a:t>11/18/2022</a:t>
             </a:fld>
             <a:endParaRPr lang="en-US" dirty="0"/>
           </a:p>
@@ -23335,7 +23421,7 @@
           <a:p>
             <a:fld id="{B2E7FAC6-FC36-4755-BF26-01EE8E87C7AC}" type="datetimeFigureOut">
               <a:rPr lang="en-US" smtClean="0"/>
-              <a:t>11/16/2022</a:t>
+              <a:t>11/18/2022</a:t>
             </a:fld>
             <a:endParaRPr lang="en-US"/>
           </a:p>
@@ -23660,7 +23746,7 @@
           <a:p>
             <a:fld id="{1FA3F48C-C7C6-4055-9F49-3777875E72AE}" type="datetimeFigureOut">
               <a:rPr lang="en-US" smtClean="0"/>
-              <a:t>11/16/2022</a:t>
+              <a:t>11/18/2022</a:t>
             </a:fld>
             <a:endParaRPr lang="en-US" dirty="0"/>
           </a:p>
@@ -23936,7 +24022,7 @@
           <a:p>
             <a:fld id="{6178E61D-D431-422C-9764-11DAFE33AB63}" type="datetimeFigureOut">
               <a:rPr lang="en-US" smtClean="0"/>
-              <a:t>11/16/2022</a:t>
+              <a:t>11/18/2022</a:t>
             </a:fld>
             <a:endParaRPr lang="en-US" dirty="0"/>
           </a:p>
@@ -24298,7 +24384,7 @@
           <a:p>
             <a:fld id="{78ABE3C1-DBE1-495D-B57B-2849774B866A}" type="datetimeFigureOut">
               <a:rPr lang="en-US" smtClean="0"/>
-              <a:t>11/16/2022</a:t>
+              <a:t>11/18/2022</a:t>
             </a:fld>
             <a:endParaRPr lang="en-US" dirty="0"/>
           </a:p>
@@ -24624,7 +24710,7 @@
           <a:p>
             <a:fld id="{12DE42F4-6EEF-4EF7-8ED4-2208F0F89A08}" type="datetimeFigureOut">
               <a:rPr lang="en-US" smtClean="0"/>
-              <a:t>11/16/2022</a:t>
+              <a:t>11/18/2022</a:t>
             </a:fld>
             <a:endParaRPr lang="en-US" dirty="0"/>
           </a:p>
@@ -25025,7 +25111,7 @@
           <a:p>
             <a:fld id="{30578ACC-22D6-47C1-A373-4FD133E34F3C}" type="datetimeFigureOut">
               <a:rPr lang="en-US" smtClean="0"/>
-              <a:t>11/16/2022</a:t>
+              <a:t>11/18/2022</a:t>
             </a:fld>
             <a:endParaRPr lang="en-US" dirty="0"/>
           </a:p>
@@ -25413,7 +25499,7 @@
           <a:p>
             <a:fld id="{4E5A6C69-6797-4E8A-BF37-F2C3751466E9}" type="datetimeFigureOut">
               <a:rPr lang="en-US" smtClean="0"/>
-              <a:t>11/16/2022</a:t>
+              <a:t>11/18/2022</a:t>
             </a:fld>
             <a:endParaRPr lang="en-US" dirty="0"/>
           </a:p>
@@ -25931,7 +26017,7 @@
           <a:p>
             <a:fld id="{D82014A1-A632-4878-A0D3-F52BA7563730}" type="datetimeFigureOut">
               <a:rPr lang="en-US" smtClean="0"/>
-              <a:t>11/16/2022</a:t>
+              <a:t>11/18/2022</a:t>
             </a:fld>
             <a:endParaRPr lang="en-US" dirty="0"/>
           </a:p>
@@ -26200,7 +26286,7 @@
           <a:p>
             <a:fld id="{CE99F462-093F-4566-844B-4C71F2739DA5}" type="datetimeFigureOut">
               <a:rPr lang="en-US" smtClean="0"/>
-              <a:t>11/16/2022</a:t>
+              <a:t>11/18/2022</a:t>
             </a:fld>
             <a:endParaRPr lang="en-US" dirty="0"/>
           </a:p>
@@ -26375,7 +26461,7 @@
           <a:p>
             <a:fld id="{3D24A7AC-904D-4781-85BA-7D10C17ED021}" type="datetimeFigureOut">
               <a:rPr lang="en-US" smtClean="0"/>
-              <a:t>11/16/2022</a:t>
+              <a:t>11/18/2022</a:t>
             </a:fld>
             <a:endParaRPr lang="en-US" dirty="0"/>
           </a:p>
@@ -26777,7 +26863,7 @@
           <a:p>
             <a:fld id="{E331444B-B92B-4E27-8C94-BB93EAF5CB18}" type="datetimeFigureOut">
               <a:rPr lang="en-US" smtClean="0"/>
-              <a:t>11/16/2022</a:t>
+              <a:t>11/18/2022</a:t>
             </a:fld>
             <a:endParaRPr lang="en-US" dirty="0"/>
           </a:p>
@@ -27046,7 +27132,7 @@
           <a:p>
             <a:fld id="{B2E7FAC6-FC36-4755-BF26-01EE8E87C7AC}" type="datetimeFigureOut">
               <a:rPr lang="en-US" smtClean="0"/>
-              <a:t>11/16/2022</a:t>
+              <a:t>11/18/2022</a:t>
             </a:fld>
             <a:endParaRPr lang="en-US"/>
           </a:p>
@@ -27467,7 +27553,7 @@
           <a:p>
             <a:fld id="{363EFA5E-FA76-400D-B3DC-F0BA90E6D107}" type="datetimeFigureOut">
               <a:rPr lang="en-US" smtClean="0"/>
-              <a:t>11/16/2022</a:t>
+              <a:t>11/18/2022</a:t>
             </a:fld>
             <a:endParaRPr lang="en-US" dirty="0"/>
           </a:p>
@@ -27888,7 +27974,7 @@
           <a:p>
             <a:fld id="{446C117F-5CCF-4837-BE5F-2B92066CAFAF}" type="datetimeFigureOut">
               <a:rPr lang="en-US" smtClean="0"/>
-              <a:t>11/16/2022</a:t>
+              <a:t>11/18/2022</a:t>
             </a:fld>
             <a:endParaRPr lang="en-US" dirty="0"/>
           </a:p>
@@ -28236,7 +28322,7 @@
           <a:p>
             <a:fld id="{84EB90BD-B6CE-46B7-997F-7313B992CCDC}" type="datetimeFigureOut">
               <a:rPr lang="en-US" smtClean="0"/>
-              <a:t>11/16/2022</a:t>
+              <a:t>11/18/2022</a:t>
             </a:fld>
             <a:endParaRPr lang="en-US" dirty="0"/>
           </a:p>
@@ -28653,7 +28739,7 @@
           <a:p>
             <a:fld id="{CDB9D11F-B188-461D-B23F-39381795C052}" type="datetimeFigureOut">
               <a:rPr lang="en-US" smtClean="0"/>
-              <a:t>11/16/2022</a:t>
+              <a:t>11/18/2022</a:t>
             </a:fld>
             <a:endParaRPr lang="en-US" dirty="0"/>
           </a:p>
@@ -29233,7 +29319,7 @@
           <a:p>
             <a:fld id="{52E6D8D9-55A2-4063-B0F3-121F44549695}" type="datetimeFigureOut">
               <a:rPr lang="en-US" smtClean="0"/>
-              <a:t>11/16/2022</a:t>
+              <a:t>11/18/2022</a:t>
             </a:fld>
             <a:endParaRPr lang="en-US" dirty="0"/>
           </a:p>
@@ -29926,7 +30012,7 @@
           <a:p>
             <a:fld id="{D4B24536-994D-4021-A283-9F449C0DB509}" type="datetimeFigureOut">
               <a:rPr lang="en-US" smtClean="0"/>
-              <a:t>11/16/2022</a:t>
+              <a:t>11/18/2022</a:t>
             </a:fld>
             <a:endParaRPr lang="en-US" dirty="0"/>
           </a:p>
@@ -30851,7 +30937,7 @@
           <a:p>
             <a:fld id="{3CBBBB78-C96F-47B7-AB17-D852CA960AC9}" type="datetimeFigureOut">
               <a:rPr lang="en-US" smtClean="0"/>
-              <a:t>11/16/2022</a:t>
+              <a:t>11/18/2022</a:t>
             </a:fld>
             <a:endParaRPr lang="en-US" dirty="0"/>
           </a:p>
@@ -31176,7 +31262,7 @@
           <a:p>
             <a:fld id="{1FA3F48C-C7C6-4055-9F49-3777875E72AE}" type="datetimeFigureOut">
               <a:rPr lang="en-US" smtClean="0"/>
-              <a:t>11/16/2022</a:t>
+              <a:t>11/18/2022</a:t>
             </a:fld>
             <a:endParaRPr lang="en-US" dirty="0"/>
           </a:p>
@@ -31452,7 +31538,7 @@
           <a:p>
             <a:fld id="{6178E61D-D431-422C-9764-11DAFE33AB63}" type="datetimeFigureOut">
               <a:rPr lang="en-US" smtClean="0"/>
-              <a:t>11/16/2022</a:t>
+              <a:t>11/18/2022</a:t>
             </a:fld>
             <a:endParaRPr lang="en-US" dirty="0"/>
           </a:p>
@@ -31642,7 +31728,7 @@
           <a:p>
             <a:fld id="{B2E7FAC6-FC36-4755-BF26-01EE8E87C7AC}" type="datetimeFigureOut">
               <a:rPr lang="en-US" smtClean="0"/>
-              <a:t>11/16/2022</a:t>
+              <a:t>11/18/2022</a:t>
             </a:fld>
             <a:endParaRPr lang="en-US"/>
           </a:p>
@@ -32044,7 +32130,7 @@
           <a:p>
             <a:fld id="{B2E7FAC6-FC36-4755-BF26-01EE8E87C7AC}" type="datetimeFigureOut">
               <a:rPr lang="en-US" smtClean="0"/>
-              <a:t>11/16/2022</a:t>
+              <a:t>11/18/2022</a:t>
             </a:fld>
             <a:endParaRPr lang="en-US"/>
           </a:p>
@@ -32465,7 +32551,7 @@
           <a:p>
             <a:fld id="{B2E7FAC6-FC36-4755-BF26-01EE8E87C7AC}" type="datetimeFigureOut">
               <a:rPr lang="en-US" smtClean="0"/>
-              <a:t>11/16/2022</a:t>
+              <a:t>11/18/2022</a:t>
             </a:fld>
             <a:endParaRPr lang="en-US"/>
           </a:p>
@@ -32721,7 +32807,7 @@
           <a:p>
             <a:fld id="{B2E7FAC6-FC36-4755-BF26-01EE8E87C7AC}" type="datetimeFigureOut">
               <a:rPr lang="en-US" smtClean="0"/>
-              <a:t>11/16/2022</a:t>
+              <a:t>11/18/2022</a:t>
             </a:fld>
             <a:endParaRPr lang="en-US"/>
           </a:p>
@@ -33345,7 +33431,7 @@
           <a:p>
             <a:fld id="{9D6E9DEC-419B-4CC5-A080-3B06BD5A8291}" type="datetimeFigureOut">
               <a:rPr lang="en-US" dirty="0"/>
-              <a:t>11/16/2022</a:t>
+              <a:t>11/18/2022</a:t>
             </a:fld>
             <a:endParaRPr lang="en-US" dirty="0"/>
           </a:p>
@@ -33936,7 +34022,7 @@
           <a:p>
             <a:fld id="{9D6E9DEC-419B-4CC5-A080-3B06BD5A8291}" type="datetimeFigureOut">
               <a:rPr lang="en-US" smtClean="0"/>
-              <a:t>11/16/2022</a:t>
+              <a:t>11/18/2022</a:t>
             </a:fld>
             <a:endParaRPr lang="en-US" dirty="0"/>
           </a:p>
@@ -34527,7 +34613,7 @@
           <a:p>
             <a:fld id="{9D6E9DEC-419B-4CC5-A080-3B06BD5A8291}" type="datetimeFigureOut">
               <a:rPr lang="en-US" smtClean="0"/>
-              <a:t>11/16/2022</a:t>
+              <a:t>11/18/2022</a:t>
             </a:fld>
             <a:endParaRPr lang="en-US" dirty="0"/>
           </a:p>
@@ -34954,36 +35040,6 @@
       </p:grpSpPr>
       <p:sp>
         <p:nvSpPr>
-          <p:cNvPr id="2" name="Title 1">
-            <a:extLst>
-              <a:ext uri="{FF2B5EF4-FFF2-40B4-BE49-F238E27FC236}">
-                <a16:creationId xmlns:a16="http://schemas.microsoft.com/office/drawing/2014/main" id="{EB3A238E-46BF-674C-D9D8-CE56FD23794E}"/>
-              </a:ext>
-            </a:extLst>
-          </p:cNvPr>
-          <p:cNvSpPr>
-            <a:spLocks noGrp="1"/>
-          </p:cNvSpPr>
-          <p:nvPr>
-            <p:ph type="ctrTitle"/>
-          </p:nvPr>
-        </p:nvSpPr>
-        <p:spPr/>
-        <p:txBody>
-          <a:bodyPr>
-            <a:normAutofit fontScale="90000"/>
-          </a:bodyPr>
-          <a:lstStyle/>
-          <a:p>
-            <a:r>
-              <a:rPr lang="en-US" dirty="0"/>
-              <a:t>PALLET SCAN AND PRINT PROJECT PRESENTATION</a:t>
-            </a:r>
-          </a:p>
-        </p:txBody>
-      </p:sp>
-      <p:sp>
-        <p:nvSpPr>
           <p:cNvPr id="3" name="TextBox 2">
             <a:extLst>
               <a:ext uri="{FF2B5EF4-FFF2-40B4-BE49-F238E27FC236}">
@@ -34996,8 +35052,8 @@
         </p:nvSpPr>
         <p:spPr>
           <a:xfrm>
-            <a:off x="8930935" y="6131182"/>
-            <a:ext cx="3169330" cy="584775"/>
+            <a:off x="10682797" y="5972223"/>
+            <a:ext cx="1509203" cy="369332"/>
           </a:xfrm>
           <a:prstGeom prst="rect">
             <a:avLst/>
@@ -35010,9 +35066,107 @@
           </a:bodyPr>
           <a:lstStyle/>
           <a:p>
-            <a:r>
-              <a:rPr lang="en-GB" sz="3200" dirty="0"/>
-              <a:t>Pandele Daniel </a:t>
+            <a:pPr algn="r"/>
+            <a:r>
+              <a:rPr lang="en-GB" dirty="0">
+                <a:latin typeface="Eras Bold ITC" panose="020B0907030504020204" pitchFamily="34" charset="0"/>
+              </a:rPr>
+              <a:t>Created by:</a:t>
+            </a:r>
+          </a:p>
+        </p:txBody>
+      </p:sp>
+      <p:sp>
+        <p:nvSpPr>
+          <p:cNvPr id="4" name="TextBox 3">
+            <a:extLst>
+              <a:ext uri="{FF2B5EF4-FFF2-40B4-BE49-F238E27FC236}">
+                <a16:creationId xmlns:a16="http://schemas.microsoft.com/office/drawing/2014/main" id="{03157423-67DF-866E-5CF3-237DE64DAA35}"/>
+              </a:ext>
+            </a:extLst>
+          </p:cNvPr>
+          <p:cNvSpPr txBox="1"/>
+          <p:nvPr/>
+        </p:nvSpPr>
+        <p:spPr>
+          <a:xfrm>
+            <a:off x="8488533" y="6341555"/>
+            <a:ext cx="3703467" cy="584775"/>
+          </a:xfrm>
+          <a:prstGeom prst="rect">
+            <a:avLst/>
+          </a:prstGeom>
+          <a:noFill/>
+        </p:spPr>
+        <p:txBody>
+          <a:bodyPr wrap="square" rtlCol="0">
+            <a:spAutoFit/>
+          </a:bodyPr>
+          <a:lstStyle/>
+          <a:p>
+            <a:pPr algn="r"/>
+            <a:r>
+              <a:rPr lang="en-GB" sz="3200" dirty="0">
+                <a:latin typeface="Eras Bold ITC" panose="020B0907030504020204" pitchFamily="34" charset="0"/>
+              </a:rPr>
+              <a:t>Daniel PANDELE</a:t>
+            </a:r>
+          </a:p>
+        </p:txBody>
+      </p:sp>
+      <p:sp>
+        <p:nvSpPr>
+          <p:cNvPr id="5" name="Title 1">
+            <a:extLst>
+              <a:ext uri="{FF2B5EF4-FFF2-40B4-BE49-F238E27FC236}">
+                <a16:creationId xmlns:a16="http://schemas.microsoft.com/office/drawing/2014/main" id="{C99C70E7-D613-A520-A246-8E78DA835B09}"/>
+              </a:ext>
+            </a:extLst>
+          </p:cNvPr>
+          <p:cNvSpPr txBox="1">
+            <a:spLocks/>
+          </p:cNvSpPr>
+          <p:nvPr/>
+        </p:nvSpPr>
+        <p:spPr>
+          <a:xfrm>
+            <a:off x="-1" y="2603109"/>
+            <a:ext cx="8957569" cy="1622662"/>
+          </a:xfrm>
+          <a:prstGeom prst="rect">
+            <a:avLst/>
+          </a:prstGeom>
+        </p:spPr>
+        <p:txBody>
+          <a:bodyPr vert="horz" lIns="91440" tIns="45720" rIns="91440" bIns="45720" rtlCol="0" anchor="ctr">
+            <a:normAutofit fontScale="97500"/>
+          </a:bodyPr>
+          <a:lstStyle>
+            <a:lvl1pPr algn="r" defTabSz="914400" rtl="0" eaLnBrk="1" latinLnBrk="0" hangingPunct="1">
+              <a:lnSpc>
+                <a:spcPct val="90000"/>
+              </a:lnSpc>
+              <a:spcBef>
+                <a:spcPct val="0"/>
+              </a:spcBef>
+              <a:buNone/>
+              <a:defRPr sz="5400" kern="1200">
+                <a:solidFill>
+                  <a:schemeClr val="tx1"/>
+                </a:solidFill>
+                <a:latin typeface="+mj-lt"/>
+                <a:ea typeface="+mj-ea"/>
+                <a:cs typeface="+mj-cs"/>
+              </a:defRPr>
+            </a:lvl1pPr>
+          </a:lstStyle>
+          <a:p>
+            <a:pPr algn="ctr"/>
+            <a:r>
+              <a:rPr lang="en-US" dirty="0">
+                <a:latin typeface="Eras Bold ITC" panose="020B0907030504020204" pitchFamily="34" charset="0"/>
+              </a:rPr>
+              <a:t>PALLET SCAN &amp; PRINT</a:t>
             </a:r>
           </a:p>
         </p:txBody>
@@ -35052,39 +35206,6 @@
       </p:grpSpPr>
       <p:sp>
         <p:nvSpPr>
-          <p:cNvPr id="2" name="Title 1">
-            <a:extLst>
-              <a:ext uri="{FF2B5EF4-FFF2-40B4-BE49-F238E27FC236}">
-                <a16:creationId xmlns:a16="http://schemas.microsoft.com/office/drawing/2014/main" id="{3AD59952-AEC0-8CEF-F7D4-5BAE34C97877}"/>
-              </a:ext>
-            </a:extLst>
-          </p:cNvPr>
-          <p:cNvSpPr>
-            <a:spLocks noGrp="1"/>
-          </p:cNvSpPr>
-          <p:nvPr>
-            <p:ph type="title"/>
-          </p:nvPr>
-        </p:nvSpPr>
-        <p:spPr>
-          <a:xfrm>
-            <a:off x="0" y="224902"/>
-            <a:ext cx="10801257" cy="1919268"/>
-          </a:xfrm>
-        </p:spPr>
-        <p:txBody>
-          <a:bodyPr/>
-          <a:lstStyle/>
-          <a:p>
-            <a:r>
-              <a:rPr lang="en-US" dirty="0"/>
-              <a:t>OLD PROCESS VERSUS NEW PROCESS</a:t>
-            </a:r>
-          </a:p>
-        </p:txBody>
-      </p:sp>
-      <p:sp>
-        <p:nvSpPr>
           <p:cNvPr id="9" name="TextBox 8">
             <a:extLst>
               <a:ext uri="{FF2B5EF4-FFF2-40B4-BE49-F238E27FC236}">
@@ -35098,7 +35219,7 @@
         <p:spPr>
           <a:xfrm>
             <a:off x="109399" y="2609634"/>
-            <a:ext cx="5217203" cy="1200329"/>
+            <a:ext cx="5217203" cy="923330"/>
           </a:xfrm>
           <a:prstGeom prst="rect">
             <a:avLst/>
@@ -35115,8 +35236,12 @@
               <a:buNone/>
             </a:pPr>
             <a:r>
+              <a:rPr lang="en-US" u="sng" dirty="0"/>
+              <a:t>Transport problems</a:t>
+            </a:r>
+            <a:r>
               <a:rPr lang="en-US" dirty="0"/>
-              <a:t>Slow :</a:t>
+              <a:t>:</a:t>
             </a:r>
           </a:p>
           <a:p>
@@ -35131,7 +35256,7 @@
             </a:pPr>
             <a:r>
               <a:rPr lang="en-US" dirty="0"/>
-              <a:t>The process involved the operator look for the label in the wrapped pallet.</a:t>
+              <a:t>Labels can get lost when towing the pallets</a:t>
             </a:r>
           </a:p>
         </p:txBody>
@@ -35188,8 +35313,8 @@
         </p:nvSpPr>
         <p:spPr>
           <a:xfrm>
-            <a:off x="6786886" y="2708768"/>
-            <a:ext cx="5217203" cy="923330"/>
+            <a:off x="6786886" y="2609634"/>
+            <a:ext cx="5217203" cy="1200329"/>
           </a:xfrm>
           <a:prstGeom prst="rect">
             <a:avLst/>
@@ -35202,12 +35327,346 @@
           </a:bodyPr>
           <a:lstStyle/>
           <a:p>
+            <a:r>
+              <a:rPr lang="en-US" u="sng" dirty="0"/>
+              <a:t>Shipment delays</a:t>
+            </a:r>
+            <a:r>
+              <a:rPr lang="en-US" dirty="0"/>
+              <a:t>:</a:t>
+            </a:r>
+          </a:p>
+          <a:p>
             <a:pPr marL="0" indent="0">
               <a:buNone/>
             </a:pPr>
+            <a:endParaRPr lang="en-US" dirty="0"/>
+          </a:p>
+          <a:p>
+            <a:pPr marL="0" indent="0">
+              <a:buNone/>
+            </a:pPr>
             <a:r>
               <a:rPr lang="en-US" dirty="0"/>
-              <a:t>Can cause errors:</a:t>
+              <a:t>A lot of time waisted not only for export operator but also for MAP</a:t>
+            </a:r>
+          </a:p>
+        </p:txBody>
+      </p:sp>
+      <p:pic>
+        <p:nvPicPr>
+          <p:cNvPr id="7" name="Picture 6">
+            <a:extLst>
+              <a:ext uri="{FF2B5EF4-FFF2-40B4-BE49-F238E27FC236}">
+                <a16:creationId xmlns:a16="http://schemas.microsoft.com/office/drawing/2014/main" id="{537825C6-9D77-F323-75F6-77B5FE904948}"/>
+              </a:ext>
+            </a:extLst>
+          </p:cNvPr>
+          <p:cNvPicPr>
+            <a:picLocks noChangeAspect="1"/>
+          </p:cNvPicPr>
+          <p:nvPr/>
+        </p:nvPicPr>
+        <p:blipFill>
+          <a:blip r:embed="rId3">
+            <a:extLst>
+              <a:ext uri="{28A0092B-C50C-407E-A947-70E740481C1C}">
+                <a14:useLocalDpi xmlns:a14="http://schemas.microsoft.com/office/drawing/2010/main" val="0"/>
+              </a:ext>
+            </a:extLst>
+          </a:blip>
+          <a:stretch>
+            <a:fillRect/>
+          </a:stretch>
+        </p:blipFill>
+        <p:spPr>
+          <a:xfrm>
+            <a:off x="9501731" y="4384918"/>
+            <a:ext cx="2599051" cy="1729369"/>
+          </a:xfrm>
+          <a:prstGeom prst="rect">
+            <a:avLst/>
+          </a:prstGeom>
+        </p:spPr>
+      </p:pic>
+      <p:pic>
+        <p:nvPicPr>
+          <p:cNvPr id="10" name="Picture 9">
+            <a:extLst>
+              <a:ext uri="{FF2B5EF4-FFF2-40B4-BE49-F238E27FC236}">
+                <a16:creationId xmlns:a16="http://schemas.microsoft.com/office/drawing/2014/main" id="{70A4F47B-9A0C-C6DD-9EFB-2680CE967CBB}"/>
+              </a:ext>
+            </a:extLst>
+          </p:cNvPr>
+          <p:cNvPicPr>
+            <a:picLocks noChangeAspect="1"/>
+          </p:cNvPicPr>
+          <p:nvPr/>
+        </p:nvPicPr>
+        <p:blipFill>
+          <a:blip r:embed="rId4">
+            <a:extLst>
+              <a:ext uri="{28A0092B-C50C-407E-A947-70E740481C1C}">
+                <a14:useLocalDpi xmlns:a14="http://schemas.microsoft.com/office/drawing/2010/main" val="0"/>
+              </a:ext>
+            </a:extLst>
+          </a:blip>
+          <a:stretch>
+            <a:fillRect/>
+          </a:stretch>
+        </p:blipFill>
+        <p:spPr>
+          <a:xfrm>
+            <a:off x="6786886" y="4385084"/>
+            <a:ext cx="2432861" cy="1729203"/>
+          </a:xfrm>
+          <a:prstGeom prst="rect">
+            <a:avLst/>
+          </a:prstGeom>
+        </p:spPr>
+      </p:pic>
+      <p:sp>
+        <p:nvSpPr>
+          <p:cNvPr id="8" name="Title 1">
+            <a:extLst>
+              <a:ext uri="{FF2B5EF4-FFF2-40B4-BE49-F238E27FC236}">
+                <a16:creationId xmlns:a16="http://schemas.microsoft.com/office/drawing/2014/main" id="{C16C3D16-73A0-D370-0D26-FDB1EC59C684}"/>
+              </a:ext>
+            </a:extLst>
+          </p:cNvPr>
+          <p:cNvSpPr>
+            <a:spLocks noGrp="1"/>
+          </p:cNvSpPr>
+          <p:nvPr>
+            <p:ph type="title"/>
+          </p:nvPr>
+        </p:nvSpPr>
+        <p:spPr>
+          <a:xfrm>
+            <a:off x="0" y="612794"/>
+            <a:ext cx="9008198" cy="1080938"/>
+          </a:xfrm>
+        </p:spPr>
+        <p:txBody>
+          <a:bodyPr>
+            <a:normAutofit/>
+          </a:bodyPr>
+          <a:lstStyle/>
+          <a:p>
+            <a:r>
+              <a:rPr lang="en-US" dirty="0">
+                <a:latin typeface="Eras Bold ITC" panose="020B0907030504020204" pitchFamily="34" charset="0"/>
+              </a:rPr>
+              <a:t>Old process Vs. New process</a:t>
+            </a:r>
+          </a:p>
+        </p:txBody>
+      </p:sp>
+      <p:pic>
+        <p:nvPicPr>
+          <p:cNvPr id="13" name="Picture 12">
+            <a:extLst>
+              <a:ext uri="{FF2B5EF4-FFF2-40B4-BE49-F238E27FC236}">
+                <a16:creationId xmlns:a16="http://schemas.microsoft.com/office/drawing/2014/main" id="{54378BC2-E431-3A03-2ACE-55397A0D032F}"/>
+              </a:ext>
+            </a:extLst>
+          </p:cNvPr>
+          <p:cNvPicPr>
+            <a:picLocks noChangeAspect="1"/>
+          </p:cNvPicPr>
+          <p:nvPr/>
+        </p:nvPicPr>
+        <p:blipFill>
+          <a:blip r:embed="rId5"/>
+          <a:stretch>
+            <a:fillRect/>
+          </a:stretch>
+        </p:blipFill>
+        <p:spPr>
+          <a:xfrm>
+            <a:off x="435728" y="3809963"/>
+            <a:ext cx="4140111" cy="2957222"/>
+          </a:xfrm>
+          <a:prstGeom prst="rect">
+            <a:avLst/>
+          </a:prstGeom>
+        </p:spPr>
+      </p:pic>
+    </p:spTree>
+    <p:extLst>
+      <p:ext uri="{BB962C8B-B14F-4D97-AF65-F5344CB8AC3E}">
+        <p14:creationId xmlns:p14="http://schemas.microsoft.com/office/powerpoint/2010/main" val="3976678180"/>
+      </p:ext>
+    </p:extLst>
+  </p:cSld>
+  <p:clrMapOvr>
+    <a:masterClrMapping/>
+  </p:clrMapOvr>
+  <mc:AlternateContent xmlns:mc="http://schemas.openxmlformats.org/markup-compatibility/2006" xmlns:p159="http://schemas.microsoft.com/office/powerpoint/2015/09/main">
+    <mc:Choice Requires="p159">
+      <p:transition xmlns:p14="http://schemas.microsoft.com/office/powerpoint/2010/main" spd="slow" p14:dur="2000">
+        <p159:morph option="byObject"/>
+      </p:transition>
+    </mc:Choice>
+    <mc:Fallback xmlns="">
+      <p:transition spd="slow">
+        <p:fade/>
+      </p:transition>
+    </mc:Fallback>
+  </mc:AlternateContent>
+</p:sld>
+</file>
+
+<file path=ppt/slides/slide3.xml><?xml version="1.0" encoding="utf-8"?>
+<p:sld xmlns:a="http://schemas.openxmlformats.org/drawingml/2006/main" xmlns:r="http://schemas.openxmlformats.org/officeDocument/2006/relationships" xmlns:p="http://schemas.openxmlformats.org/presentationml/2006/main">
+  <p:cSld>
+    <p:spTree>
+      <p:nvGrpSpPr>
+        <p:cNvPr id="1" name=""/>
+        <p:cNvGrpSpPr/>
+        <p:nvPr/>
+      </p:nvGrpSpPr>
+      <p:grpSpPr>
+        <a:xfrm>
+          <a:off x="0" y="0"/>
+          <a:ext cx="0" cy="0"/>
+          <a:chOff x="0" y="0"/>
+          <a:chExt cx="0" cy="0"/>
+        </a:xfrm>
+      </p:grpSpPr>
+      <p:sp>
+        <p:nvSpPr>
+          <p:cNvPr id="9" name="TextBox 8">
+            <a:extLst>
+              <a:ext uri="{FF2B5EF4-FFF2-40B4-BE49-F238E27FC236}">
+                <a16:creationId xmlns:a16="http://schemas.microsoft.com/office/drawing/2014/main" id="{A78DF2A3-A06D-6F4F-1C31-A7DA7E887B2E}"/>
+              </a:ext>
+            </a:extLst>
+          </p:cNvPr>
+          <p:cNvSpPr txBox="1"/>
+          <p:nvPr/>
+        </p:nvSpPr>
+        <p:spPr>
+          <a:xfrm>
+            <a:off x="109399" y="2609634"/>
+            <a:ext cx="5217203" cy="1200329"/>
+          </a:xfrm>
+          <a:prstGeom prst="rect">
+            <a:avLst/>
+          </a:prstGeom>
+          <a:noFill/>
+        </p:spPr>
+        <p:txBody>
+          <a:bodyPr wrap="square" rtlCol="0">
+            <a:spAutoFit/>
+          </a:bodyPr>
+          <a:lstStyle/>
+          <a:p>
+            <a:pPr marL="0" indent="0">
+              <a:buNone/>
+            </a:pPr>
+            <a:r>
+              <a:rPr lang="en-US" u="sng" dirty="0"/>
+              <a:t>Slow</a:t>
+            </a:r>
+            <a:r>
+              <a:rPr lang="en-US" dirty="0"/>
+              <a:t> :</a:t>
+            </a:r>
+          </a:p>
+          <a:p>
+            <a:pPr marL="0" indent="0">
+              <a:buNone/>
+            </a:pPr>
+            <a:endParaRPr lang="en-US" dirty="0"/>
+          </a:p>
+          <a:p>
+            <a:pPr marL="0" indent="0">
+              <a:buNone/>
+            </a:pPr>
+            <a:r>
+              <a:rPr lang="en-US" dirty="0"/>
+              <a:t>The process involved the operator look for the label in the wrapped pallet.</a:t>
+            </a:r>
+          </a:p>
+        </p:txBody>
+      </p:sp>
+      <p:sp>
+        <p:nvSpPr>
+          <p:cNvPr id="3" name="TextBox 2">
+            <a:extLst>
+              <a:ext uri="{FF2B5EF4-FFF2-40B4-BE49-F238E27FC236}">
+                <a16:creationId xmlns:a16="http://schemas.microsoft.com/office/drawing/2014/main" id="{6D955E74-7FAB-6DDC-D979-7A47E47F0A34}"/>
+              </a:ext>
+            </a:extLst>
+          </p:cNvPr>
+          <p:cNvSpPr txBox="1"/>
+          <p:nvPr/>
+        </p:nvSpPr>
+        <p:spPr>
+          <a:xfrm>
+            <a:off x="9053" y="1501755"/>
+            <a:ext cx="3376815" cy="461665"/>
+          </a:xfrm>
+          <a:prstGeom prst="rect">
+            <a:avLst/>
+          </a:prstGeom>
+          <a:noFill/>
+        </p:spPr>
+        <p:txBody>
+          <a:bodyPr wrap="square" rtlCol="0">
+            <a:spAutoFit/>
+          </a:bodyPr>
+          <a:lstStyle/>
+          <a:p>
+            <a:pPr marL="0" indent="0">
+              <a:buNone/>
+            </a:pPr>
+            <a:r>
+              <a:rPr lang="en-US" sz="2400" dirty="0"/>
+              <a:t>Old process problems:</a:t>
+            </a:r>
+          </a:p>
+        </p:txBody>
+      </p:sp>
+      <p:sp>
+        <p:nvSpPr>
+          <p:cNvPr id="5" name="TextBox 4">
+            <a:extLst>
+              <a:ext uri="{FF2B5EF4-FFF2-40B4-BE49-F238E27FC236}">
+                <a16:creationId xmlns:a16="http://schemas.microsoft.com/office/drawing/2014/main" id="{3D1E8F82-F309-96D1-42FF-CF2AD93DD229}"/>
+              </a:ext>
+            </a:extLst>
+          </p:cNvPr>
+          <p:cNvSpPr txBox="1"/>
+          <p:nvPr/>
+        </p:nvSpPr>
+        <p:spPr>
+          <a:xfrm>
+            <a:off x="6662599" y="2610750"/>
+            <a:ext cx="5217203" cy="923330"/>
+          </a:xfrm>
+          <a:prstGeom prst="rect">
+            <a:avLst/>
+          </a:prstGeom>
+          <a:noFill/>
+        </p:spPr>
+        <p:txBody>
+          <a:bodyPr wrap="square" rtlCol="0">
+            <a:spAutoFit/>
+          </a:bodyPr>
+          <a:lstStyle/>
+          <a:p>
+            <a:pPr marL="0" indent="0">
+              <a:buNone/>
+            </a:pPr>
+            <a:r>
+              <a:rPr lang="en-US" u="sng" dirty="0"/>
+              <a:t>Can cause errors</a:t>
+            </a:r>
+            <a:r>
+              <a:rPr lang="en-US" dirty="0"/>
+              <a:t>:</a:t>
             </a:r>
           </a:p>
           <a:p>
@@ -35911,10 +36370,47 @@
           </a:prstGeom>
         </p:spPr>
       </p:pic>
+      <p:sp>
+        <p:nvSpPr>
+          <p:cNvPr id="8" name="Title 1">
+            <a:extLst>
+              <a:ext uri="{FF2B5EF4-FFF2-40B4-BE49-F238E27FC236}">
+                <a16:creationId xmlns:a16="http://schemas.microsoft.com/office/drawing/2014/main" id="{EA26CA55-EC3B-55EB-1A6F-89B7FB61C5E0}"/>
+              </a:ext>
+            </a:extLst>
+          </p:cNvPr>
+          <p:cNvSpPr>
+            <a:spLocks noGrp="1"/>
+          </p:cNvSpPr>
+          <p:nvPr>
+            <p:ph type="title"/>
+          </p:nvPr>
+        </p:nvSpPr>
+        <p:spPr>
+          <a:xfrm>
+            <a:off x="0" y="612794"/>
+            <a:ext cx="9008198" cy="1080938"/>
+          </a:xfrm>
+        </p:spPr>
+        <p:txBody>
+          <a:bodyPr>
+            <a:normAutofit/>
+          </a:bodyPr>
+          <a:lstStyle/>
+          <a:p>
+            <a:r>
+              <a:rPr lang="en-US" dirty="0">
+                <a:latin typeface="Eras Bold ITC" panose="020B0907030504020204" pitchFamily="34" charset="0"/>
+              </a:rPr>
+              <a:t>Old process Vs. New process</a:t>
+            </a:r>
+          </a:p>
+        </p:txBody>
+      </p:sp>
     </p:spTree>
     <p:extLst>
       <p:ext uri="{BB962C8B-B14F-4D97-AF65-F5344CB8AC3E}">
-        <p14:creationId xmlns:p14="http://schemas.microsoft.com/office/powerpoint/2010/main" val="304506984"/>
+        <p14:creationId xmlns:p14="http://schemas.microsoft.com/office/powerpoint/2010/main" val="2203743598"/>
       </p:ext>
     </p:extLst>
   </p:cSld>
@@ -35936,7 +36432,7 @@
 </p:sld>
 </file>
 
-<file path=ppt/slides/slide3.xml><?xml version="1.0" encoding="utf-8"?>
+<file path=ppt/slides/slide4.xml><?xml version="1.0" encoding="utf-8"?>
 <p:sld xmlns:a="http://schemas.openxmlformats.org/drawingml/2006/main" xmlns:r="http://schemas.openxmlformats.org/officeDocument/2006/relationships" xmlns:p="http://schemas.openxmlformats.org/presentationml/2006/main">
   <p:cSld>
     <p:spTree>
@@ -35953,41 +36449,6 @@
           <a:chExt cx="0" cy="0"/>
         </a:xfrm>
       </p:grpSpPr>
-      <p:sp>
-        <p:nvSpPr>
-          <p:cNvPr id="2" name="Title 1">
-            <a:extLst>
-              <a:ext uri="{FF2B5EF4-FFF2-40B4-BE49-F238E27FC236}">
-                <a16:creationId xmlns:a16="http://schemas.microsoft.com/office/drawing/2014/main" id="{4042D1EC-4E95-E448-040E-97FF18B7FA97}"/>
-              </a:ext>
-            </a:extLst>
-          </p:cNvPr>
-          <p:cNvSpPr>
-            <a:spLocks noGrp="1"/>
-          </p:cNvSpPr>
-          <p:nvPr>
-            <p:ph type="title"/>
-          </p:nvPr>
-        </p:nvSpPr>
-        <p:spPr>
-          <a:xfrm>
-            <a:off x="0" y="637818"/>
-            <a:ext cx="8025529" cy="1080938"/>
-          </a:xfrm>
-        </p:spPr>
-        <p:txBody>
-          <a:bodyPr>
-            <a:normAutofit/>
-          </a:bodyPr>
-          <a:lstStyle/>
-          <a:p>
-            <a:r>
-              <a:rPr lang="en-US" dirty="0"/>
-              <a:t>OLD PROCESS VERSUS NEW PROCESS</a:t>
-            </a:r>
-          </a:p>
-        </p:txBody>
-      </p:sp>
       <p:pic>
         <p:nvPicPr>
           <p:cNvPr id="27" name="Picture 26">
@@ -36145,8 +36606,12 @@
               <a:buNone/>
             </a:pPr>
             <a:r>
+              <a:rPr lang="en-US" u="sng" dirty="0"/>
+              <a:t>Functionalities</a:t>
+            </a:r>
+            <a:r>
               <a:rPr lang="en-US" dirty="0"/>
-              <a:t>Functions:</a:t>
+              <a:t>:</a:t>
             </a:r>
           </a:p>
           <a:p>
@@ -36187,44 +36652,6 @@
             <a:r>
               <a:rPr lang="en-US" dirty="0"/>
               <a:t>Reprint function</a:t>
-            </a:r>
-          </a:p>
-        </p:txBody>
-      </p:sp>
-      <p:sp>
-        <p:nvSpPr>
-          <p:cNvPr id="34" name="TextBox 33">
-            <a:extLst>
-              <a:ext uri="{FF2B5EF4-FFF2-40B4-BE49-F238E27FC236}">
-                <a16:creationId xmlns:a16="http://schemas.microsoft.com/office/drawing/2014/main" id="{B1807B4A-E191-71E8-76F2-EF0E694ABD60}"/>
-              </a:ext>
-            </a:extLst>
-          </p:cNvPr>
-          <p:cNvSpPr txBox="1"/>
-          <p:nvPr/>
-        </p:nvSpPr>
-        <p:spPr>
-          <a:xfrm>
-            <a:off x="0" y="1483649"/>
-            <a:ext cx="3376815" cy="461665"/>
-          </a:xfrm>
-          <a:prstGeom prst="rect">
-            <a:avLst/>
-          </a:prstGeom>
-          <a:noFill/>
-        </p:spPr>
-        <p:txBody>
-          <a:bodyPr wrap="square" rtlCol="0">
-            <a:spAutoFit/>
-          </a:bodyPr>
-          <a:lstStyle/>
-          <a:p>
-            <a:pPr marL="0" indent="0">
-              <a:buNone/>
-            </a:pPr>
-            <a:r>
-              <a:rPr lang="en-US" sz="2400" dirty="0"/>
-              <a:t>New system solutions:</a:t>
             </a:r>
           </a:p>
         </p:txBody>
@@ -36289,6 +36716,81 @@
           </a:prstGeom>
         </p:spPr>
       </p:pic>
+      <p:sp>
+        <p:nvSpPr>
+          <p:cNvPr id="6" name="TextBox 5">
+            <a:extLst>
+              <a:ext uri="{FF2B5EF4-FFF2-40B4-BE49-F238E27FC236}">
+                <a16:creationId xmlns:a16="http://schemas.microsoft.com/office/drawing/2014/main" id="{26256C3B-E2DC-5C98-AC90-9158028D9118}"/>
+              </a:ext>
+            </a:extLst>
+          </p:cNvPr>
+          <p:cNvSpPr txBox="1"/>
+          <p:nvPr/>
+        </p:nvSpPr>
+        <p:spPr>
+          <a:xfrm>
+            <a:off x="0" y="1483649"/>
+            <a:ext cx="3376815" cy="461665"/>
+          </a:xfrm>
+          <a:prstGeom prst="rect">
+            <a:avLst/>
+          </a:prstGeom>
+          <a:noFill/>
+        </p:spPr>
+        <p:txBody>
+          <a:bodyPr wrap="square" rtlCol="0">
+            <a:spAutoFit/>
+          </a:bodyPr>
+          <a:lstStyle/>
+          <a:p>
+            <a:pPr marL="0" indent="0">
+              <a:buNone/>
+            </a:pPr>
+            <a:r>
+              <a:rPr lang="en-US" sz="2400" dirty="0"/>
+              <a:t>New system solutions:</a:t>
+            </a:r>
+          </a:p>
+        </p:txBody>
+      </p:sp>
+      <p:sp>
+        <p:nvSpPr>
+          <p:cNvPr id="10" name="Title 1">
+            <a:extLst>
+              <a:ext uri="{FF2B5EF4-FFF2-40B4-BE49-F238E27FC236}">
+                <a16:creationId xmlns:a16="http://schemas.microsoft.com/office/drawing/2014/main" id="{D06DB3BB-5DE6-6E55-3535-BA0084C146C4}"/>
+              </a:ext>
+            </a:extLst>
+          </p:cNvPr>
+          <p:cNvSpPr>
+            <a:spLocks noGrp="1"/>
+          </p:cNvSpPr>
+          <p:nvPr>
+            <p:ph type="title"/>
+          </p:nvPr>
+        </p:nvSpPr>
+        <p:spPr>
+          <a:xfrm>
+            <a:off x="0" y="612794"/>
+            <a:ext cx="9008198" cy="1080938"/>
+          </a:xfrm>
+        </p:spPr>
+        <p:txBody>
+          <a:bodyPr>
+            <a:normAutofit/>
+          </a:bodyPr>
+          <a:lstStyle/>
+          <a:p>
+            <a:r>
+              <a:rPr lang="en-US" dirty="0">
+                <a:latin typeface="Eras Bold ITC" panose="020B0907030504020204" pitchFamily="34" charset="0"/>
+              </a:rPr>
+              <a:t>Old process Vs. New process</a:t>
+            </a:r>
+          </a:p>
+        </p:txBody>
+      </p:sp>
     </p:spTree>
     <p:extLst>
       <p:ext uri="{BB962C8B-B14F-4D97-AF65-F5344CB8AC3E}">
@@ -36314,7 +36816,7 @@
 </p:sld>
 </file>
 
-<file path=ppt/slides/slide4.xml><?xml version="1.0" encoding="utf-8"?>
+<file path=ppt/slides/slide5.xml><?xml version="1.0" encoding="utf-8"?>
 <p:sld xmlns:a="http://schemas.openxmlformats.org/drawingml/2006/main" xmlns:r="http://schemas.openxmlformats.org/officeDocument/2006/relationships" xmlns:p="http://schemas.openxmlformats.org/presentationml/2006/main">
   <p:cSld>
     <p:spTree>
@@ -36350,7 +36852,7 @@
         <p:spPr>
           <a:xfrm>
             <a:off x="0" y="628941"/>
-            <a:ext cx="8025529" cy="1080938"/>
+            <a:ext cx="9008198" cy="1080938"/>
           </a:xfrm>
         </p:spPr>
         <p:txBody>
@@ -36360,8 +36862,10 @@
           <a:lstStyle/>
           <a:p>
             <a:r>
-              <a:rPr lang="en-US" dirty="0"/>
-              <a:t>OLD PROCESS VERSUS NEW PROCESS</a:t>
+              <a:rPr lang="en-US" dirty="0">
+                <a:latin typeface="Eras Bold ITC" panose="020B0907030504020204" pitchFamily="34" charset="0"/>
+              </a:rPr>
+              <a:t>Old process Vs. New process</a:t>
             </a:r>
           </a:p>
         </p:txBody>
@@ -36608,7 +37112,15 @@
             </a:pPr>
             <a:r>
               <a:rPr lang="en-US" dirty="0"/>
-              <a:t>Poka yoke:</a:t>
+              <a:t>Print one label set for one pallet ”</a:t>
+            </a:r>
+            <a:r>
+              <a:rPr lang="en-US" dirty="0" err="1"/>
+              <a:t>Poka</a:t>
+            </a:r>
+            <a:r>
+              <a:rPr lang="en-US" dirty="0"/>
+              <a:t> Yoke”</a:t>
             </a:r>
           </a:p>
           <a:p>
@@ -37020,154 +37532,6 @@
 </p:sld>
 </file>
 
-<file path=ppt/slides/slide5.xml><?xml version="1.0" encoding="utf-8"?>
-<p:sld xmlns:a="http://schemas.openxmlformats.org/drawingml/2006/main" xmlns:r="http://schemas.openxmlformats.org/officeDocument/2006/relationships" xmlns:p="http://schemas.openxmlformats.org/presentationml/2006/main">
-  <p:cSld>
-    <p:spTree>
-      <p:nvGrpSpPr>
-        <p:cNvPr id="1" name=""/>
-        <p:cNvGrpSpPr/>
-        <p:nvPr/>
-      </p:nvGrpSpPr>
-      <p:grpSpPr>
-        <a:xfrm>
-          <a:off x="0" y="0"/>
-          <a:ext cx="0" cy="0"/>
-          <a:chOff x="0" y="0"/>
-          <a:chExt cx="0" cy="0"/>
-        </a:xfrm>
-      </p:grpSpPr>
-      <p:sp>
-        <p:nvSpPr>
-          <p:cNvPr id="2" name="Title 1">
-            <a:extLst>
-              <a:ext uri="{FF2B5EF4-FFF2-40B4-BE49-F238E27FC236}">
-                <a16:creationId xmlns:a16="http://schemas.microsoft.com/office/drawing/2014/main" id="{4042D1EC-4E95-E448-040E-97FF18B7FA97}"/>
-              </a:ext>
-            </a:extLst>
-          </p:cNvPr>
-          <p:cNvSpPr>
-            <a:spLocks noGrp="1"/>
-          </p:cNvSpPr>
-          <p:nvPr>
-            <p:ph type="title"/>
-          </p:nvPr>
-        </p:nvSpPr>
-        <p:spPr>
-          <a:xfrm>
-            <a:off x="680321" y="753228"/>
-            <a:ext cx="8025529" cy="1080938"/>
-          </a:xfrm>
-        </p:spPr>
-        <p:txBody>
-          <a:bodyPr>
-            <a:normAutofit/>
-          </a:bodyPr>
-          <a:lstStyle/>
-          <a:p>
-            <a:r>
-              <a:rPr lang="en-US" dirty="0"/>
-              <a:t>Gain</a:t>
-            </a:r>
-          </a:p>
-        </p:txBody>
-      </p:sp>
-      <p:sp>
-        <p:nvSpPr>
-          <p:cNvPr id="3" name="Content Placeholder 2">
-            <a:extLst>
-              <a:ext uri="{FF2B5EF4-FFF2-40B4-BE49-F238E27FC236}">
-                <a16:creationId xmlns:a16="http://schemas.microsoft.com/office/drawing/2014/main" id="{18538DAF-D3E6-B947-B635-874D9C39FA2C}"/>
-              </a:ext>
-            </a:extLst>
-          </p:cNvPr>
-          <p:cNvSpPr>
-            <a:spLocks noGrp="1"/>
-          </p:cNvSpPr>
-          <p:nvPr>
-            <p:ph idx="1"/>
-          </p:nvPr>
-        </p:nvSpPr>
-        <p:spPr/>
-        <p:txBody>
-          <a:bodyPr/>
-          <a:lstStyle/>
-          <a:p>
-            <a:pPr marL="0" indent="0">
-              <a:buNone/>
-            </a:pPr>
-            <a:r>
-              <a:rPr lang="en-US" dirty="0"/>
-              <a:t>  </a:t>
-            </a:r>
-          </a:p>
-          <a:p>
-            <a:pPr marL="0" indent="0">
-              <a:buNone/>
-            </a:pPr>
-            <a:endParaRPr lang="en-US" dirty="0"/>
-          </a:p>
-          <a:p>
-            <a:endParaRPr lang="en-US" dirty="0"/>
-          </a:p>
-          <a:p>
-            <a:endParaRPr lang="en-US" dirty="0"/>
-          </a:p>
-        </p:txBody>
-      </p:sp>
-      <p:graphicFrame>
-        <p:nvGraphicFramePr>
-          <p:cNvPr id="10" name="Diagram 9">
-            <a:extLst>
-              <a:ext uri="{FF2B5EF4-FFF2-40B4-BE49-F238E27FC236}">
-                <a16:creationId xmlns:a16="http://schemas.microsoft.com/office/drawing/2014/main" id="{57FE7692-27C1-D5F1-AED5-3FF2FBAC4DC2}"/>
-              </a:ext>
-            </a:extLst>
-          </p:cNvPr>
-          <p:cNvGraphicFramePr/>
-          <p:nvPr>
-            <p:extLst>
-              <p:ext uri="{D42A27DB-BD31-4B8C-83A1-F6EECF244321}">
-                <p14:modId xmlns:p14="http://schemas.microsoft.com/office/powerpoint/2010/main" val="2060501379"/>
-              </p:ext>
-            </p:extLst>
-          </p:nvPr>
-        </p:nvGraphicFramePr>
-        <p:xfrm>
-          <a:off x="647084" y="2361461"/>
-          <a:ext cx="8070788" cy="4003828"/>
-        </p:xfrm>
-        <a:graphic>
-          <a:graphicData uri="http://schemas.openxmlformats.org/drawingml/2006/diagram">
-            <dgm:relIds xmlns:dgm="http://schemas.openxmlformats.org/drawingml/2006/diagram" xmlns:r="http://schemas.openxmlformats.org/officeDocument/2006/relationships" r:dm="rId3" r:lo="rId4" r:qs="rId5" r:cs="rId6"/>
-          </a:graphicData>
-        </a:graphic>
-      </p:graphicFrame>
-    </p:spTree>
-    <p:extLst>
-      <p:ext uri="{BB962C8B-B14F-4D97-AF65-F5344CB8AC3E}">
-        <p14:creationId xmlns:p14="http://schemas.microsoft.com/office/powerpoint/2010/main" val="2128105741"/>
-      </p:ext>
-    </p:extLst>
-  </p:cSld>
-  <p:clrMapOvr>
-    <a:masterClrMapping/>
-  </p:clrMapOvr>
-  <mc:AlternateContent xmlns:mc="http://schemas.openxmlformats.org/markup-compatibility/2006" xmlns:p14="http://schemas.microsoft.com/office/powerpoint/2010/main">
-    <mc:Choice Requires="p14">
-      <p:transition spd="med" p14:dur="700">
-        <p:fade/>
-      </p:transition>
-    </mc:Choice>
-    <mc:Fallback xmlns="">
-      <p:transition spd="med">
-        <p:fade/>
-      </p:transition>
-    </mc:Fallback>
-  </mc:AlternateContent>
-</p:sld>
-</file>
-
 <file path=ppt/slides/slide6.xml><?xml version="1.0" encoding="utf-8"?>
 <p:sld xmlns:a="http://schemas.openxmlformats.org/drawingml/2006/main" xmlns:r="http://schemas.openxmlformats.org/officeDocument/2006/relationships" xmlns:p="http://schemas.openxmlformats.org/presentationml/2006/main">
   <p:cSld>
@@ -37203,7 +37567,7 @@
         </p:nvSpPr>
         <p:spPr>
           <a:xfrm>
-            <a:off x="680321" y="753228"/>
+            <a:off x="9053" y="603648"/>
             <a:ext cx="8025529" cy="1080938"/>
           </a:xfrm>
         </p:spPr>
@@ -37214,8 +37578,10 @@
           <a:lstStyle/>
           <a:p>
             <a:r>
-              <a:rPr lang="en-US" dirty="0"/>
-              <a:t>Future steps:</a:t>
+              <a:rPr lang="en-US" dirty="0">
+                <a:latin typeface="Eras Bold ITC" panose="020B0907030504020204" pitchFamily="34" charset="0"/>
+              </a:rPr>
+              <a:t>Gain</a:t>
             </a:r>
           </a:p>
         </p:txBody>
@@ -37236,7 +37602,12 @@
             <p:ph idx="1"/>
           </p:nvPr>
         </p:nvSpPr>
-        <p:spPr/>
+        <p:spPr>
+          <a:xfrm>
+            <a:off x="2065238" y="2070543"/>
+            <a:ext cx="9613861" cy="3599316"/>
+          </a:xfrm>
+        </p:spPr>
         <p:txBody>
           <a:bodyPr/>
           <a:lstStyle/>
@@ -37249,393 +37620,52 @@
               <a:t>  </a:t>
             </a:r>
           </a:p>
-        </p:txBody>
-      </p:sp>
-      <p:sp>
-        <p:nvSpPr>
-          <p:cNvPr id="4" name="TextBox 3">
+          <a:p>
+            <a:pPr marL="0" indent="0">
+              <a:buNone/>
+            </a:pPr>
+            <a:endParaRPr lang="en-US" dirty="0"/>
+          </a:p>
+          <a:p>
+            <a:endParaRPr lang="en-US" dirty="0"/>
+          </a:p>
+          <a:p>
+            <a:endParaRPr lang="en-US" dirty="0"/>
+          </a:p>
+        </p:txBody>
+      </p:sp>
+      <p:graphicFrame>
+        <p:nvGraphicFramePr>
+          <p:cNvPr id="10" name="Diagram 9">
             <a:extLst>
               <a:ext uri="{FF2B5EF4-FFF2-40B4-BE49-F238E27FC236}">
-                <a16:creationId xmlns:a16="http://schemas.microsoft.com/office/drawing/2014/main" id="{81D089B7-BAA6-1882-257D-4CA102ED4B8D}"/>
+                <a16:creationId xmlns:a16="http://schemas.microsoft.com/office/drawing/2014/main" id="{57FE7692-27C1-D5F1-AED5-3FF2FBAC4DC2}"/>
               </a:ext>
             </a:extLst>
           </p:cNvPr>
-          <p:cNvSpPr txBox="1"/>
-          <p:nvPr/>
-        </p:nvSpPr>
-        <p:spPr>
-          <a:xfrm>
-            <a:off x="372863" y="2336873"/>
-            <a:ext cx="5202314" cy="3139321"/>
-          </a:xfrm>
-          <a:prstGeom prst="rect">
-            <a:avLst/>
-          </a:prstGeom>
-          <a:noFill/>
-        </p:spPr>
-        <p:txBody>
-          <a:bodyPr wrap="square" rtlCol="0">
-            <a:spAutoFit/>
-          </a:bodyPr>
-          <a:lstStyle/>
-          <a:p>
-            <a:r>
-              <a:rPr lang="en-US" dirty="0"/>
-              <a:t>-Automatization:</a:t>
-            </a:r>
-          </a:p>
-          <a:p>
-            <a:endParaRPr lang="en-US" dirty="0"/>
-          </a:p>
-          <a:p>
-            <a:r>
-              <a:rPr lang="en-US" dirty="0"/>
-              <a:t>Replace two operators in the process with a machine in order to minimize error frequency reduce expenses and gain more time</a:t>
-            </a:r>
-          </a:p>
-          <a:p>
-            <a:endParaRPr lang="en-US" dirty="0"/>
-          </a:p>
-          <a:p>
-            <a:endParaRPr lang="en-US" dirty="0"/>
-          </a:p>
-          <a:p>
-            <a:endParaRPr lang="en-US" dirty="0"/>
-          </a:p>
-          <a:p>
-            <a:endParaRPr lang="en-US" dirty="0"/>
-          </a:p>
-          <a:p>
-            <a:endParaRPr lang="en-US" dirty="0"/>
-          </a:p>
-          <a:p>
-            <a:endParaRPr lang="en-US" dirty="0"/>
-          </a:p>
-        </p:txBody>
-      </p:sp>
-      <p:pic>
-        <p:nvPicPr>
-          <p:cNvPr id="7" name="Picture 6">
-            <a:extLst>
-              <a:ext uri="{FF2B5EF4-FFF2-40B4-BE49-F238E27FC236}">
-                <a16:creationId xmlns:a16="http://schemas.microsoft.com/office/drawing/2014/main" id="{A97FF9F1-2F45-B7CF-6AC5-A8572CF331F3}"/>
-              </a:ext>
-            </a:extLst>
-          </p:cNvPr>
-          <p:cNvPicPr>
-            <a:picLocks noChangeAspect="1"/>
-          </p:cNvPicPr>
-          <p:nvPr/>
-        </p:nvPicPr>
-        <p:blipFill>
-          <a:blip r:embed="rId3">
-            <a:extLst>
-              <a:ext uri="{28A0092B-C50C-407E-A947-70E740481C1C}">
-                <a14:useLocalDpi xmlns:a14="http://schemas.microsoft.com/office/drawing/2010/main" val="0"/>
-              </a:ext>
-            </a:extLst>
-          </a:blip>
-          <a:stretch>
-            <a:fillRect/>
-          </a:stretch>
-        </p:blipFill>
-        <p:spPr>
-          <a:xfrm>
-            <a:off x="7289667" y="3317655"/>
-            <a:ext cx="818876" cy="818876"/>
-          </a:xfrm>
-          <a:prstGeom prst="rect">
-            <a:avLst/>
-          </a:prstGeom>
-        </p:spPr>
-      </p:pic>
-      <p:pic>
-        <p:nvPicPr>
-          <p:cNvPr id="9" name="Picture 8">
-            <a:extLst>
-              <a:ext uri="{FF2B5EF4-FFF2-40B4-BE49-F238E27FC236}">
-                <a16:creationId xmlns:a16="http://schemas.microsoft.com/office/drawing/2014/main" id="{3CF2E1F8-77B3-383A-36F9-0B8EDCE2C9F7}"/>
-              </a:ext>
-            </a:extLst>
-          </p:cNvPr>
-          <p:cNvPicPr>
-            <a:picLocks noChangeAspect="1"/>
-          </p:cNvPicPr>
-          <p:nvPr/>
-        </p:nvPicPr>
-        <p:blipFill>
-          <a:blip r:embed="rId3">
-            <a:extLst>
-              <a:ext uri="{28A0092B-C50C-407E-A947-70E740481C1C}">
-                <a14:useLocalDpi xmlns:a14="http://schemas.microsoft.com/office/drawing/2010/main" val="0"/>
-              </a:ext>
-            </a:extLst>
-          </a:blip>
-          <a:stretch>
-            <a:fillRect/>
-          </a:stretch>
-        </p:blipFill>
-        <p:spPr>
-          <a:xfrm>
-            <a:off x="8108543" y="3317655"/>
-            <a:ext cx="818876" cy="818876"/>
-          </a:xfrm>
-          <a:prstGeom prst="rect">
-            <a:avLst/>
-          </a:prstGeom>
-        </p:spPr>
-      </p:pic>
-      <p:pic>
-        <p:nvPicPr>
-          <p:cNvPr id="10" name="Picture 9">
-            <a:extLst>
-              <a:ext uri="{FF2B5EF4-FFF2-40B4-BE49-F238E27FC236}">
-                <a16:creationId xmlns:a16="http://schemas.microsoft.com/office/drawing/2014/main" id="{82536F56-DB8E-C301-EE3A-0E2BCDFC0323}"/>
-              </a:ext>
-            </a:extLst>
-          </p:cNvPr>
-          <p:cNvPicPr>
-            <a:picLocks noChangeAspect="1"/>
-          </p:cNvPicPr>
-          <p:nvPr/>
-        </p:nvPicPr>
-        <p:blipFill>
-          <a:blip r:embed="rId3">
-            <a:extLst>
-              <a:ext uri="{28A0092B-C50C-407E-A947-70E740481C1C}">
-                <a14:useLocalDpi xmlns:a14="http://schemas.microsoft.com/office/drawing/2010/main" val="0"/>
-              </a:ext>
-            </a:extLst>
-          </a:blip>
-          <a:stretch>
-            <a:fillRect/>
-          </a:stretch>
-        </p:blipFill>
-        <p:spPr>
-          <a:xfrm>
-            <a:off x="8927419" y="3317655"/>
-            <a:ext cx="818876" cy="818876"/>
-          </a:xfrm>
-          <a:prstGeom prst="rect">
-            <a:avLst/>
-          </a:prstGeom>
-        </p:spPr>
-      </p:pic>
-      <p:pic>
-        <p:nvPicPr>
-          <p:cNvPr id="12" name="Picture 11">
-            <a:extLst>
-              <a:ext uri="{FF2B5EF4-FFF2-40B4-BE49-F238E27FC236}">
-                <a16:creationId xmlns:a16="http://schemas.microsoft.com/office/drawing/2014/main" id="{9D00C376-1C78-D109-43DD-8375D371D87D}"/>
-              </a:ext>
-            </a:extLst>
-          </p:cNvPr>
-          <p:cNvPicPr>
-            <a:picLocks noChangeAspect="1"/>
-          </p:cNvPicPr>
-          <p:nvPr/>
-        </p:nvPicPr>
-        <p:blipFill>
-          <a:blip r:embed="rId4">
-            <a:extLst>
-              <a:ext uri="{28A0092B-C50C-407E-A947-70E740481C1C}">
-                <a14:useLocalDpi xmlns:a14="http://schemas.microsoft.com/office/drawing/2010/main" val="0"/>
-              </a:ext>
-            </a:extLst>
-          </a:blip>
-          <a:stretch>
-            <a:fillRect/>
-          </a:stretch>
-        </p:blipFill>
-        <p:spPr>
-          <a:xfrm>
-            <a:off x="9035212" y="3425448"/>
-            <a:ext cx="603290" cy="603290"/>
-          </a:xfrm>
-          <a:prstGeom prst="rect">
-            <a:avLst/>
-          </a:prstGeom>
-        </p:spPr>
-      </p:pic>
-      <p:sp>
-        <p:nvSpPr>
-          <p:cNvPr id="13" name="TextBox 12">
-            <a:extLst>
-              <a:ext uri="{FF2B5EF4-FFF2-40B4-BE49-F238E27FC236}">
-                <a16:creationId xmlns:a16="http://schemas.microsoft.com/office/drawing/2014/main" id="{82F22A96-C52D-BC52-D8A3-B6E74B2E5E4C}"/>
-              </a:ext>
-            </a:extLst>
-          </p:cNvPr>
-          <p:cNvSpPr txBox="1"/>
-          <p:nvPr/>
-        </p:nvSpPr>
-        <p:spPr>
-          <a:xfrm>
-            <a:off x="7072029" y="2671323"/>
-            <a:ext cx="3000653" cy="646331"/>
-          </a:xfrm>
-          <a:prstGeom prst="rect">
-            <a:avLst/>
-          </a:prstGeom>
-          <a:noFill/>
-        </p:spPr>
-        <p:txBody>
-          <a:bodyPr wrap="square" rtlCol="0">
-            <a:spAutoFit/>
-          </a:bodyPr>
-          <a:lstStyle/>
-          <a:p>
-            <a:r>
-              <a:rPr lang="en-US" dirty="0"/>
-              <a:t>-Reduction of man power</a:t>
-            </a:r>
-          </a:p>
-          <a:p>
-            <a:endParaRPr lang="en-US" dirty="0"/>
-          </a:p>
-        </p:txBody>
-      </p:sp>
-      <p:sp>
-        <p:nvSpPr>
-          <p:cNvPr id="23" name="TextBox 22">
-            <a:extLst>
-              <a:ext uri="{FF2B5EF4-FFF2-40B4-BE49-F238E27FC236}">
-                <a16:creationId xmlns:a16="http://schemas.microsoft.com/office/drawing/2014/main" id="{9046ECD3-48AB-2B51-8963-CDDFB31C5B96}"/>
-              </a:ext>
-            </a:extLst>
-          </p:cNvPr>
-          <p:cNvSpPr txBox="1"/>
-          <p:nvPr/>
-        </p:nvSpPr>
-        <p:spPr>
-          <a:xfrm>
-            <a:off x="7072029" y="4639238"/>
-            <a:ext cx="4529656" cy="369332"/>
-          </a:xfrm>
-          <a:prstGeom prst="rect">
-            <a:avLst/>
-          </a:prstGeom>
-          <a:noFill/>
-        </p:spPr>
-        <p:txBody>
-          <a:bodyPr wrap="square" rtlCol="0">
-            <a:spAutoFit/>
-          </a:bodyPr>
-          <a:lstStyle/>
-          <a:p>
-            <a:r>
-              <a:rPr lang="en-US" dirty="0"/>
-              <a:t>-Further reduction of process time</a:t>
-            </a:r>
-          </a:p>
-        </p:txBody>
-      </p:sp>
-      <p:pic>
-        <p:nvPicPr>
-          <p:cNvPr id="27" name="Picture 26">
-            <a:extLst>
-              <a:ext uri="{FF2B5EF4-FFF2-40B4-BE49-F238E27FC236}">
-                <a16:creationId xmlns:a16="http://schemas.microsoft.com/office/drawing/2014/main" id="{60E7A959-13CF-AC93-D0F2-D1A81EB04524}"/>
-              </a:ext>
-            </a:extLst>
-          </p:cNvPr>
-          <p:cNvPicPr>
-            <a:picLocks noChangeAspect="1"/>
-          </p:cNvPicPr>
-          <p:nvPr/>
-        </p:nvPicPr>
-        <p:blipFill>
-          <a:blip r:embed="rId5">
-            <a:extLst>
-              <a:ext uri="{28A0092B-C50C-407E-A947-70E740481C1C}">
-                <a14:useLocalDpi xmlns:a14="http://schemas.microsoft.com/office/drawing/2010/main" val="0"/>
-              </a:ext>
-            </a:extLst>
-          </a:blip>
-          <a:stretch>
-            <a:fillRect/>
-          </a:stretch>
-        </p:blipFill>
-        <p:spPr>
-          <a:xfrm>
-            <a:off x="7820552" y="5202124"/>
-            <a:ext cx="1394857" cy="1394857"/>
-          </a:xfrm>
-          <a:prstGeom prst="rect">
-            <a:avLst/>
-          </a:prstGeom>
-        </p:spPr>
-      </p:pic>
-      <p:pic>
-        <p:nvPicPr>
-          <p:cNvPr id="38" name="Picture 37">
-            <a:extLst>
-              <a:ext uri="{FF2B5EF4-FFF2-40B4-BE49-F238E27FC236}">
-                <a16:creationId xmlns:a16="http://schemas.microsoft.com/office/drawing/2014/main" id="{2E66D205-03A9-292A-55B4-13E8D84575D7}"/>
-              </a:ext>
-            </a:extLst>
-          </p:cNvPr>
-          <p:cNvPicPr>
-            <a:picLocks noChangeAspect="1"/>
-          </p:cNvPicPr>
-          <p:nvPr/>
-        </p:nvPicPr>
-        <p:blipFill>
-          <a:blip r:embed="rId4">
-            <a:extLst>
-              <a:ext uri="{28A0092B-C50C-407E-A947-70E740481C1C}">
-                <a14:useLocalDpi xmlns:a14="http://schemas.microsoft.com/office/drawing/2010/main" val="0"/>
-              </a:ext>
-            </a:extLst>
-          </a:blip>
-          <a:stretch>
-            <a:fillRect/>
-          </a:stretch>
-        </p:blipFill>
-        <p:spPr>
-          <a:xfrm>
-            <a:off x="8216335" y="3425448"/>
-            <a:ext cx="603290" cy="603290"/>
-          </a:xfrm>
-          <a:prstGeom prst="rect">
-            <a:avLst/>
-          </a:prstGeom>
-        </p:spPr>
-      </p:pic>
-      <p:pic>
-        <p:nvPicPr>
-          <p:cNvPr id="46" name="Picture 45">
-            <a:extLst>
-              <a:ext uri="{FF2B5EF4-FFF2-40B4-BE49-F238E27FC236}">
-                <a16:creationId xmlns:a16="http://schemas.microsoft.com/office/drawing/2014/main" id="{3F7B3DDC-E637-CCF9-F613-7260FF68A915}"/>
-              </a:ext>
-            </a:extLst>
-          </p:cNvPr>
-          <p:cNvPicPr>
-            <a:picLocks noChangeAspect="1"/>
-          </p:cNvPicPr>
-          <p:nvPr/>
-        </p:nvPicPr>
-        <p:blipFill>
-          <a:blip r:embed="rId6"/>
-          <a:stretch>
-            <a:fillRect/>
-          </a:stretch>
-        </p:blipFill>
-        <p:spPr>
-          <a:xfrm>
-            <a:off x="244432" y="3865527"/>
-            <a:ext cx="5704910" cy="2673194"/>
-          </a:xfrm>
-          <a:prstGeom prst="rect">
-            <a:avLst/>
-          </a:prstGeom>
-        </p:spPr>
-      </p:pic>
+          <p:cNvGraphicFramePr/>
+          <p:nvPr>
+            <p:extLst>
+              <p:ext uri="{D42A27DB-BD31-4B8C-83A1-F6EECF244321}">
+                <p14:modId xmlns:p14="http://schemas.microsoft.com/office/powerpoint/2010/main" val="2060501379"/>
+              </p:ext>
+            </p:extLst>
+          </p:nvPr>
+        </p:nvGraphicFramePr>
+        <p:xfrm>
+          <a:off x="647084" y="2361461"/>
+          <a:ext cx="8070788" cy="4003828"/>
+        </p:xfrm>
+        <a:graphic>
+          <a:graphicData uri="http://schemas.openxmlformats.org/drawingml/2006/diagram">
+            <dgm:relIds xmlns:dgm="http://schemas.openxmlformats.org/drawingml/2006/diagram" xmlns:r="http://schemas.openxmlformats.org/officeDocument/2006/relationships" r:dm="rId3" r:lo="rId4" r:qs="rId5" r:cs="rId6"/>
+          </a:graphicData>
+        </a:graphic>
+      </p:graphicFrame>
     </p:spTree>
     <p:extLst>
       <p:ext uri="{BB962C8B-B14F-4D97-AF65-F5344CB8AC3E}">
-        <p14:creationId xmlns:p14="http://schemas.microsoft.com/office/powerpoint/2010/main" val="40703276"/>
+        <p14:creationId xmlns:p14="http://schemas.microsoft.com/office/powerpoint/2010/main" val="2128105741"/>
       </p:ext>
     </p:extLst>
   </p:cSld>
@@ -37679,7 +37709,7 @@
           <p:cNvPr id="2" name="Title 1">
             <a:extLst>
               <a:ext uri="{FF2B5EF4-FFF2-40B4-BE49-F238E27FC236}">
-                <a16:creationId xmlns:a16="http://schemas.microsoft.com/office/drawing/2014/main" id="{EB3A238E-46BF-674C-D9D8-CE56FD23794E}"/>
+                <a16:creationId xmlns:a16="http://schemas.microsoft.com/office/drawing/2014/main" id="{4042D1EC-4E95-E448-040E-97FF18B7FA97}"/>
               </a:ext>
             </a:extLst>
           </p:cNvPr>
@@ -37687,13 +37717,13 @@
             <a:spLocks noGrp="1"/>
           </p:cNvSpPr>
           <p:nvPr>
-            <p:ph type="ctrTitle"/>
-          </p:nvPr>
-        </p:nvSpPr>
-        <p:spPr>
-          <a:xfrm>
-            <a:off x="1933574" y="2113079"/>
-            <a:ext cx="5772151" cy="2106495"/>
+            <p:ph type="title"/>
+          </p:nvPr>
+        </p:nvSpPr>
+        <p:spPr>
+          <a:xfrm>
+            <a:off x="0" y="613074"/>
+            <a:ext cx="8025529" cy="1080938"/>
           </a:xfrm>
         </p:spPr>
         <p:txBody>
@@ -37702,10 +37732,3440 @@
           </a:bodyPr>
           <a:lstStyle/>
           <a:p>
-            <a:pPr algn="l"/>
-            <a:r>
-              <a:rPr lang="en-US" sz="5400" dirty="0"/>
-              <a:t>THANK YOU FOR YOUR ATTENTION</a:t>
+            <a:r>
+              <a:rPr lang="en-US" dirty="0">
+                <a:latin typeface="Eras Bold ITC" panose="020B0907030504020204" pitchFamily="34" charset="0"/>
+              </a:rPr>
+              <a:t>Future steps:</a:t>
+            </a:r>
+          </a:p>
+        </p:txBody>
+      </p:sp>
+      <p:sp>
+        <p:nvSpPr>
+          <p:cNvPr id="3" name="Content Placeholder 2">
+            <a:extLst>
+              <a:ext uri="{FF2B5EF4-FFF2-40B4-BE49-F238E27FC236}">
+                <a16:creationId xmlns:a16="http://schemas.microsoft.com/office/drawing/2014/main" id="{18538DAF-D3E6-B947-B635-874D9C39FA2C}"/>
+              </a:ext>
+            </a:extLst>
+          </p:cNvPr>
+          <p:cNvSpPr>
+            <a:spLocks noGrp="1"/>
+          </p:cNvSpPr>
+          <p:nvPr>
+            <p:ph idx="1"/>
+          </p:nvPr>
+        </p:nvSpPr>
+        <p:spPr>
+          <a:xfrm>
+            <a:off x="680322" y="2336873"/>
+            <a:ext cx="4894856" cy="1528654"/>
+          </a:xfrm>
+        </p:spPr>
+        <p:txBody>
+          <a:bodyPr/>
+          <a:lstStyle/>
+          <a:p>
+            <a:pPr marL="0" indent="0">
+              <a:buNone/>
+            </a:pPr>
+            <a:r>
+              <a:rPr lang="en-US" dirty="0"/>
+              <a:t> </a:t>
+            </a:r>
+          </a:p>
+        </p:txBody>
+      </p:sp>
+      <p:sp>
+        <p:nvSpPr>
+          <p:cNvPr id="4" name="TextBox 3">
+            <a:extLst>
+              <a:ext uri="{FF2B5EF4-FFF2-40B4-BE49-F238E27FC236}">
+                <a16:creationId xmlns:a16="http://schemas.microsoft.com/office/drawing/2014/main" id="{81D089B7-BAA6-1882-257D-4CA102ED4B8D}"/>
+              </a:ext>
+            </a:extLst>
+          </p:cNvPr>
+          <p:cNvSpPr txBox="1"/>
+          <p:nvPr/>
+        </p:nvSpPr>
+        <p:spPr>
+          <a:xfrm>
+            <a:off x="372863" y="2336873"/>
+            <a:ext cx="5202314" cy="3139321"/>
+          </a:xfrm>
+          <a:prstGeom prst="rect">
+            <a:avLst/>
+          </a:prstGeom>
+          <a:noFill/>
+        </p:spPr>
+        <p:txBody>
+          <a:bodyPr wrap="square" rtlCol="0">
+            <a:spAutoFit/>
+          </a:bodyPr>
+          <a:lstStyle/>
+          <a:p>
+            <a:r>
+              <a:rPr lang="en-US" u="sng" dirty="0"/>
+              <a:t>Automatization</a:t>
+            </a:r>
+            <a:r>
+              <a:rPr lang="en-US" dirty="0"/>
+              <a:t>:</a:t>
+            </a:r>
+          </a:p>
+          <a:p>
+            <a:endParaRPr lang="en-US" dirty="0"/>
+          </a:p>
+          <a:p>
+            <a:r>
+              <a:rPr lang="en-US" dirty="0"/>
+              <a:t>Replace two operators in the process with a machine in order to minimize error frequency reduce expenses and gain more time</a:t>
+            </a:r>
+          </a:p>
+          <a:p>
+            <a:endParaRPr lang="en-US" dirty="0"/>
+          </a:p>
+          <a:p>
+            <a:endParaRPr lang="en-US" dirty="0"/>
+          </a:p>
+          <a:p>
+            <a:endParaRPr lang="en-US" dirty="0"/>
+          </a:p>
+          <a:p>
+            <a:endParaRPr lang="en-US" dirty="0"/>
+          </a:p>
+          <a:p>
+            <a:endParaRPr lang="en-US" dirty="0"/>
+          </a:p>
+          <a:p>
+            <a:endParaRPr lang="en-US" dirty="0"/>
+          </a:p>
+        </p:txBody>
+      </p:sp>
+      <p:pic>
+        <p:nvPicPr>
+          <p:cNvPr id="7" name="Picture 6">
+            <a:extLst>
+              <a:ext uri="{FF2B5EF4-FFF2-40B4-BE49-F238E27FC236}">
+                <a16:creationId xmlns:a16="http://schemas.microsoft.com/office/drawing/2014/main" id="{A97FF9F1-2F45-B7CF-6AC5-A8572CF331F3}"/>
+              </a:ext>
+            </a:extLst>
+          </p:cNvPr>
+          <p:cNvPicPr>
+            <a:picLocks noChangeAspect="1"/>
+          </p:cNvPicPr>
+          <p:nvPr/>
+        </p:nvPicPr>
+        <p:blipFill>
+          <a:blip r:embed="rId3">
+            <a:extLst>
+              <a:ext uri="{28A0092B-C50C-407E-A947-70E740481C1C}">
+                <a14:useLocalDpi xmlns:a14="http://schemas.microsoft.com/office/drawing/2010/main" val="0"/>
+              </a:ext>
+            </a:extLst>
+          </a:blip>
+          <a:stretch>
+            <a:fillRect/>
+          </a:stretch>
+        </p:blipFill>
+        <p:spPr>
+          <a:xfrm>
+            <a:off x="7289667" y="3317655"/>
+            <a:ext cx="818876" cy="818876"/>
+          </a:xfrm>
+          <a:prstGeom prst="rect">
+            <a:avLst/>
+          </a:prstGeom>
+        </p:spPr>
+      </p:pic>
+      <p:pic>
+        <p:nvPicPr>
+          <p:cNvPr id="9" name="Picture 8">
+            <a:extLst>
+              <a:ext uri="{FF2B5EF4-FFF2-40B4-BE49-F238E27FC236}">
+                <a16:creationId xmlns:a16="http://schemas.microsoft.com/office/drawing/2014/main" id="{3CF2E1F8-77B3-383A-36F9-0B8EDCE2C9F7}"/>
+              </a:ext>
+            </a:extLst>
+          </p:cNvPr>
+          <p:cNvPicPr>
+            <a:picLocks noChangeAspect="1"/>
+          </p:cNvPicPr>
+          <p:nvPr/>
+        </p:nvPicPr>
+        <p:blipFill>
+          <a:blip r:embed="rId3">
+            <a:extLst>
+              <a:ext uri="{28A0092B-C50C-407E-A947-70E740481C1C}">
+                <a14:useLocalDpi xmlns:a14="http://schemas.microsoft.com/office/drawing/2010/main" val="0"/>
+              </a:ext>
+            </a:extLst>
+          </a:blip>
+          <a:stretch>
+            <a:fillRect/>
+          </a:stretch>
+        </p:blipFill>
+        <p:spPr>
+          <a:xfrm>
+            <a:off x="8108543" y="3317655"/>
+            <a:ext cx="818876" cy="818876"/>
+          </a:xfrm>
+          <a:prstGeom prst="rect">
+            <a:avLst/>
+          </a:prstGeom>
+        </p:spPr>
+      </p:pic>
+      <p:pic>
+        <p:nvPicPr>
+          <p:cNvPr id="10" name="Picture 9">
+            <a:extLst>
+              <a:ext uri="{FF2B5EF4-FFF2-40B4-BE49-F238E27FC236}">
+                <a16:creationId xmlns:a16="http://schemas.microsoft.com/office/drawing/2014/main" id="{82536F56-DB8E-C301-EE3A-0E2BCDFC0323}"/>
+              </a:ext>
+            </a:extLst>
+          </p:cNvPr>
+          <p:cNvPicPr>
+            <a:picLocks noChangeAspect="1"/>
+          </p:cNvPicPr>
+          <p:nvPr/>
+        </p:nvPicPr>
+        <p:blipFill>
+          <a:blip r:embed="rId3">
+            <a:extLst>
+              <a:ext uri="{28A0092B-C50C-407E-A947-70E740481C1C}">
+                <a14:useLocalDpi xmlns:a14="http://schemas.microsoft.com/office/drawing/2010/main" val="0"/>
+              </a:ext>
+            </a:extLst>
+          </a:blip>
+          <a:stretch>
+            <a:fillRect/>
+          </a:stretch>
+        </p:blipFill>
+        <p:spPr>
+          <a:xfrm>
+            <a:off x="8927419" y="3317655"/>
+            <a:ext cx="818876" cy="818876"/>
+          </a:xfrm>
+          <a:prstGeom prst="rect">
+            <a:avLst/>
+          </a:prstGeom>
+        </p:spPr>
+      </p:pic>
+      <p:pic>
+        <p:nvPicPr>
+          <p:cNvPr id="12" name="Picture 11">
+            <a:extLst>
+              <a:ext uri="{FF2B5EF4-FFF2-40B4-BE49-F238E27FC236}">
+                <a16:creationId xmlns:a16="http://schemas.microsoft.com/office/drawing/2014/main" id="{9D00C376-1C78-D109-43DD-8375D371D87D}"/>
+              </a:ext>
+            </a:extLst>
+          </p:cNvPr>
+          <p:cNvPicPr>
+            <a:picLocks noChangeAspect="1"/>
+          </p:cNvPicPr>
+          <p:nvPr/>
+        </p:nvPicPr>
+        <p:blipFill>
+          <a:blip r:embed="rId4">
+            <a:extLst>
+              <a:ext uri="{28A0092B-C50C-407E-A947-70E740481C1C}">
+                <a14:useLocalDpi xmlns:a14="http://schemas.microsoft.com/office/drawing/2010/main" val="0"/>
+              </a:ext>
+            </a:extLst>
+          </a:blip>
+          <a:stretch>
+            <a:fillRect/>
+          </a:stretch>
+        </p:blipFill>
+        <p:spPr>
+          <a:xfrm>
+            <a:off x="9035212" y="3425448"/>
+            <a:ext cx="603290" cy="603290"/>
+          </a:xfrm>
+          <a:prstGeom prst="rect">
+            <a:avLst/>
+          </a:prstGeom>
+        </p:spPr>
+      </p:pic>
+      <p:sp>
+        <p:nvSpPr>
+          <p:cNvPr id="13" name="TextBox 12">
+            <a:extLst>
+              <a:ext uri="{FF2B5EF4-FFF2-40B4-BE49-F238E27FC236}">
+                <a16:creationId xmlns:a16="http://schemas.microsoft.com/office/drawing/2014/main" id="{82F22A96-C52D-BC52-D8A3-B6E74B2E5E4C}"/>
+              </a:ext>
+            </a:extLst>
+          </p:cNvPr>
+          <p:cNvSpPr txBox="1"/>
+          <p:nvPr/>
+        </p:nvSpPr>
+        <p:spPr>
+          <a:xfrm>
+            <a:off x="7072029" y="2441490"/>
+            <a:ext cx="4930581" cy="923330"/>
+          </a:xfrm>
+          <a:prstGeom prst="rect">
+            <a:avLst/>
+          </a:prstGeom>
+          <a:noFill/>
+        </p:spPr>
+        <p:txBody>
+          <a:bodyPr wrap="square" rtlCol="0">
+            <a:spAutoFit/>
+          </a:bodyPr>
+          <a:lstStyle/>
+          <a:p>
+            <a:r>
+              <a:rPr lang="en-US" u="sng" dirty="0"/>
+              <a:t>Reduction of man power</a:t>
+            </a:r>
+          </a:p>
+          <a:p>
+            <a:r>
+              <a:rPr lang="en-US" dirty="0"/>
+              <a:t>Eliminate the need for more than 3 operators on process</a:t>
+            </a:r>
+          </a:p>
+        </p:txBody>
+      </p:sp>
+      <p:sp>
+        <p:nvSpPr>
+          <p:cNvPr id="23" name="TextBox 22">
+            <a:extLst>
+              <a:ext uri="{FF2B5EF4-FFF2-40B4-BE49-F238E27FC236}">
+                <a16:creationId xmlns:a16="http://schemas.microsoft.com/office/drawing/2014/main" id="{9046ECD3-48AB-2B51-8963-CDDFB31C5B96}"/>
+              </a:ext>
+            </a:extLst>
+          </p:cNvPr>
+          <p:cNvSpPr txBox="1"/>
+          <p:nvPr/>
+        </p:nvSpPr>
+        <p:spPr>
+          <a:xfrm>
+            <a:off x="7072029" y="4774518"/>
+            <a:ext cx="4529656" cy="369332"/>
+          </a:xfrm>
+          <a:prstGeom prst="rect">
+            <a:avLst/>
+          </a:prstGeom>
+          <a:noFill/>
+        </p:spPr>
+        <p:txBody>
+          <a:bodyPr wrap="square" rtlCol="0">
+            <a:spAutoFit/>
+          </a:bodyPr>
+          <a:lstStyle/>
+          <a:p>
+            <a:r>
+              <a:rPr lang="en-US" u="sng" dirty="0"/>
+              <a:t>Further reduction of process time</a:t>
+            </a:r>
+          </a:p>
+        </p:txBody>
+      </p:sp>
+      <p:pic>
+        <p:nvPicPr>
+          <p:cNvPr id="27" name="Picture 26">
+            <a:extLst>
+              <a:ext uri="{FF2B5EF4-FFF2-40B4-BE49-F238E27FC236}">
+                <a16:creationId xmlns:a16="http://schemas.microsoft.com/office/drawing/2014/main" id="{60E7A959-13CF-AC93-D0F2-D1A81EB04524}"/>
+              </a:ext>
+            </a:extLst>
+          </p:cNvPr>
+          <p:cNvPicPr>
+            <a:picLocks noChangeAspect="1"/>
+          </p:cNvPicPr>
+          <p:nvPr/>
+        </p:nvPicPr>
+        <p:blipFill>
+          <a:blip r:embed="rId5">
+            <a:extLst>
+              <a:ext uri="{28A0092B-C50C-407E-A947-70E740481C1C}">
+                <a14:useLocalDpi xmlns:a14="http://schemas.microsoft.com/office/drawing/2010/main" val="0"/>
+              </a:ext>
+            </a:extLst>
+          </a:blip>
+          <a:stretch>
+            <a:fillRect/>
+          </a:stretch>
+        </p:blipFill>
+        <p:spPr>
+          <a:xfrm>
+            <a:off x="7001676" y="5269075"/>
+            <a:ext cx="1394857" cy="1394857"/>
+          </a:xfrm>
+          <a:prstGeom prst="rect">
+            <a:avLst/>
+          </a:prstGeom>
+        </p:spPr>
+      </p:pic>
+      <p:pic>
+        <p:nvPicPr>
+          <p:cNvPr id="38" name="Picture 37">
+            <a:extLst>
+              <a:ext uri="{FF2B5EF4-FFF2-40B4-BE49-F238E27FC236}">
+                <a16:creationId xmlns:a16="http://schemas.microsoft.com/office/drawing/2014/main" id="{2E66D205-03A9-292A-55B4-13E8D84575D7}"/>
+              </a:ext>
+            </a:extLst>
+          </p:cNvPr>
+          <p:cNvPicPr>
+            <a:picLocks noChangeAspect="1"/>
+          </p:cNvPicPr>
+          <p:nvPr/>
+        </p:nvPicPr>
+        <p:blipFill>
+          <a:blip r:embed="rId4">
+            <a:extLst>
+              <a:ext uri="{28A0092B-C50C-407E-A947-70E740481C1C}">
+                <a14:useLocalDpi xmlns:a14="http://schemas.microsoft.com/office/drawing/2010/main" val="0"/>
+              </a:ext>
+            </a:extLst>
+          </a:blip>
+          <a:stretch>
+            <a:fillRect/>
+          </a:stretch>
+        </p:blipFill>
+        <p:spPr>
+          <a:xfrm>
+            <a:off x="8216335" y="3425448"/>
+            <a:ext cx="603290" cy="603290"/>
+          </a:xfrm>
+          <a:prstGeom prst="rect">
+            <a:avLst/>
+          </a:prstGeom>
+        </p:spPr>
+      </p:pic>
+      <p:pic>
+        <p:nvPicPr>
+          <p:cNvPr id="46" name="Picture 45">
+            <a:extLst>
+              <a:ext uri="{FF2B5EF4-FFF2-40B4-BE49-F238E27FC236}">
+                <a16:creationId xmlns:a16="http://schemas.microsoft.com/office/drawing/2014/main" id="{3F7B3DDC-E637-CCF9-F613-7260FF68A915}"/>
+              </a:ext>
+            </a:extLst>
+          </p:cNvPr>
+          <p:cNvPicPr>
+            <a:picLocks noChangeAspect="1"/>
+          </p:cNvPicPr>
+          <p:nvPr/>
+        </p:nvPicPr>
+        <p:blipFill>
+          <a:blip r:embed="rId6"/>
+          <a:stretch>
+            <a:fillRect/>
+          </a:stretch>
+        </p:blipFill>
+        <p:spPr>
+          <a:xfrm>
+            <a:off x="244432" y="3865527"/>
+            <a:ext cx="5704910" cy="2673194"/>
+          </a:xfrm>
+          <a:prstGeom prst="rect">
+            <a:avLst/>
+          </a:prstGeom>
+        </p:spPr>
+      </p:pic>
+      <p:sp>
+        <p:nvSpPr>
+          <p:cNvPr id="5" name="TextBox 4">
+            <a:extLst>
+              <a:ext uri="{FF2B5EF4-FFF2-40B4-BE49-F238E27FC236}">
+                <a16:creationId xmlns:a16="http://schemas.microsoft.com/office/drawing/2014/main" id="{6DBC323A-17F1-3806-6583-453FC77EDC4A}"/>
+              </a:ext>
+            </a:extLst>
+          </p:cNvPr>
+          <p:cNvSpPr txBox="1"/>
+          <p:nvPr/>
+        </p:nvSpPr>
+        <p:spPr>
+          <a:xfrm>
+            <a:off x="8572151" y="5643337"/>
+            <a:ext cx="2348288" cy="646331"/>
+          </a:xfrm>
+          <a:prstGeom prst="rect">
+            <a:avLst/>
+          </a:prstGeom>
+          <a:noFill/>
+        </p:spPr>
+        <p:txBody>
+          <a:bodyPr wrap="square" rtlCol="0">
+            <a:spAutoFit/>
+          </a:bodyPr>
+          <a:lstStyle/>
+          <a:p>
+            <a:r>
+              <a:rPr lang="en-US" dirty="0"/>
+              <a:t>Reduce valuable times on process</a:t>
+            </a:r>
+          </a:p>
+        </p:txBody>
+      </p:sp>
+    </p:spTree>
+    <p:extLst>
+      <p:ext uri="{BB962C8B-B14F-4D97-AF65-F5344CB8AC3E}">
+        <p14:creationId xmlns:p14="http://schemas.microsoft.com/office/powerpoint/2010/main" val="40703276"/>
+      </p:ext>
+    </p:extLst>
+  </p:cSld>
+  <p:clrMapOvr>
+    <a:masterClrMapping/>
+  </p:clrMapOvr>
+  <mc:AlternateContent xmlns:mc="http://schemas.openxmlformats.org/markup-compatibility/2006" xmlns:p14="http://schemas.microsoft.com/office/powerpoint/2010/main">
+    <mc:Choice Requires="p14">
+      <p:transition spd="med" p14:dur="700">
+        <p:fade/>
+      </p:transition>
+    </mc:Choice>
+    <mc:Fallback xmlns="">
+      <p:transition spd="med">
+        <p:fade/>
+      </p:transition>
+    </mc:Fallback>
+  </mc:AlternateContent>
+</p:sld>
+</file>
+
+<file path=ppt/slides/slide8.xml><?xml version="1.0" encoding="utf-8"?>
+<p:sld xmlns:a="http://schemas.openxmlformats.org/drawingml/2006/main" xmlns:r="http://schemas.openxmlformats.org/officeDocument/2006/relationships" xmlns:p="http://schemas.openxmlformats.org/presentationml/2006/main">
+  <p:cSld>
+    <p:spTree>
+      <p:nvGrpSpPr>
+        <p:cNvPr id="1" name=""/>
+        <p:cNvGrpSpPr/>
+        <p:nvPr/>
+      </p:nvGrpSpPr>
+      <p:grpSpPr>
+        <a:xfrm>
+          <a:off x="0" y="0"/>
+          <a:ext cx="0" cy="0"/>
+          <a:chOff x="0" y="0"/>
+          <a:chExt cx="0" cy="0"/>
+        </a:xfrm>
+      </p:grpSpPr>
+      <p:sp>
+        <p:nvSpPr>
+          <p:cNvPr id="2" name="Title 1">
+            <a:extLst>
+              <a:ext uri="{FF2B5EF4-FFF2-40B4-BE49-F238E27FC236}">
+                <a16:creationId xmlns:a16="http://schemas.microsoft.com/office/drawing/2014/main" id="{D730FAD1-ACC8-CFAF-BCF0-3B06DAF90B7E}"/>
+              </a:ext>
+            </a:extLst>
+          </p:cNvPr>
+          <p:cNvSpPr>
+            <a:spLocks noGrp="1"/>
+          </p:cNvSpPr>
+          <p:nvPr>
+            <p:ph type="title"/>
+          </p:nvPr>
+        </p:nvSpPr>
+        <p:spPr>
+          <a:xfrm>
+            <a:off x="0" y="611186"/>
+            <a:ext cx="9613861" cy="1080938"/>
+          </a:xfrm>
+        </p:spPr>
+        <p:txBody>
+          <a:bodyPr/>
+          <a:lstStyle/>
+          <a:p>
+            <a:r>
+              <a:rPr lang="en-US" dirty="0">
+                <a:latin typeface="Eras Bold ITC" panose="020B0907030504020204" pitchFamily="34" charset="0"/>
+              </a:rPr>
+              <a:t>Learning curve</a:t>
+            </a:r>
+          </a:p>
+        </p:txBody>
+      </p:sp>
+      <p:sp>
+        <p:nvSpPr>
+          <p:cNvPr id="14" name="Isosceles Triangle 13">
+            <a:extLst>
+              <a:ext uri="{FF2B5EF4-FFF2-40B4-BE49-F238E27FC236}">
+                <a16:creationId xmlns:a16="http://schemas.microsoft.com/office/drawing/2014/main" id="{2CD2046A-FF14-F8C4-0A18-5C8064EA18B6}"/>
+              </a:ext>
+            </a:extLst>
+          </p:cNvPr>
+          <p:cNvSpPr/>
+          <p:nvPr/>
+        </p:nvSpPr>
+        <p:spPr>
+          <a:xfrm rot="10800000">
+            <a:off x="934357" y="2462556"/>
+            <a:ext cx="3404186" cy="3404186"/>
+          </a:xfrm>
+          <a:prstGeom prst="triangle">
+            <a:avLst/>
+          </a:prstGeom>
+          <a:scene3d>
+            <a:camera prst="orthographicFront"/>
+            <a:lightRig rig="threePt" dir="t">
+              <a:rot lat="0" lon="0" rev="7500000"/>
+            </a:lightRig>
+          </a:scene3d>
+          <a:sp3d prstMaterial="plastic">
+            <a:bevelT w="127000" h="25400" prst="relaxedInset"/>
+          </a:sp3d>
+        </p:spPr>
+        <p:style>
+          <a:lnRef idx="0">
+            <a:schemeClr val="lt1">
+              <a:hueOff val="0"/>
+              <a:satOff val="0"/>
+              <a:lumOff val="0"/>
+              <a:alphaOff val="0"/>
+            </a:schemeClr>
+          </a:lnRef>
+          <a:fillRef idx="3">
+            <a:schemeClr val="accent5">
+              <a:alpha val="90000"/>
+              <a:hueOff val="0"/>
+              <a:satOff val="0"/>
+              <a:lumOff val="0"/>
+              <a:alphaOff val="0"/>
+            </a:schemeClr>
+          </a:fillRef>
+          <a:effectRef idx="2">
+            <a:schemeClr val="accent5">
+              <a:alpha val="90000"/>
+              <a:hueOff val="0"/>
+              <a:satOff val="0"/>
+              <a:lumOff val="0"/>
+              <a:alphaOff val="0"/>
+            </a:schemeClr>
+          </a:effectRef>
+          <a:fontRef idx="minor">
+            <a:schemeClr val="lt1"/>
+          </a:fontRef>
+        </p:style>
+      </p:sp>
+      <p:sp>
+        <p:nvSpPr>
+          <p:cNvPr id="15" name="Freeform: Shape 14">
+            <a:extLst>
+              <a:ext uri="{FF2B5EF4-FFF2-40B4-BE49-F238E27FC236}">
+                <a16:creationId xmlns:a16="http://schemas.microsoft.com/office/drawing/2014/main" id="{57FD9E8F-8D96-E837-D823-79742D2AA3C7}"/>
+              </a:ext>
+            </a:extLst>
+          </p:cNvPr>
+          <p:cNvSpPr/>
+          <p:nvPr/>
+        </p:nvSpPr>
+        <p:spPr>
+          <a:xfrm>
+            <a:off x="2404933" y="2803908"/>
+            <a:ext cx="2675754" cy="810586"/>
+          </a:xfrm>
+          <a:custGeom>
+            <a:avLst/>
+            <a:gdLst>
+              <a:gd name="connsiteX0" fmla="*/ 0 w 2675754"/>
+              <a:gd name="connsiteY0" fmla="*/ 135100 h 810586"/>
+              <a:gd name="connsiteX1" fmla="*/ 135100 w 2675754"/>
+              <a:gd name="connsiteY1" fmla="*/ 0 h 810586"/>
+              <a:gd name="connsiteX2" fmla="*/ 2540654 w 2675754"/>
+              <a:gd name="connsiteY2" fmla="*/ 0 h 810586"/>
+              <a:gd name="connsiteX3" fmla="*/ 2675754 w 2675754"/>
+              <a:gd name="connsiteY3" fmla="*/ 135100 h 810586"/>
+              <a:gd name="connsiteX4" fmla="*/ 2675754 w 2675754"/>
+              <a:gd name="connsiteY4" fmla="*/ 675486 h 810586"/>
+              <a:gd name="connsiteX5" fmla="*/ 2540654 w 2675754"/>
+              <a:gd name="connsiteY5" fmla="*/ 810586 h 810586"/>
+              <a:gd name="connsiteX6" fmla="*/ 135100 w 2675754"/>
+              <a:gd name="connsiteY6" fmla="*/ 810586 h 810586"/>
+              <a:gd name="connsiteX7" fmla="*/ 0 w 2675754"/>
+              <a:gd name="connsiteY7" fmla="*/ 675486 h 810586"/>
+              <a:gd name="connsiteX8" fmla="*/ 0 w 2675754"/>
+              <a:gd name="connsiteY8" fmla="*/ 135100 h 810586"/>
+            </a:gdLst>
+            <a:ahLst/>
+            <a:cxnLst>
+              <a:cxn ang="0">
+                <a:pos x="connsiteX0" y="connsiteY0"/>
+              </a:cxn>
+              <a:cxn ang="0">
+                <a:pos x="connsiteX1" y="connsiteY1"/>
+              </a:cxn>
+              <a:cxn ang="0">
+                <a:pos x="connsiteX2" y="connsiteY2"/>
+              </a:cxn>
+              <a:cxn ang="0">
+                <a:pos x="connsiteX3" y="connsiteY3"/>
+              </a:cxn>
+              <a:cxn ang="0">
+                <a:pos x="connsiteX4" y="connsiteY4"/>
+              </a:cxn>
+              <a:cxn ang="0">
+                <a:pos x="connsiteX5" y="connsiteY5"/>
+              </a:cxn>
+              <a:cxn ang="0">
+                <a:pos x="connsiteX6" y="connsiteY6"/>
+              </a:cxn>
+              <a:cxn ang="0">
+                <a:pos x="connsiteX7" y="connsiteY7"/>
+              </a:cxn>
+              <a:cxn ang="0">
+                <a:pos x="connsiteX8" y="connsiteY8"/>
+              </a:cxn>
+            </a:cxnLst>
+            <a:rect l="l" t="t" r="r" b="b"/>
+            <a:pathLst>
+              <a:path w="2675754" h="810586">
+                <a:moveTo>
+                  <a:pt x="0" y="135100"/>
+                </a:moveTo>
+                <a:cubicBezTo>
+                  <a:pt x="0" y="60486"/>
+                  <a:pt x="60486" y="0"/>
+                  <a:pt x="135100" y="0"/>
+                </a:cubicBezTo>
+                <a:lnTo>
+                  <a:pt x="2540654" y="0"/>
+                </a:lnTo>
+                <a:cubicBezTo>
+                  <a:pt x="2615268" y="0"/>
+                  <a:pt x="2675754" y="60486"/>
+                  <a:pt x="2675754" y="135100"/>
+                </a:cubicBezTo>
+                <a:lnTo>
+                  <a:pt x="2675754" y="675486"/>
+                </a:lnTo>
+                <a:cubicBezTo>
+                  <a:pt x="2675754" y="750100"/>
+                  <a:pt x="2615268" y="810586"/>
+                  <a:pt x="2540654" y="810586"/>
+                </a:cubicBezTo>
+                <a:lnTo>
+                  <a:pt x="135100" y="810586"/>
+                </a:lnTo>
+                <a:cubicBezTo>
+                  <a:pt x="60486" y="810586"/>
+                  <a:pt x="0" y="750100"/>
+                  <a:pt x="0" y="675486"/>
+                </a:cubicBezTo>
+                <a:lnTo>
+                  <a:pt x="0" y="135100"/>
+                </a:lnTo>
+                <a:close/>
+              </a:path>
+            </a:pathLst>
+          </a:custGeom>
+          <a:scene3d>
+            <a:camera prst="orthographicFront"/>
+            <a:lightRig rig="threePt" dir="t">
+              <a:rot lat="0" lon="0" rev="7500000"/>
+            </a:lightRig>
+          </a:scene3d>
+          <a:sp3d z="152400" extrusionH="63500" prstMaterial="dkEdge">
+            <a:bevelT w="135400" h="16350" prst="relaxedInset"/>
+            <a:contourClr>
+              <a:schemeClr val="bg1"/>
+            </a:contourClr>
+          </a:sp3d>
+        </p:spPr>
+        <p:style>
+          <a:lnRef idx="1">
+            <a:schemeClr val="accent5">
+              <a:alpha val="90000"/>
+              <a:hueOff val="0"/>
+              <a:satOff val="0"/>
+              <a:lumOff val="0"/>
+              <a:alphaOff val="0"/>
+            </a:schemeClr>
+          </a:lnRef>
+          <a:fillRef idx="1">
+            <a:schemeClr val="lt1">
+              <a:alpha val="90000"/>
+              <a:hueOff val="0"/>
+              <a:satOff val="0"/>
+              <a:lumOff val="0"/>
+              <a:alphaOff val="0"/>
+            </a:schemeClr>
+          </a:fillRef>
+          <a:effectRef idx="2">
+            <a:schemeClr val="lt1">
+              <a:alpha val="90000"/>
+              <a:hueOff val="0"/>
+              <a:satOff val="0"/>
+              <a:lumOff val="0"/>
+              <a:alphaOff val="0"/>
+            </a:schemeClr>
+          </a:effectRef>
+          <a:fontRef idx="minor">
+            <a:schemeClr val="dk1">
+              <a:hueOff val="0"/>
+              <a:satOff val="0"/>
+              <a:lumOff val="0"/>
+              <a:alphaOff val="0"/>
+            </a:schemeClr>
+          </a:fontRef>
+        </p:style>
+        <p:txBody>
+          <a:bodyPr spcFirstLastPara="0" vert="horz" wrap="square" lIns="100530" tIns="100530" rIns="100530" bIns="100530" numCol="1" spcCol="1270" anchor="ctr" anchorCtr="0">
+            <a:noAutofit/>
+          </a:bodyPr>
+          <a:lstStyle/>
+          <a:p>
+            <a:pPr marL="0" lvl="0" indent="0" algn="ctr" defTabSz="711200">
+              <a:lnSpc>
+                <a:spcPct val="90000"/>
+              </a:lnSpc>
+              <a:spcBef>
+                <a:spcPct val="0"/>
+              </a:spcBef>
+              <a:spcAft>
+                <a:spcPct val="35000"/>
+              </a:spcAft>
+              <a:buFontTx/>
+              <a:buNone/>
+            </a:pPr>
+            <a:r>
+              <a:rPr lang="en-US" sz="1600" kern="1200" dirty="0"/>
+              <a:t>Understanding the Export Process</a:t>
+            </a:r>
+          </a:p>
+        </p:txBody>
+      </p:sp>
+      <p:sp>
+        <p:nvSpPr>
+          <p:cNvPr id="16" name="Freeform: Shape 15">
+            <a:extLst>
+              <a:ext uri="{FF2B5EF4-FFF2-40B4-BE49-F238E27FC236}">
+                <a16:creationId xmlns:a16="http://schemas.microsoft.com/office/drawing/2014/main" id="{F10F05CE-4FEE-7A5C-A34D-93A7AA0D6B9B}"/>
+              </a:ext>
+            </a:extLst>
+          </p:cNvPr>
+          <p:cNvSpPr/>
+          <p:nvPr/>
+        </p:nvSpPr>
+        <p:spPr>
+          <a:xfrm>
+            <a:off x="2404933" y="3711068"/>
+            <a:ext cx="2675754" cy="810586"/>
+          </a:xfrm>
+          <a:custGeom>
+            <a:avLst/>
+            <a:gdLst>
+              <a:gd name="connsiteX0" fmla="*/ 0 w 2675754"/>
+              <a:gd name="connsiteY0" fmla="*/ 135100 h 810586"/>
+              <a:gd name="connsiteX1" fmla="*/ 135100 w 2675754"/>
+              <a:gd name="connsiteY1" fmla="*/ 0 h 810586"/>
+              <a:gd name="connsiteX2" fmla="*/ 2540654 w 2675754"/>
+              <a:gd name="connsiteY2" fmla="*/ 0 h 810586"/>
+              <a:gd name="connsiteX3" fmla="*/ 2675754 w 2675754"/>
+              <a:gd name="connsiteY3" fmla="*/ 135100 h 810586"/>
+              <a:gd name="connsiteX4" fmla="*/ 2675754 w 2675754"/>
+              <a:gd name="connsiteY4" fmla="*/ 675486 h 810586"/>
+              <a:gd name="connsiteX5" fmla="*/ 2540654 w 2675754"/>
+              <a:gd name="connsiteY5" fmla="*/ 810586 h 810586"/>
+              <a:gd name="connsiteX6" fmla="*/ 135100 w 2675754"/>
+              <a:gd name="connsiteY6" fmla="*/ 810586 h 810586"/>
+              <a:gd name="connsiteX7" fmla="*/ 0 w 2675754"/>
+              <a:gd name="connsiteY7" fmla="*/ 675486 h 810586"/>
+              <a:gd name="connsiteX8" fmla="*/ 0 w 2675754"/>
+              <a:gd name="connsiteY8" fmla="*/ 135100 h 810586"/>
+            </a:gdLst>
+            <a:ahLst/>
+            <a:cxnLst>
+              <a:cxn ang="0">
+                <a:pos x="connsiteX0" y="connsiteY0"/>
+              </a:cxn>
+              <a:cxn ang="0">
+                <a:pos x="connsiteX1" y="connsiteY1"/>
+              </a:cxn>
+              <a:cxn ang="0">
+                <a:pos x="connsiteX2" y="connsiteY2"/>
+              </a:cxn>
+              <a:cxn ang="0">
+                <a:pos x="connsiteX3" y="connsiteY3"/>
+              </a:cxn>
+              <a:cxn ang="0">
+                <a:pos x="connsiteX4" y="connsiteY4"/>
+              </a:cxn>
+              <a:cxn ang="0">
+                <a:pos x="connsiteX5" y="connsiteY5"/>
+              </a:cxn>
+              <a:cxn ang="0">
+                <a:pos x="connsiteX6" y="connsiteY6"/>
+              </a:cxn>
+              <a:cxn ang="0">
+                <a:pos x="connsiteX7" y="connsiteY7"/>
+              </a:cxn>
+              <a:cxn ang="0">
+                <a:pos x="connsiteX8" y="connsiteY8"/>
+              </a:cxn>
+            </a:cxnLst>
+            <a:rect l="l" t="t" r="r" b="b"/>
+            <a:pathLst>
+              <a:path w="2675754" h="810586">
+                <a:moveTo>
+                  <a:pt x="0" y="135100"/>
+                </a:moveTo>
+                <a:cubicBezTo>
+                  <a:pt x="0" y="60486"/>
+                  <a:pt x="60486" y="0"/>
+                  <a:pt x="135100" y="0"/>
+                </a:cubicBezTo>
+                <a:lnTo>
+                  <a:pt x="2540654" y="0"/>
+                </a:lnTo>
+                <a:cubicBezTo>
+                  <a:pt x="2615268" y="0"/>
+                  <a:pt x="2675754" y="60486"/>
+                  <a:pt x="2675754" y="135100"/>
+                </a:cubicBezTo>
+                <a:lnTo>
+                  <a:pt x="2675754" y="675486"/>
+                </a:lnTo>
+                <a:cubicBezTo>
+                  <a:pt x="2675754" y="750100"/>
+                  <a:pt x="2615268" y="810586"/>
+                  <a:pt x="2540654" y="810586"/>
+                </a:cubicBezTo>
+                <a:lnTo>
+                  <a:pt x="135100" y="810586"/>
+                </a:lnTo>
+                <a:cubicBezTo>
+                  <a:pt x="60486" y="810586"/>
+                  <a:pt x="0" y="750100"/>
+                  <a:pt x="0" y="675486"/>
+                </a:cubicBezTo>
+                <a:lnTo>
+                  <a:pt x="0" y="135100"/>
+                </a:lnTo>
+                <a:close/>
+              </a:path>
+            </a:pathLst>
+          </a:custGeom>
+          <a:scene3d>
+            <a:camera prst="orthographicFront"/>
+            <a:lightRig rig="threePt" dir="t">
+              <a:rot lat="0" lon="0" rev="7500000"/>
+            </a:lightRig>
+          </a:scene3d>
+          <a:sp3d z="152400" extrusionH="63500" prstMaterial="dkEdge">
+            <a:bevelT w="135400" h="16350" prst="relaxedInset"/>
+            <a:contourClr>
+              <a:schemeClr val="bg1"/>
+            </a:contourClr>
+          </a:sp3d>
+        </p:spPr>
+        <p:style>
+          <a:lnRef idx="1">
+            <a:schemeClr val="accent5">
+              <a:alpha val="90000"/>
+              <a:hueOff val="0"/>
+              <a:satOff val="0"/>
+              <a:lumOff val="0"/>
+              <a:alphaOff val="0"/>
+            </a:schemeClr>
+          </a:lnRef>
+          <a:fillRef idx="1">
+            <a:schemeClr val="lt1">
+              <a:alpha val="90000"/>
+              <a:hueOff val="0"/>
+              <a:satOff val="0"/>
+              <a:lumOff val="0"/>
+              <a:alphaOff val="0"/>
+            </a:schemeClr>
+          </a:fillRef>
+          <a:effectRef idx="2">
+            <a:schemeClr val="lt1">
+              <a:alpha val="90000"/>
+              <a:hueOff val="0"/>
+              <a:satOff val="0"/>
+              <a:lumOff val="0"/>
+              <a:alphaOff val="0"/>
+            </a:schemeClr>
+          </a:effectRef>
+          <a:fontRef idx="minor">
+            <a:schemeClr val="dk1">
+              <a:hueOff val="0"/>
+              <a:satOff val="0"/>
+              <a:lumOff val="0"/>
+              <a:alphaOff val="0"/>
+            </a:schemeClr>
+          </a:fontRef>
+        </p:style>
+        <p:txBody>
+          <a:bodyPr spcFirstLastPara="0" vert="horz" wrap="square" lIns="100530" tIns="100530" rIns="100530" bIns="100530" numCol="1" spcCol="1270" anchor="ctr" anchorCtr="0">
+            <a:noAutofit/>
+          </a:bodyPr>
+          <a:lstStyle/>
+          <a:p>
+            <a:pPr algn="ctr" defTabSz="711200">
+              <a:lnSpc>
+                <a:spcPct val="90000"/>
+              </a:lnSpc>
+              <a:spcBef>
+                <a:spcPct val="0"/>
+              </a:spcBef>
+              <a:spcAft>
+                <a:spcPct val="35000"/>
+              </a:spcAft>
+            </a:pPr>
+            <a:r>
+              <a:rPr lang="en-US" sz="1600" dirty="0"/>
+              <a:t>Lack of Server Base Programming</a:t>
+            </a:r>
+          </a:p>
+        </p:txBody>
+      </p:sp>
+      <p:sp>
+        <p:nvSpPr>
+          <p:cNvPr id="17" name="Freeform: Shape 16">
+            <a:extLst>
+              <a:ext uri="{FF2B5EF4-FFF2-40B4-BE49-F238E27FC236}">
+                <a16:creationId xmlns:a16="http://schemas.microsoft.com/office/drawing/2014/main" id="{84EEA5A0-5023-49CE-878B-830F24832070}"/>
+              </a:ext>
+            </a:extLst>
+          </p:cNvPr>
+          <p:cNvSpPr/>
+          <p:nvPr/>
+        </p:nvSpPr>
+        <p:spPr>
+          <a:xfrm>
+            <a:off x="2404933" y="4618229"/>
+            <a:ext cx="2675754" cy="810586"/>
+          </a:xfrm>
+          <a:custGeom>
+            <a:avLst/>
+            <a:gdLst>
+              <a:gd name="connsiteX0" fmla="*/ 0 w 2675754"/>
+              <a:gd name="connsiteY0" fmla="*/ 135100 h 810586"/>
+              <a:gd name="connsiteX1" fmla="*/ 135100 w 2675754"/>
+              <a:gd name="connsiteY1" fmla="*/ 0 h 810586"/>
+              <a:gd name="connsiteX2" fmla="*/ 2540654 w 2675754"/>
+              <a:gd name="connsiteY2" fmla="*/ 0 h 810586"/>
+              <a:gd name="connsiteX3" fmla="*/ 2675754 w 2675754"/>
+              <a:gd name="connsiteY3" fmla="*/ 135100 h 810586"/>
+              <a:gd name="connsiteX4" fmla="*/ 2675754 w 2675754"/>
+              <a:gd name="connsiteY4" fmla="*/ 675486 h 810586"/>
+              <a:gd name="connsiteX5" fmla="*/ 2540654 w 2675754"/>
+              <a:gd name="connsiteY5" fmla="*/ 810586 h 810586"/>
+              <a:gd name="connsiteX6" fmla="*/ 135100 w 2675754"/>
+              <a:gd name="connsiteY6" fmla="*/ 810586 h 810586"/>
+              <a:gd name="connsiteX7" fmla="*/ 0 w 2675754"/>
+              <a:gd name="connsiteY7" fmla="*/ 675486 h 810586"/>
+              <a:gd name="connsiteX8" fmla="*/ 0 w 2675754"/>
+              <a:gd name="connsiteY8" fmla="*/ 135100 h 810586"/>
+            </a:gdLst>
+            <a:ahLst/>
+            <a:cxnLst>
+              <a:cxn ang="0">
+                <a:pos x="connsiteX0" y="connsiteY0"/>
+              </a:cxn>
+              <a:cxn ang="0">
+                <a:pos x="connsiteX1" y="connsiteY1"/>
+              </a:cxn>
+              <a:cxn ang="0">
+                <a:pos x="connsiteX2" y="connsiteY2"/>
+              </a:cxn>
+              <a:cxn ang="0">
+                <a:pos x="connsiteX3" y="connsiteY3"/>
+              </a:cxn>
+              <a:cxn ang="0">
+                <a:pos x="connsiteX4" y="connsiteY4"/>
+              </a:cxn>
+              <a:cxn ang="0">
+                <a:pos x="connsiteX5" y="connsiteY5"/>
+              </a:cxn>
+              <a:cxn ang="0">
+                <a:pos x="connsiteX6" y="connsiteY6"/>
+              </a:cxn>
+              <a:cxn ang="0">
+                <a:pos x="connsiteX7" y="connsiteY7"/>
+              </a:cxn>
+              <a:cxn ang="0">
+                <a:pos x="connsiteX8" y="connsiteY8"/>
+              </a:cxn>
+            </a:cxnLst>
+            <a:rect l="l" t="t" r="r" b="b"/>
+            <a:pathLst>
+              <a:path w="2675754" h="810586">
+                <a:moveTo>
+                  <a:pt x="0" y="135100"/>
+                </a:moveTo>
+                <a:cubicBezTo>
+                  <a:pt x="0" y="60486"/>
+                  <a:pt x="60486" y="0"/>
+                  <a:pt x="135100" y="0"/>
+                </a:cubicBezTo>
+                <a:lnTo>
+                  <a:pt x="2540654" y="0"/>
+                </a:lnTo>
+                <a:cubicBezTo>
+                  <a:pt x="2615268" y="0"/>
+                  <a:pt x="2675754" y="60486"/>
+                  <a:pt x="2675754" y="135100"/>
+                </a:cubicBezTo>
+                <a:lnTo>
+                  <a:pt x="2675754" y="675486"/>
+                </a:lnTo>
+                <a:cubicBezTo>
+                  <a:pt x="2675754" y="750100"/>
+                  <a:pt x="2615268" y="810586"/>
+                  <a:pt x="2540654" y="810586"/>
+                </a:cubicBezTo>
+                <a:lnTo>
+                  <a:pt x="135100" y="810586"/>
+                </a:lnTo>
+                <a:cubicBezTo>
+                  <a:pt x="60486" y="810586"/>
+                  <a:pt x="0" y="750100"/>
+                  <a:pt x="0" y="675486"/>
+                </a:cubicBezTo>
+                <a:lnTo>
+                  <a:pt x="0" y="135100"/>
+                </a:lnTo>
+                <a:close/>
+              </a:path>
+            </a:pathLst>
+          </a:custGeom>
+          <a:scene3d>
+            <a:camera prst="orthographicFront"/>
+            <a:lightRig rig="threePt" dir="t">
+              <a:rot lat="0" lon="0" rev="7500000"/>
+            </a:lightRig>
+          </a:scene3d>
+          <a:sp3d z="152400" extrusionH="63500" prstMaterial="dkEdge">
+            <a:bevelT w="135400" h="16350" prst="relaxedInset"/>
+            <a:contourClr>
+              <a:schemeClr val="bg1"/>
+            </a:contourClr>
+          </a:sp3d>
+        </p:spPr>
+        <p:style>
+          <a:lnRef idx="1">
+            <a:schemeClr val="accent5">
+              <a:alpha val="90000"/>
+              <a:hueOff val="0"/>
+              <a:satOff val="0"/>
+              <a:lumOff val="0"/>
+              <a:alphaOff val="-40000"/>
+            </a:schemeClr>
+          </a:lnRef>
+          <a:fillRef idx="1">
+            <a:schemeClr val="lt1">
+              <a:alpha val="90000"/>
+              <a:hueOff val="0"/>
+              <a:satOff val="0"/>
+              <a:lumOff val="0"/>
+              <a:alphaOff val="0"/>
+            </a:schemeClr>
+          </a:fillRef>
+          <a:effectRef idx="2">
+            <a:schemeClr val="lt1">
+              <a:alpha val="90000"/>
+              <a:hueOff val="0"/>
+              <a:satOff val="0"/>
+              <a:lumOff val="0"/>
+              <a:alphaOff val="0"/>
+            </a:schemeClr>
+          </a:effectRef>
+          <a:fontRef idx="minor">
+            <a:schemeClr val="dk1">
+              <a:hueOff val="0"/>
+              <a:satOff val="0"/>
+              <a:lumOff val="0"/>
+              <a:alphaOff val="0"/>
+            </a:schemeClr>
+          </a:fontRef>
+        </p:style>
+        <p:txBody>
+          <a:bodyPr spcFirstLastPara="0" vert="horz" wrap="square" lIns="47190" tIns="47190" rIns="47190" bIns="47190" numCol="1" spcCol="1270" anchor="ctr" anchorCtr="0">
+            <a:noAutofit/>
+          </a:bodyPr>
+          <a:lstStyle/>
+          <a:p>
+            <a:pPr marL="0" lvl="0" indent="0" algn="ctr" defTabSz="711200">
+              <a:lnSpc>
+                <a:spcPct val="90000"/>
+              </a:lnSpc>
+              <a:spcBef>
+                <a:spcPct val="0"/>
+              </a:spcBef>
+              <a:spcAft>
+                <a:spcPct val="35000"/>
+              </a:spcAft>
+              <a:buNone/>
+            </a:pPr>
+            <a:r>
+              <a:rPr lang="en-US" sz="1600" kern="1200" dirty="0"/>
+              <a:t>Fear of failure</a:t>
+            </a:r>
+          </a:p>
+        </p:txBody>
+      </p:sp>
+      <p:sp>
+        <p:nvSpPr>
+          <p:cNvPr id="19" name="Isosceles Triangle 18">
+            <a:extLst>
+              <a:ext uri="{FF2B5EF4-FFF2-40B4-BE49-F238E27FC236}">
+                <a16:creationId xmlns:a16="http://schemas.microsoft.com/office/drawing/2014/main" id="{52F9045A-F299-ABFB-95FD-50210C9CCB41}"/>
+              </a:ext>
+            </a:extLst>
+          </p:cNvPr>
+          <p:cNvSpPr/>
+          <p:nvPr/>
+        </p:nvSpPr>
+        <p:spPr>
+          <a:xfrm>
+            <a:off x="6929397" y="2462556"/>
+            <a:ext cx="3404186" cy="3404186"/>
+          </a:xfrm>
+          <a:prstGeom prst="triangle">
+            <a:avLst/>
+          </a:prstGeom>
+          <a:scene3d>
+            <a:camera prst="orthographicFront"/>
+            <a:lightRig rig="threePt" dir="t">
+              <a:rot lat="0" lon="0" rev="7500000"/>
+            </a:lightRig>
+          </a:scene3d>
+          <a:sp3d prstMaterial="plastic">
+            <a:bevelT w="127000" h="25400" prst="relaxedInset"/>
+          </a:sp3d>
+        </p:spPr>
+        <p:style>
+          <a:lnRef idx="0">
+            <a:schemeClr val="lt1">
+              <a:hueOff val="0"/>
+              <a:satOff val="0"/>
+              <a:lumOff val="0"/>
+              <a:alphaOff val="0"/>
+            </a:schemeClr>
+          </a:lnRef>
+          <a:fillRef idx="3">
+            <a:schemeClr val="accent2">
+              <a:alpha val="90000"/>
+              <a:hueOff val="0"/>
+              <a:satOff val="0"/>
+              <a:lumOff val="0"/>
+              <a:alphaOff val="0"/>
+            </a:schemeClr>
+          </a:fillRef>
+          <a:effectRef idx="2">
+            <a:schemeClr val="accent2">
+              <a:alpha val="90000"/>
+              <a:hueOff val="0"/>
+              <a:satOff val="0"/>
+              <a:lumOff val="0"/>
+              <a:alphaOff val="0"/>
+            </a:schemeClr>
+          </a:effectRef>
+          <a:fontRef idx="minor">
+            <a:schemeClr val="lt1"/>
+          </a:fontRef>
+        </p:style>
+      </p:sp>
+      <p:sp>
+        <p:nvSpPr>
+          <p:cNvPr id="20" name="Freeform: Shape 19">
+            <a:extLst>
+              <a:ext uri="{FF2B5EF4-FFF2-40B4-BE49-F238E27FC236}">
+                <a16:creationId xmlns:a16="http://schemas.microsoft.com/office/drawing/2014/main" id="{ECA4E2FA-83A6-87C6-AF96-08D2190A2497}"/>
+              </a:ext>
+            </a:extLst>
+          </p:cNvPr>
+          <p:cNvSpPr/>
+          <p:nvPr/>
+        </p:nvSpPr>
+        <p:spPr>
+          <a:xfrm>
+            <a:off x="8413161" y="2804803"/>
+            <a:ext cx="2649379" cy="805834"/>
+          </a:xfrm>
+          <a:custGeom>
+            <a:avLst/>
+            <a:gdLst>
+              <a:gd name="connsiteX0" fmla="*/ 0 w 2649379"/>
+              <a:gd name="connsiteY0" fmla="*/ 134308 h 805834"/>
+              <a:gd name="connsiteX1" fmla="*/ 134308 w 2649379"/>
+              <a:gd name="connsiteY1" fmla="*/ 0 h 805834"/>
+              <a:gd name="connsiteX2" fmla="*/ 2515071 w 2649379"/>
+              <a:gd name="connsiteY2" fmla="*/ 0 h 805834"/>
+              <a:gd name="connsiteX3" fmla="*/ 2649379 w 2649379"/>
+              <a:gd name="connsiteY3" fmla="*/ 134308 h 805834"/>
+              <a:gd name="connsiteX4" fmla="*/ 2649379 w 2649379"/>
+              <a:gd name="connsiteY4" fmla="*/ 671526 h 805834"/>
+              <a:gd name="connsiteX5" fmla="*/ 2515071 w 2649379"/>
+              <a:gd name="connsiteY5" fmla="*/ 805834 h 805834"/>
+              <a:gd name="connsiteX6" fmla="*/ 134308 w 2649379"/>
+              <a:gd name="connsiteY6" fmla="*/ 805834 h 805834"/>
+              <a:gd name="connsiteX7" fmla="*/ 0 w 2649379"/>
+              <a:gd name="connsiteY7" fmla="*/ 671526 h 805834"/>
+              <a:gd name="connsiteX8" fmla="*/ 0 w 2649379"/>
+              <a:gd name="connsiteY8" fmla="*/ 134308 h 805834"/>
+            </a:gdLst>
+            <a:ahLst/>
+            <a:cxnLst>
+              <a:cxn ang="0">
+                <a:pos x="connsiteX0" y="connsiteY0"/>
+              </a:cxn>
+              <a:cxn ang="0">
+                <a:pos x="connsiteX1" y="connsiteY1"/>
+              </a:cxn>
+              <a:cxn ang="0">
+                <a:pos x="connsiteX2" y="connsiteY2"/>
+              </a:cxn>
+              <a:cxn ang="0">
+                <a:pos x="connsiteX3" y="connsiteY3"/>
+              </a:cxn>
+              <a:cxn ang="0">
+                <a:pos x="connsiteX4" y="connsiteY4"/>
+              </a:cxn>
+              <a:cxn ang="0">
+                <a:pos x="connsiteX5" y="connsiteY5"/>
+              </a:cxn>
+              <a:cxn ang="0">
+                <a:pos x="connsiteX6" y="connsiteY6"/>
+              </a:cxn>
+              <a:cxn ang="0">
+                <a:pos x="connsiteX7" y="connsiteY7"/>
+              </a:cxn>
+              <a:cxn ang="0">
+                <a:pos x="connsiteX8" y="connsiteY8"/>
+              </a:cxn>
+            </a:cxnLst>
+            <a:rect l="l" t="t" r="r" b="b"/>
+            <a:pathLst>
+              <a:path w="2649379" h="805834">
+                <a:moveTo>
+                  <a:pt x="0" y="134308"/>
+                </a:moveTo>
+                <a:cubicBezTo>
+                  <a:pt x="0" y="60132"/>
+                  <a:pt x="60132" y="0"/>
+                  <a:pt x="134308" y="0"/>
+                </a:cubicBezTo>
+                <a:lnTo>
+                  <a:pt x="2515071" y="0"/>
+                </a:lnTo>
+                <a:cubicBezTo>
+                  <a:pt x="2589247" y="0"/>
+                  <a:pt x="2649379" y="60132"/>
+                  <a:pt x="2649379" y="134308"/>
+                </a:cubicBezTo>
+                <a:lnTo>
+                  <a:pt x="2649379" y="671526"/>
+                </a:lnTo>
+                <a:cubicBezTo>
+                  <a:pt x="2649379" y="745702"/>
+                  <a:pt x="2589247" y="805834"/>
+                  <a:pt x="2515071" y="805834"/>
+                </a:cubicBezTo>
+                <a:lnTo>
+                  <a:pt x="134308" y="805834"/>
+                </a:lnTo>
+                <a:cubicBezTo>
+                  <a:pt x="60132" y="805834"/>
+                  <a:pt x="0" y="745702"/>
+                  <a:pt x="0" y="671526"/>
+                </a:cubicBezTo>
+                <a:lnTo>
+                  <a:pt x="0" y="134308"/>
+                </a:lnTo>
+                <a:close/>
+              </a:path>
+            </a:pathLst>
+          </a:custGeom>
+          <a:scene3d>
+            <a:camera prst="orthographicFront"/>
+            <a:lightRig rig="threePt" dir="t">
+              <a:rot lat="0" lon="0" rev="7500000"/>
+            </a:lightRig>
+          </a:scene3d>
+          <a:sp3d z="152400" extrusionH="63500" prstMaterial="dkEdge">
+            <a:bevelT w="135400" h="16350" prst="relaxedInset"/>
+            <a:contourClr>
+              <a:schemeClr val="bg1"/>
+            </a:contourClr>
+          </a:sp3d>
+        </p:spPr>
+        <p:style>
+          <a:lnRef idx="1">
+            <a:schemeClr val="accent2">
+              <a:alpha val="90000"/>
+              <a:hueOff val="0"/>
+              <a:satOff val="0"/>
+              <a:lumOff val="0"/>
+              <a:alphaOff val="0"/>
+            </a:schemeClr>
+          </a:lnRef>
+          <a:fillRef idx="1">
+            <a:schemeClr val="lt1">
+              <a:alpha val="90000"/>
+              <a:hueOff val="0"/>
+              <a:satOff val="0"/>
+              <a:lumOff val="0"/>
+              <a:alphaOff val="0"/>
+            </a:schemeClr>
+          </a:fillRef>
+          <a:effectRef idx="2">
+            <a:schemeClr val="lt1">
+              <a:alpha val="90000"/>
+              <a:hueOff val="0"/>
+              <a:satOff val="0"/>
+              <a:lumOff val="0"/>
+              <a:alphaOff val="0"/>
+            </a:schemeClr>
+          </a:effectRef>
+          <a:fontRef idx="minor">
+            <a:schemeClr val="dk1">
+              <a:hueOff val="0"/>
+              <a:satOff val="0"/>
+              <a:lumOff val="0"/>
+              <a:alphaOff val="0"/>
+            </a:schemeClr>
+          </a:fontRef>
+        </p:style>
+        <p:txBody>
+          <a:bodyPr spcFirstLastPara="0" vert="horz" wrap="square" lIns="100298" tIns="100298" rIns="100298" bIns="100298" numCol="1" spcCol="1270" anchor="ctr" anchorCtr="0">
+            <a:noAutofit/>
+          </a:bodyPr>
+          <a:lstStyle/>
+          <a:p>
+            <a:pPr marL="0" lvl="0" indent="0" algn="ctr" defTabSz="711200">
+              <a:lnSpc>
+                <a:spcPct val="90000"/>
+              </a:lnSpc>
+              <a:spcBef>
+                <a:spcPct val="0"/>
+              </a:spcBef>
+              <a:spcAft>
+                <a:spcPct val="35000"/>
+              </a:spcAft>
+              <a:buFontTx/>
+              <a:buNone/>
+            </a:pPr>
+            <a:r>
+              <a:rPr lang="en-US" sz="1600" kern="1200" dirty="0"/>
+              <a:t>Cooperate with Export dept. to understand flow</a:t>
+            </a:r>
+          </a:p>
+        </p:txBody>
+      </p:sp>
+      <p:sp>
+        <p:nvSpPr>
+          <p:cNvPr id="21" name="Freeform: Shape 20">
+            <a:extLst>
+              <a:ext uri="{FF2B5EF4-FFF2-40B4-BE49-F238E27FC236}">
+                <a16:creationId xmlns:a16="http://schemas.microsoft.com/office/drawing/2014/main" id="{747109DA-C07D-8381-1453-11BD4A8C860A}"/>
+              </a:ext>
+            </a:extLst>
+          </p:cNvPr>
+          <p:cNvSpPr/>
+          <p:nvPr/>
+        </p:nvSpPr>
+        <p:spPr>
+          <a:xfrm>
+            <a:off x="8413161" y="3711367"/>
+            <a:ext cx="2649379" cy="805834"/>
+          </a:xfrm>
+          <a:custGeom>
+            <a:avLst/>
+            <a:gdLst>
+              <a:gd name="connsiteX0" fmla="*/ 0 w 2649379"/>
+              <a:gd name="connsiteY0" fmla="*/ 134308 h 805834"/>
+              <a:gd name="connsiteX1" fmla="*/ 134308 w 2649379"/>
+              <a:gd name="connsiteY1" fmla="*/ 0 h 805834"/>
+              <a:gd name="connsiteX2" fmla="*/ 2515071 w 2649379"/>
+              <a:gd name="connsiteY2" fmla="*/ 0 h 805834"/>
+              <a:gd name="connsiteX3" fmla="*/ 2649379 w 2649379"/>
+              <a:gd name="connsiteY3" fmla="*/ 134308 h 805834"/>
+              <a:gd name="connsiteX4" fmla="*/ 2649379 w 2649379"/>
+              <a:gd name="connsiteY4" fmla="*/ 671526 h 805834"/>
+              <a:gd name="connsiteX5" fmla="*/ 2515071 w 2649379"/>
+              <a:gd name="connsiteY5" fmla="*/ 805834 h 805834"/>
+              <a:gd name="connsiteX6" fmla="*/ 134308 w 2649379"/>
+              <a:gd name="connsiteY6" fmla="*/ 805834 h 805834"/>
+              <a:gd name="connsiteX7" fmla="*/ 0 w 2649379"/>
+              <a:gd name="connsiteY7" fmla="*/ 671526 h 805834"/>
+              <a:gd name="connsiteX8" fmla="*/ 0 w 2649379"/>
+              <a:gd name="connsiteY8" fmla="*/ 134308 h 805834"/>
+            </a:gdLst>
+            <a:ahLst/>
+            <a:cxnLst>
+              <a:cxn ang="0">
+                <a:pos x="connsiteX0" y="connsiteY0"/>
+              </a:cxn>
+              <a:cxn ang="0">
+                <a:pos x="connsiteX1" y="connsiteY1"/>
+              </a:cxn>
+              <a:cxn ang="0">
+                <a:pos x="connsiteX2" y="connsiteY2"/>
+              </a:cxn>
+              <a:cxn ang="0">
+                <a:pos x="connsiteX3" y="connsiteY3"/>
+              </a:cxn>
+              <a:cxn ang="0">
+                <a:pos x="connsiteX4" y="connsiteY4"/>
+              </a:cxn>
+              <a:cxn ang="0">
+                <a:pos x="connsiteX5" y="connsiteY5"/>
+              </a:cxn>
+              <a:cxn ang="0">
+                <a:pos x="connsiteX6" y="connsiteY6"/>
+              </a:cxn>
+              <a:cxn ang="0">
+                <a:pos x="connsiteX7" y="connsiteY7"/>
+              </a:cxn>
+              <a:cxn ang="0">
+                <a:pos x="connsiteX8" y="connsiteY8"/>
+              </a:cxn>
+            </a:cxnLst>
+            <a:rect l="l" t="t" r="r" b="b"/>
+            <a:pathLst>
+              <a:path w="2649379" h="805834">
+                <a:moveTo>
+                  <a:pt x="0" y="134308"/>
+                </a:moveTo>
+                <a:cubicBezTo>
+                  <a:pt x="0" y="60132"/>
+                  <a:pt x="60132" y="0"/>
+                  <a:pt x="134308" y="0"/>
+                </a:cubicBezTo>
+                <a:lnTo>
+                  <a:pt x="2515071" y="0"/>
+                </a:lnTo>
+                <a:cubicBezTo>
+                  <a:pt x="2589247" y="0"/>
+                  <a:pt x="2649379" y="60132"/>
+                  <a:pt x="2649379" y="134308"/>
+                </a:cubicBezTo>
+                <a:lnTo>
+                  <a:pt x="2649379" y="671526"/>
+                </a:lnTo>
+                <a:cubicBezTo>
+                  <a:pt x="2649379" y="745702"/>
+                  <a:pt x="2589247" y="805834"/>
+                  <a:pt x="2515071" y="805834"/>
+                </a:cubicBezTo>
+                <a:lnTo>
+                  <a:pt x="134308" y="805834"/>
+                </a:lnTo>
+                <a:cubicBezTo>
+                  <a:pt x="60132" y="805834"/>
+                  <a:pt x="0" y="745702"/>
+                  <a:pt x="0" y="671526"/>
+                </a:cubicBezTo>
+                <a:lnTo>
+                  <a:pt x="0" y="134308"/>
+                </a:lnTo>
+                <a:close/>
+              </a:path>
+            </a:pathLst>
+          </a:custGeom>
+          <a:scene3d>
+            <a:camera prst="orthographicFront"/>
+            <a:lightRig rig="threePt" dir="t">
+              <a:rot lat="0" lon="0" rev="7500000"/>
+            </a:lightRig>
+          </a:scene3d>
+          <a:sp3d z="152400" extrusionH="63500" prstMaterial="dkEdge">
+            <a:bevelT w="135400" h="16350" prst="relaxedInset"/>
+            <a:contourClr>
+              <a:schemeClr val="bg1"/>
+            </a:contourClr>
+          </a:sp3d>
+        </p:spPr>
+        <p:style>
+          <a:lnRef idx="1">
+            <a:schemeClr val="accent2">
+              <a:alpha val="90000"/>
+              <a:hueOff val="0"/>
+              <a:satOff val="0"/>
+              <a:lumOff val="0"/>
+              <a:alphaOff val="-20000"/>
+            </a:schemeClr>
+          </a:lnRef>
+          <a:fillRef idx="1">
+            <a:schemeClr val="lt1">
+              <a:alpha val="90000"/>
+              <a:hueOff val="0"/>
+              <a:satOff val="0"/>
+              <a:lumOff val="0"/>
+              <a:alphaOff val="0"/>
+            </a:schemeClr>
+          </a:fillRef>
+          <a:effectRef idx="2">
+            <a:schemeClr val="lt1">
+              <a:alpha val="90000"/>
+              <a:hueOff val="0"/>
+              <a:satOff val="0"/>
+              <a:lumOff val="0"/>
+              <a:alphaOff val="0"/>
+            </a:schemeClr>
+          </a:effectRef>
+          <a:fontRef idx="minor">
+            <a:schemeClr val="dk1">
+              <a:hueOff val="0"/>
+              <a:satOff val="0"/>
+              <a:lumOff val="0"/>
+              <a:alphaOff val="0"/>
+            </a:schemeClr>
+          </a:fontRef>
+        </p:style>
+        <p:txBody>
+          <a:bodyPr spcFirstLastPara="0" vert="horz" wrap="square" lIns="100298" tIns="100298" rIns="100298" bIns="100298" numCol="1" spcCol="1270" anchor="ctr" anchorCtr="0">
+            <a:noAutofit/>
+          </a:bodyPr>
+          <a:lstStyle/>
+          <a:p>
+            <a:pPr marL="0" lvl="0" indent="0" algn="ctr" defTabSz="711200">
+              <a:lnSpc>
+                <a:spcPct val="90000"/>
+              </a:lnSpc>
+              <a:spcBef>
+                <a:spcPct val="0"/>
+              </a:spcBef>
+              <a:spcAft>
+                <a:spcPct val="35000"/>
+              </a:spcAft>
+              <a:buNone/>
+            </a:pPr>
+            <a:r>
+              <a:rPr lang="en-US" sz="1600" kern="1200" dirty="0"/>
+              <a:t>Study of SQL &amp; WPF involved in writing process</a:t>
+            </a:r>
+          </a:p>
+        </p:txBody>
+      </p:sp>
+      <p:sp>
+        <p:nvSpPr>
+          <p:cNvPr id="22" name="Freeform: Shape 21">
+            <a:extLst>
+              <a:ext uri="{FF2B5EF4-FFF2-40B4-BE49-F238E27FC236}">
+                <a16:creationId xmlns:a16="http://schemas.microsoft.com/office/drawing/2014/main" id="{004C9257-3170-A0DC-FF61-7616802C654B}"/>
+              </a:ext>
+            </a:extLst>
+          </p:cNvPr>
+          <p:cNvSpPr/>
+          <p:nvPr/>
+        </p:nvSpPr>
+        <p:spPr>
+          <a:xfrm>
+            <a:off x="8413161" y="4617930"/>
+            <a:ext cx="2649379" cy="805834"/>
+          </a:xfrm>
+          <a:custGeom>
+            <a:avLst/>
+            <a:gdLst>
+              <a:gd name="connsiteX0" fmla="*/ 0 w 2649379"/>
+              <a:gd name="connsiteY0" fmla="*/ 134308 h 805834"/>
+              <a:gd name="connsiteX1" fmla="*/ 134308 w 2649379"/>
+              <a:gd name="connsiteY1" fmla="*/ 0 h 805834"/>
+              <a:gd name="connsiteX2" fmla="*/ 2515071 w 2649379"/>
+              <a:gd name="connsiteY2" fmla="*/ 0 h 805834"/>
+              <a:gd name="connsiteX3" fmla="*/ 2649379 w 2649379"/>
+              <a:gd name="connsiteY3" fmla="*/ 134308 h 805834"/>
+              <a:gd name="connsiteX4" fmla="*/ 2649379 w 2649379"/>
+              <a:gd name="connsiteY4" fmla="*/ 671526 h 805834"/>
+              <a:gd name="connsiteX5" fmla="*/ 2515071 w 2649379"/>
+              <a:gd name="connsiteY5" fmla="*/ 805834 h 805834"/>
+              <a:gd name="connsiteX6" fmla="*/ 134308 w 2649379"/>
+              <a:gd name="connsiteY6" fmla="*/ 805834 h 805834"/>
+              <a:gd name="connsiteX7" fmla="*/ 0 w 2649379"/>
+              <a:gd name="connsiteY7" fmla="*/ 671526 h 805834"/>
+              <a:gd name="connsiteX8" fmla="*/ 0 w 2649379"/>
+              <a:gd name="connsiteY8" fmla="*/ 134308 h 805834"/>
+            </a:gdLst>
+            <a:ahLst/>
+            <a:cxnLst>
+              <a:cxn ang="0">
+                <a:pos x="connsiteX0" y="connsiteY0"/>
+              </a:cxn>
+              <a:cxn ang="0">
+                <a:pos x="connsiteX1" y="connsiteY1"/>
+              </a:cxn>
+              <a:cxn ang="0">
+                <a:pos x="connsiteX2" y="connsiteY2"/>
+              </a:cxn>
+              <a:cxn ang="0">
+                <a:pos x="connsiteX3" y="connsiteY3"/>
+              </a:cxn>
+              <a:cxn ang="0">
+                <a:pos x="connsiteX4" y="connsiteY4"/>
+              </a:cxn>
+              <a:cxn ang="0">
+                <a:pos x="connsiteX5" y="connsiteY5"/>
+              </a:cxn>
+              <a:cxn ang="0">
+                <a:pos x="connsiteX6" y="connsiteY6"/>
+              </a:cxn>
+              <a:cxn ang="0">
+                <a:pos x="connsiteX7" y="connsiteY7"/>
+              </a:cxn>
+              <a:cxn ang="0">
+                <a:pos x="connsiteX8" y="connsiteY8"/>
+              </a:cxn>
+            </a:cxnLst>
+            <a:rect l="l" t="t" r="r" b="b"/>
+            <a:pathLst>
+              <a:path w="2649379" h="805834">
+                <a:moveTo>
+                  <a:pt x="0" y="134308"/>
+                </a:moveTo>
+                <a:cubicBezTo>
+                  <a:pt x="0" y="60132"/>
+                  <a:pt x="60132" y="0"/>
+                  <a:pt x="134308" y="0"/>
+                </a:cubicBezTo>
+                <a:lnTo>
+                  <a:pt x="2515071" y="0"/>
+                </a:lnTo>
+                <a:cubicBezTo>
+                  <a:pt x="2589247" y="0"/>
+                  <a:pt x="2649379" y="60132"/>
+                  <a:pt x="2649379" y="134308"/>
+                </a:cubicBezTo>
+                <a:lnTo>
+                  <a:pt x="2649379" y="671526"/>
+                </a:lnTo>
+                <a:cubicBezTo>
+                  <a:pt x="2649379" y="745702"/>
+                  <a:pt x="2589247" y="805834"/>
+                  <a:pt x="2515071" y="805834"/>
+                </a:cubicBezTo>
+                <a:lnTo>
+                  <a:pt x="134308" y="805834"/>
+                </a:lnTo>
+                <a:cubicBezTo>
+                  <a:pt x="60132" y="805834"/>
+                  <a:pt x="0" y="745702"/>
+                  <a:pt x="0" y="671526"/>
+                </a:cubicBezTo>
+                <a:lnTo>
+                  <a:pt x="0" y="134308"/>
+                </a:lnTo>
+                <a:close/>
+              </a:path>
+            </a:pathLst>
+          </a:custGeom>
+          <a:scene3d>
+            <a:camera prst="orthographicFront"/>
+            <a:lightRig rig="threePt" dir="t">
+              <a:rot lat="0" lon="0" rev="7500000"/>
+            </a:lightRig>
+          </a:scene3d>
+          <a:sp3d z="152400" extrusionH="63500" prstMaterial="dkEdge">
+            <a:bevelT w="135400" h="16350" prst="relaxedInset"/>
+            <a:contourClr>
+              <a:schemeClr val="bg1"/>
+            </a:contourClr>
+          </a:sp3d>
+        </p:spPr>
+        <p:style>
+          <a:lnRef idx="1">
+            <a:schemeClr val="accent2">
+              <a:alpha val="90000"/>
+              <a:hueOff val="0"/>
+              <a:satOff val="0"/>
+              <a:lumOff val="0"/>
+              <a:alphaOff val="-40000"/>
+            </a:schemeClr>
+          </a:lnRef>
+          <a:fillRef idx="1">
+            <a:schemeClr val="lt1">
+              <a:alpha val="90000"/>
+              <a:hueOff val="0"/>
+              <a:satOff val="0"/>
+              <a:lumOff val="0"/>
+              <a:alphaOff val="0"/>
+            </a:schemeClr>
+          </a:fillRef>
+          <a:effectRef idx="2">
+            <a:schemeClr val="lt1">
+              <a:alpha val="90000"/>
+              <a:hueOff val="0"/>
+              <a:satOff val="0"/>
+              <a:lumOff val="0"/>
+              <a:alphaOff val="0"/>
+            </a:schemeClr>
+          </a:effectRef>
+          <a:fontRef idx="minor">
+            <a:schemeClr val="dk1">
+              <a:hueOff val="0"/>
+              <a:satOff val="0"/>
+              <a:lumOff val="0"/>
+              <a:alphaOff val="0"/>
+            </a:schemeClr>
+          </a:fontRef>
+        </p:style>
+        <p:txBody>
+          <a:bodyPr spcFirstLastPara="0" vert="horz" wrap="square" lIns="46958" tIns="46958" rIns="46958" bIns="46958" numCol="1" spcCol="1270" anchor="ctr" anchorCtr="0">
+            <a:noAutofit/>
+          </a:bodyPr>
+          <a:lstStyle/>
+          <a:p>
+            <a:pPr marL="0" lvl="0" indent="0" algn="ctr" defTabSz="711200">
+              <a:lnSpc>
+                <a:spcPct val="90000"/>
+              </a:lnSpc>
+              <a:spcBef>
+                <a:spcPct val="0"/>
+              </a:spcBef>
+              <a:spcAft>
+                <a:spcPct val="35000"/>
+              </a:spcAft>
+              <a:buNone/>
+            </a:pPr>
+            <a:r>
+              <a:rPr lang="en-US" sz="1600" kern="1200" dirty="0"/>
+              <a:t>Support from my team</a:t>
+            </a:r>
+          </a:p>
+        </p:txBody>
+      </p:sp>
+      <p:sp>
+        <p:nvSpPr>
+          <p:cNvPr id="7" name="Rectangle 6">
+            <a:extLst>
+              <a:ext uri="{FF2B5EF4-FFF2-40B4-BE49-F238E27FC236}">
+                <a16:creationId xmlns:a16="http://schemas.microsoft.com/office/drawing/2014/main" id="{D8DDD5B7-5514-AF71-0029-12165EF40733}"/>
+              </a:ext>
+            </a:extLst>
+          </p:cNvPr>
+          <p:cNvSpPr/>
+          <p:nvPr/>
+        </p:nvSpPr>
+        <p:spPr>
+          <a:xfrm>
+            <a:off x="0" y="2462556"/>
+            <a:ext cx="615553" cy="3404186"/>
+          </a:xfrm>
+          <a:prstGeom prst="rect">
+            <a:avLst/>
+          </a:prstGeom>
+          <a:noFill/>
+          <a:effectLst>
+            <a:innerShdw blurRad="63500" dist="50800" dir="5400000">
+              <a:prstClr val="black">
+                <a:alpha val="50000"/>
+              </a:prstClr>
+            </a:innerShdw>
+          </a:effectLst>
+        </p:spPr>
+        <p:style>
+          <a:lnRef idx="2">
+            <a:schemeClr val="accent5"/>
+          </a:lnRef>
+          <a:fillRef idx="1">
+            <a:schemeClr val="lt1"/>
+          </a:fillRef>
+          <a:effectRef idx="0">
+            <a:schemeClr val="accent5"/>
+          </a:effectRef>
+          <a:fontRef idx="minor">
+            <a:schemeClr val="dk1"/>
+          </a:fontRef>
+        </p:style>
+        <p:txBody>
+          <a:bodyPr vert="vert270" wrap="square" lIns="91440" tIns="45720" rIns="91440" bIns="45720">
+            <a:spAutoFit/>
+          </a:bodyPr>
+          <a:lstStyle/>
+          <a:p>
+            <a:pPr algn="ctr"/>
+            <a:r>
+              <a:rPr lang="en-US" sz="2800" b="0" cap="none" spc="0" dirty="0">
+                <a:ln w="0"/>
+                <a:solidFill>
+                  <a:srgbClr val="E25861"/>
+                </a:solidFill>
+                <a:effectLst/>
+                <a:latin typeface="BarCode" panose="05010101010101010101" pitchFamily="1" charset="0"/>
+              </a:rPr>
+              <a:t>CHALLENGES</a:t>
+            </a:r>
+          </a:p>
+        </p:txBody>
+      </p:sp>
+      <p:sp>
+        <p:nvSpPr>
+          <p:cNvPr id="8" name="Rectangle 7">
+            <a:extLst>
+              <a:ext uri="{FF2B5EF4-FFF2-40B4-BE49-F238E27FC236}">
+                <a16:creationId xmlns:a16="http://schemas.microsoft.com/office/drawing/2014/main" id="{E4B12DFB-706B-0322-107E-28DD0AF3C610}"/>
+              </a:ext>
+            </a:extLst>
+          </p:cNvPr>
+          <p:cNvSpPr/>
+          <p:nvPr/>
+        </p:nvSpPr>
+        <p:spPr>
+          <a:xfrm>
+            <a:off x="11549813" y="2462556"/>
+            <a:ext cx="615553" cy="3404186"/>
+          </a:xfrm>
+          <a:prstGeom prst="rect">
+            <a:avLst/>
+          </a:prstGeom>
+          <a:noFill/>
+        </p:spPr>
+        <p:style>
+          <a:lnRef idx="2">
+            <a:schemeClr val="accent2"/>
+          </a:lnRef>
+          <a:fillRef idx="1">
+            <a:schemeClr val="lt1"/>
+          </a:fillRef>
+          <a:effectRef idx="0">
+            <a:schemeClr val="accent2"/>
+          </a:effectRef>
+          <a:fontRef idx="minor">
+            <a:schemeClr val="dk1"/>
+          </a:fontRef>
+        </p:style>
+        <p:txBody>
+          <a:bodyPr vert="vert" wrap="square" lIns="91440" tIns="45720" rIns="91440" bIns="45720">
+            <a:spAutoFit/>
+          </a:bodyPr>
+          <a:lstStyle/>
+          <a:p>
+            <a:pPr algn="ctr"/>
+            <a:r>
+              <a:rPr lang="en-US" sz="2800" b="0" cap="none" spc="0" dirty="0">
+                <a:ln w="0"/>
+                <a:solidFill>
+                  <a:srgbClr val="50DB6F"/>
+                </a:solidFill>
+                <a:effectLst/>
+                <a:latin typeface="BarCode" panose="05010101010101010101" pitchFamily="1" charset="0"/>
+              </a:rPr>
+              <a:t>ACHIEVEMENTS</a:t>
+            </a:r>
+          </a:p>
+        </p:txBody>
+      </p:sp>
+      <p:sp>
+        <p:nvSpPr>
+          <p:cNvPr id="9" name="Rectangle 8">
+            <a:extLst>
+              <a:ext uri="{FF2B5EF4-FFF2-40B4-BE49-F238E27FC236}">
+                <a16:creationId xmlns:a16="http://schemas.microsoft.com/office/drawing/2014/main" id="{D4E1F75A-A379-D55C-E57C-24E7436B2F15}"/>
+              </a:ext>
+            </a:extLst>
+          </p:cNvPr>
+          <p:cNvSpPr/>
+          <p:nvPr/>
+        </p:nvSpPr>
+        <p:spPr>
+          <a:xfrm>
+            <a:off x="609797" y="5965794"/>
+            <a:ext cx="10901778" cy="138978"/>
+          </a:xfrm>
+          <a:prstGeom prst="rect">
+            <a:avLst/>
+          </a:prstGeom>
+          <a:effectLst>
+            <a:glow>
+              <a:schemeClr val="bg1">
+                <a:lumMod val="50000"/>
+                <a:lumOff val="50000"/>
+                <a:alpha val="99000"/>
+              </a:schemeClr>
+            </a:glow>
+            <a:softEdge rad="25400"/>
+          </a:effectLst>
+        </p:spPr>
+        <p:style>
+          <a:lnRef idx="2">
+            <a:schemeClr val="dk1">
+              <a:shade val="50000"/>
+            </a:schemeClr>
+          </a:lnRef>
+          <a:fillRef idx="1">
+            <a:schemeClr val="dk1"/>
+          </a:fillRef>
+          <a:effectRef idx="0">
+            <a:schemeClr val="dk1"/>
+          </a:effectRef>
+          <a:fontRef idx="minor">
+            <a:schemeClr val="lt1"/>
+          </a:fontRef>
+        </p:style>
+        <p:txBody>
+          <a:bodyPr rtlCol="0" anchor="ctr">
+            <a:scene3d>
+              <a:camera prst="orthographicFront"/>
+              <a:lightRig rig="threePt" dir="t"/>
+            </a:scene3d>
+            <a:sp3d extrusionH="57150">
+              <a:bevelT w="57150" h="38100" prst="artDeco"/>
+            </a:sp3d>
+          </a:bodyPr>
+          <a:lstStyle/>
+          <a:p>
+            <a:pPr algn="ctr"/>
+            <a:endParaRPr lang="en-US">
+              <a:effectLst>
+                <a:reflection blurRad="6350" stA="50000" endA="300" endPos="50000" dist="29997" dir="5400000" sy="-100000" algn="bl" rotWithShape="0"/>
+              </a:effectLst>
+            </a:endParaRPr>
+          </a:p>
+        </p:txBody>
+      </p:sp>
+      <p:grpSp>
+        <p:nvGrpSpPr>
+          <p:cNvPr id="12" name="Group 11">
+            <a:extLst>
+              <a:ext uri="{FF2B5EF4-FFF2-40B4-BE49-F238E27FC236}">
+                <a16:creationId xmlns:a16="http://schemas.microsoft.com/office/drawing/2014/main" id="{683FA31F-1436-AC95-9273-4D2F5F4A0D4F}"/>
+              </a:ext>
+            </a:extLst>
+          </p:cNvPr>
+          <p:cNvGrpSpPr/>
+          <p:nvPr/>
+        </p:nvGrpSpPr>
+        <p:grpSpPr>
+          <a:xfrm>
+            <a:off x="3501985" y="6198541"/>
+            <a:ext cx="4967455" cy="552083"/>
+            <a:chOff x="3501985" y="6198541"/>
+            <a:chExt cx="4967455" cy="552083"/>
+          </a:xfrm>
+        </p:grpSpPr>
+        <p:sp>
+          <p:nvSpPr>
+            <p:cNvPr id="3" name="Rectangle: Rounded Corners 2">
+              <a:extLst>
+                <a:ext uri="{FF2B5EF4-FFF2-40B4-BE49-F238E27FC236}">
+                  <a16:creationId xmlns:a16="http://schemas.microsoft.com/office/drawing/2014/main" id="{5E7D1550-A8F7-EFEF-8D11-5B1159233EE9}"/>
+                </a:ext>
+              </a:extLst>
+            </p:cNvPr>
+            <p:cNvSpPr/>
+            <p:nvPr/>
+          </p:nvSpPr>
+          <p:spPr>
+            <a:xfrm>
+              <a:off x="3501985" y="6227404"/>
+              <a:ext cx="4752708" cy="523220"/>
+            </a:xfrm>
+            <a:prstGeom prst="roundRect">
+              <a:avLst/>
+            </a:prstGeom>
+            <a:solidFill>
+              <a:schemeClr val="accent4">
+                <a:lumMod val="40000"/>
+                <a:lumOff val="60000"/>
+              </a:schemeClr>
+            </a:solidFill>
+            <a:ln>
+              <a:noFill/>
+            </a:ln>
+            <a:effectLst/>
+            <a:scene3d>
+              <a:camera prst="orthographicFront">
+                <a:rot lat="0" lon="0" rev="0"/>
+              </a:camera>
+              <a:lightRig rig="contrasting" dir="t">
+                <a:rot lat="0" lon="0" rev="7800000"/>
+              </a:lightRig>
+            </a:scene3d>
+            <a:sp3d>
+              <a:bevelT w="139700" h="139700" prst="artDeco"/>
+            </a:sp3d>
+          </p:spPr>
+          <p:style>
+            <a:lnRef idx="2">
+              <a:schemeClr val="accent1">
+                <a:shade val="50000"/>
+              </a:schemeClr>
+            </a:lnRef>
+            <a:fillRef idx="1">
+              <a:schemeClr val="accent1"/>
+            </a:fillRef>
+            <a:effectRef idx="0">
+              <a:schemeClr val="accent1"/>
+            </a:effectRef>
+            <a:fontRef idx="minor">
+              <a:schemeClr val="lt1"/>
+            </a:fontRef>
+          </p:style>
+          <p:txBody>
+            <a:bodyPr rtlCol="0" anchor="ctr"/>
+            <a:lstStyle/>
+            <a:p>
+              <a:pPr algn="ctr"/>
+              <a:endParaRPr lang="en-US">
+                <a:solidFill>
+                  <a:schemeClr val="bg1">
+                    <a:lumMod val="95000"/>
+                    <a:lumOff val="5000"/>
+                  </a:schemeClr>
+                </a:solidFill>
+              </a:endParaRPr>
+            </a:p>
+          </p:txBody>
+        </p:sp>
+        <p:sp>
+          <p:nvSpPr>
+            <p:cNvPr id="10" name="Rectangle 9">
+              <a:extLst>
+                <a:ext uri="{FF2B5EF4-FFF2-40B4-BE49-F238E27FC236}">
+                  <a16:creationId xmlns:a16="http://schemas.microsoft.com/office/drawing/2014/main" id="{7113DF66-0E25-A539-5E12-40E6838DB9BB}"/>
+                </a:ext>
+              </a:extLst>
+            </p:cNvPr>
+            <p:cNvSpPr/>
+            <p:nvPr/>
+          </p:nvSpPr>
+          <p:spPr>
+            <a:xfrm>
+              <a:off x="3501985" y="6198541"/>
+              <a:ext cx="4967455" cy="523220"/>
+            </a:xfrm>
+            <a:prstGeom prst="rect">
+              <a:avLst/>
+            </a:prstGeom>
+            <a:noFill/>
+            <a:ln w="28575">
+              <a:noFill/>
+            </a:ln>
+          </p:spPr>
+          <p:style>
+            <a:lnRef idx="2">
+              <a:schemeClr val="accent2"/>
+            </a:lnRef>
+            <a:fillRef idx="1">
+              <a:schemeClr val="lt1"/>
+            </a:fillRef>
+            <a:effectRef idx="0">
+              <a:schemeClr val="accent2"/>
+            </a:effectRef>
+            <a:fontRef idx="minor">
+              <a:schemeClr val="dk1"/>
+            </a:fontRef>
+          </p:style>
+          <p:txBody>
+            <a:bodyPr vert="horz" wrap="square" lIns="91440" tIns="45720" rIns="91440" bIns="45720">
+              <a:spAutoFit/>
+            </a:bodyPr>
+            <a:lstStyle/>
+            <a:p>
+              <a:pPr algn="ctr"/>
+              <a:r>
+                <a:rPr lang="en-US" sz="2800" b="1" dirty="0">
+                  <a:solidFill>
+                    <a:schemeClr val="bg2">
+                      <a:lumMod val="50000"/>
+                    </a:schemeClr>
+                  </a:solidFill>
+                  <a:latin typeface="+mj-lt"/>
+                  <a:ea typeface="Segoe UI Black" panose="020B0A02040204020203" pitchFamily="34" charset="0"/>
+                  <a:cs typeface="Aharoni" pitchFamily="2" charset="-79"/>
+                </a:rPr>
+                <a:t>PROFESSIONAL</a:t>
+              </a:r>
+              <a:r>
+                <a:rPr lang="en-US" sz="2800" b="1" cap="none" spc="0" dirty="0">
+                  <a:ln w="0"/>
+                  <a:solidFill>
+                    <a:schemeClr val="bg2">
+                      <a:lumMod val="50000"/>
+                    </a:schemeClr>
+                  </a:solidFill>
+                  <a:effectLst/>
+                  <a:latin typeface="+mj-lt"/>
+                </a:rPr>
+                <a:t> </a:t>
+              </a:r>
+              <a:r>
+                <a:rPr lang="en-US" sz="2800" b="1" dirty="0">
+                  <a:solidFill>
+                    <a:schemeClr val="bg2">
+                      <a:lumMod val="50000"/>
+                    </a:schemeClr>
+                  </a:solidFill>
+                  <a:latin typeface="+mj-lt"/>
+                  <a:ea typeface="Segoe UI Black" panose="020B0A02040204020203" pitchFamily="34" charset="0"/>
+                  <a:cs typeface="Aharoni" pitchFamily="2" charset="-79"/>
+                </a:rPr>
+                <a:t>GROWTH</a:t>
+              </a:r>
+            </a:p>
+          </p:txBody>
+        </p:sp>
+      </p:grpSp>
+    </p:spTree>
+    <p:extLst>
+      <p:ext uri="{BB962C8B-B14F-4D97-AF65-F5344CB8AC3E}">
+        <p14:creationId xmlns:p14="http://schemas.microsoft.com/office/powerpoint/2010/main" val="3270582191"/>
+      </p:ext>
+    </p:extLst>
+  </p:cSld>
+  <p:clrMapOvr>
+    <a:masterClrMapping/>
+  </p:clrMapOvr>
+  <mc:AlternateContent xmlns:mc="http://schemas.openxmlformats.org/markup-compatibility/2006" xmlns:p14="http://schemas.microsoft.com/office/powerpoint/2010/main">
+    <mc:Choice Requires="p14">
+      <p:transition spd="med" p14:dur="700">
+        <p:fade/>
+      </p:transition>
+    </mc:Choice>
+    <mc:Fallback xmlns="">
+      <p:transition spd="med">
+        <p:fade/>
+      </p:transition>
+    </mc:Fallback>
+  </mc:AlternateContent>
+  <p:timing>
+    <p:tnLst>
+      <p:par>
+        <p:cTn id="1" dur="indefinite" restart="never" nodeType="tmRoot">
+          <p:childTnLst>
+            <p:seq concurrent="1" nextAc="seek">
+              <p:cTn id="2" dur="indefinite" nodeType="mainSeq">
+                <p:childTnLst>
+                  <p:par>
+                    <p:cTn id="3" fill="hold">
+                      <p:stCondLst>
+                        <p:cond delay="indefinite"/>
+                        <p:cond evt="onBegin" delay="0">
+                          <p:tn val="2"/>
+                        </p:cond>
+                      </p:stCondLst>
+                      <p:childTnLst>
+                        <p:par>
+                          <p:cTn id="4" fill="hold">
+                            <p:stCondLst>
+                              <p:cond delay="0"/>
+                            </p:stCondLst>
+                            <p:childTnLst>
+                              <p:par>
+                                <p:cTn id="5" presetID="14" presetClass="entr" presetSubtype="10" fill="hold" grpId="0" nodeType="afterEffect">
+                                  <p:stCondLst>
+                                    <p:cond delay="0"/>
+                                  </p:stCondLst>
+                                  <p:childTnLst>
+                                    <p:set>
+                                      <p:cBhvr>
+                                        <p:cTn id="6" dur="1" fill="hold">
+                                          <p:stCondLst>
+                                            <p:cond delay="0"/>
+                                          </p:stCondLst>
+                                        </p:cTn>
+                                        <p:tgtEl>
+                                          <p:spTgt spid="7"/>
+                                        </p:tgtEl>
+                                        <p:attrNameLst>
+                                          <p:attrName>style.visibility</p:attrName>
+                                        </p:attrNameLst>
+                                      </p:cBhvr>
+                                      <p:to>
+                                        <p:strVal val="visible"/>
+                                      </p:to>
+                                    </p:set>
+                                    <p:animEffect transition="in" filter="randombar(horizontal)">
+                                      <p:cBhvr>
+                                        <p:cTn id="7" dur="500"/>
+                                        <p:tgtEl>
+                                          <p:spTgt spid="7"/>
+                                        </p:tgtEl>
+                                      </p:cBhvr>
+                                    </p:animEffect>
+                                  </p:childTnLst>
+                                </p:cTn>
+                              </p:par>
+                            </p:childTnLst>
+                          </p:cTn>
+                        </p:par>
+                        <p:par>
+                          <p:cTn id="8" fill="hold">
+                            <p:stCondLst>
+                              <p:cond delay="500"/>
+                            </p:stCondLst>
+                            <p:childTnLst>
+                              <p:par>
+                                <p:cTn id="9" presetID="2" presetClass="entr" presetSubtype="1" fill="hold" nodeType="afterEffect">
+                                  <p:stCondLst>
+                                    <p:cond delay="0"/>
+                                  </p:stCondLst>
+                                  <p:childTnLst>
+                                    <p:set>
+                                      <p:cBhvr>
+                                        <p:cTn id="10" dur="1" fill="hold">
+                                          <p:stCondLst>
+                                            <p:cond delay="0"/>
+                                          </p:stCondLst>
+                                        </p:cTn>
+                                        <p:tgtEl>
+                                          <p:spTgt spid="14"/>
+                                        </p:tgtEl>
+                                        <p:attrNameLst>
+                                          <p:attrName>style.visibility</p:attrName>
+                                        </p:attrNameLst>
+                                      </p:cBhvr>
+                                      <p:to>
+                                        <p:strVal val="visible"/>
+                                      </p:to>
+                                    </p:set>
+                                    <p:anim calcmode="lin" valueType="num">
+                                      <p:cBhvr additive="base">
+                                        <p:cTn id="11" dur="500" fill="hold"/>
+                                        <p:tgtEl>
+                                          <p:spTgt spid="14"/>
+                                        </p:tgtEl>
+                                        <p:attrNameLst>
+                                          <p:attrName>ppt_x</p:attrName>
+                                        </p:attrNameLst>
+                                      </p:cBhvr>
+                                      <p:tavLst>
+                                        <p:tav tm="0">
+                                          <p:val>
+                                            <p:strVal val="#ppt_x"/>
+                                          </p:val>
+                                        </p:tav>
+                                        <p:tav tm="100000">
+                                          <p:val>
+                                            <p:strVal val="#ppt_x"/>
+                                          </p:val>
+                                        </p:tav>
+                                      </p:tavLst>
+                                    </p:anim>
+                                    <p:anim calcmode="lin" valueType="num">
+                                      <p:cBhvr additive="base">
+                                        <p:cTn id="12" dur="500" fill="hold"/>
+                                        <p:tgtEl>
+                                          <p:spTgt spid="14"/>
+                                        </p:tgtEl>
+                                        <p:attrNameLst>
+                                          <p:attrName>ppt_y</p:attrName>
+                                        </p:attrNameLst>
+                                      </p:cBhvr>
+                                      <p:tavLst>
+                                        <p:tav tm="0">
+                                          <p:val>
+                                            <p:strVal val="0-#ppt_h/2"/>
+                                          </p:val>
+                                        </p:tav>
+                                        <p:tav tm="100000">
+                                          <p:val>
+                                            <p:strVal val="#ppt_y"/>
+                                          </p:val>
+                                        </p:tav>
+                                      </p:tavLst>
+                                    </p:anim>
+                                  </p:childTnLst>
+                                </p:cTn>
+                              </p:par>
+                            </p:childTnLst>
+                          </p:cTn>
+                        </p:par>
+                        <p:par>
+                          <p:cTn id="13" fill="hold">
+                            <p:stCondLst>
+                              <p:cond delay="1000"/>
+                            </p:stCondLst>
+                            <p:childTnLst>
+                              <p:par>
+                                <p:cTn id="14" presetID="26" presetClass="emph" presetSubtype="0" fill="hold" nodeType="afterEffect">
+                                  <p:stCondLst>
+                                    <p:cond delay="0"/>
+                                  </p:stCondLst>
+                                  <p:childTnLst>
+                                    <p:animEffect transition="out" filter="fade">
+                                      <p:cBhvr>
+                                        <p:cTn id="15" dur="500" tmFilter="0, 0; .2, .5; .8, .5; 1, 0"/>
+                                        <p:tgtEl>
+                                          <p:spTgt spid="14"/>
+                                        </p:tgtEl>
+                                      </p:cBhvr>
+                                    </p:animEffect>
+                                    <p:animScale>
+                                      <p:cBhvr>
+                                        <p:cTn id="16" dur="250" autoRev="1" fill="hold"/>
+                                        <p:tgtEl>
+                                          <p:spTgt spid="14"/>
+                                        </p:tgtEl>
+                                      </p:cBhvr>
+                                      <p:by x="105000" y="105000"/>
+                                    </p:animScale>
+                                  </p:childTnLst>
+                                </p:cTn>
+                              </p:par>
+                            </p:childTnLst>
+                          </p:cTn>
+                        </p:par>
+                        <p:par>
+                          <p:cTn id="17" fill="hold">
+                            <p:stCondLst>
+                              <p:cond delay="1500"/>
+                            </p:stCondLst>
+                            <p:childTnLst>
+                              <p:par>
+                                <p:cTn id="18" presetID="2" presetClass="entr" presetSubtype="1" fill="hold" grpId="0" nodeType="afterEffect">
+                                  <p:stCondLst>
+                                    <p:cond delay="0"/>
+                                  </p:stCondLst>
+                                  <p:childTnLst>
+                                    <p:set>
+                                      <p:cBhvr>
+                                        <p:cTn id="19" dur="1" fill="hold">
+                                          <p:stCondLst>
+                                            <p:cond delay="0"/>
+                                          </p:stCondLst>
+                                        </p:cTn>
+                                        <p:tgtEl>
+                                          <p:spTgt spid="15"/>
+                                        </p:tgtEl>
+                                        <p:attrNameLst>
+                                          <p:attrName>style.visibility</p:attrName>
+                                        </p:attrNameLst>
+                                      </p:cBhvr>
+                                      <p:to>
+                                        <p:strVal val="visible"/>
+                                      </p:to>
+                                    </p:set>
+                                    <p:anim calcmode="lin" valueType="num">
+                                      <p:cBhvr additive="base">
+                                        <p:cTn id="20" dur="500" fill="hold"/>
+                                        <p:tgtEl>
+                                          <p:spTgt spid="15"/>
+                                        </p:tgtEl>
+                                        <p:attrNameLst>
+                                          <p:attrName>ppt_x</p:attrName>
+                                        </p:attrNameLst>
+                                      </p:cBhvr>
+                                      <p:tavLst>
+                                        <p:tav tm="0">
+                                          <p:val>
+                                            <p:strVal val="#ppt_x"/>
+                                          </p:val>
+                                        </p:tav>
+                                        <p:tav tm="100000">
+                                          <p:val>
+                                            <p:strVal val="#ppt_x"/>
+                                          </p:val>
+                                        </p:tav>
+                                      </p:tavLst>
+                                    </p:anim>
+                                    <p:anim calcmode="lin" valueType="num">
+                                      <p:cBhvr additive="base">
+                                        <p:cTn id="21" dur="500" fill="hold"/>
+                                        <p:tgtEl>
+                                          <p:spTgt spid="15"/>
+                                        </p:tgtEl>
+                                        <p:attrNameLst>
+                                          <p:attrName>ppt_y</p:attrName>
+                                        </p:attrNameLst>
+                                      </p:cBhvr>
+                                      <p:tavLst>
+                                        <p:tav tm="0">
+                                          <p:val>
+                                            <p:strVal val="0-#ppt_h/2"/>
+                                          </p:val>
+                                        </p:tav>
+                                        <p:tav tm="100000">
+                                          <p:val>
+                                            <p:strVal val="#ppt_y"/>
+                                          </p:val>
+                                        </p:tav>
+                                      </p:tavLst>
+                                    </p:anim>
+                                  </p:childTnLst>
+                                </p:cTn>
+                              </p:par>
+                            </p:childTnLst>
+                          </p:cTn>
+                        </p:par>
+                        <p:par>
+                          <p:cTn id="22" fill="hold">
+                            <p:stCondLst>
+                              <p:cond delay="2000"/>
+                            </p:stCondLst>
+                            <p:childTnLst>
+                              <p:par>
+                                <p:cTn id="23" presetID="26" presetClass="emph" presetSubtype="0" fill="hold" grpId="1" nodeType="afterEffect">
+                                  <p:stCondLst>
+                                    <p:cond delay="0"/>
+                                  </p:stCondLst>
+                                  <p:childTnLst>
+                                    <p:animEffect transition="out" filter="fade">
+                                      <p:cBhvr>
+                                        <p:cTn id="24" dur="500" tmFilter="0, 0; .2, .5; .8, .5; 1, 0"/>
+                                        <p:tgtEl>
+                                          <p:spTgt spid="15"/>
+                                        </p:tgtEl>
+                                      </p:cBhvr>
+                                    </p:animEffect>
+                                    <p:animScale>
+                                      <p:cBhvr>
+                                        <p:cTn id="25" dur="250" autoRev="1" fill="hold"/>
+                                        <p:tgtEl>
+                                          <p:spTgt spid="15"/>
+                                        </p:tgtEl>
+                                      </p:cBhvr>
+                                      <p:by x="105000" y="105000"/>
+                                    </p:animScale>
+                                  </p:childTnLst>
+                                </p:cTn>
+                              </p:par>
+                            </p:childTnLst>
+                          </p:cTn>
+                        </p:par>
+                        <p:par>
+                          <p:cTn id="26" fill="hold">
+                            <p:stCondLst>
+                              <p:cond delay="2500"/>
+                            </p:stCondLst>
+                            <p:childTnLst>
+                              <p:par>
+                                <p:cTn id="27" presetID="2" presetClass="entr" presetSubtype="1" fill="hold" grpId="0" nodeType="afterEffect">
+                                  <p:stCondLst>
+                                    <p:cond delay="0"/>
+                                  </p:stCondLst>
+                                  <p:childTnLst>
+                                    <p:set>
+                                      <p:cBhvr>
+                                        <p:cTn id="28" dur="1" fill="hold">
+                                          <p:stCondLst>
+                                            <p:cond delay="0"/>
+                                          </p:stCondLst>
+                                        </p:cTn>
+                                        <p:tgtEl>
+                                          <p:spTgt spid="16"/>
+                                        </p:tgtEl>
+                                        <p:attrNameLst>
+                                          <p:attrName>style.visibility</p:attrName>
+                                        </p:attrNameLst>
+                                      </p:cBhvr>
+                                      <p:to>
+                                        <p:strVal val="visible"/>
+                                      </p:to>
+                                    </p:set>
+                                    <p:anim calcmode="lin" valueType="num">
+                                      <p:cBhvr additive="base">
+                                        <p:cTn id="29" dur="500" fill="hold"/>
+                                        <p:tgtEl>
+                                          <p:spTgt spid="16"/>
+                                        </p:tgtEl>
+                                        <p:attrNameLst>
+                                          <p:attrName>ppt_x</p:attrName>
+                                        </p:attrNameLst>
+                                      </p:cBhvr>
+                                      <p:tavLst>
+                                        <p:tav tm="0">
+                                          <p:val>
+                                            <p:strVal val="#ppt_x"/>
+                                          </p:val>
+                                        </p:tav>
+                                        <p:tav tm="100000">
+                                          <p:val>
+                                            <p:strVal val="#ppt_x"/>
+                                          </p:val>
+                                        </p:tav>
+                                      </p:tavLst>
+                                    </p:anim>
+                                    <p:anim calcmode="lin" valueType="num">
+                                      <p:cBhvr additive="base">
+                                        <p:cTn id="30" dur="500" fill="hold"/>
+                                        <p:tgtEl>
+                                          <p:spTgt spid="16"/>
+                                        </p:tgtEl>
+                                        <p:attrNameLst>
+                                          <p:attrName>ppt_y</p:attrName>
+                                        </p:attrNameLst>
+                                      </p:cBhvr>
+                                      <p:tavLst>
+                                        <p:tav tm="0">
+                                          <p:val>
+                                            <p:strVal val="0-#ppt_h/2"/>
+                                          </p:val>
+                                        </p:tav>
+                                        <p:tav tm="100000">
+                                          <p:val>
+                                            <p:strVal val="#ppt_y"/>
+                                          </p:val>
+                                        </p:tav>
+                                      </p:tavLst>
+                                    </p:anim>
+                                  </p:childTnLst>
+                                </p:cTn>
+                              </p:par>
+                            </p:childTnLst>
+                          </p:cTn>
+                        </p:par>
+                        <p:par>
+                          <p:cTn id="31" fill="hold">
+                            <p:stCondLst>
+                              <p:cond delay="3000"/>
+                            </p:stCondLst>
+                            <p:childTnLst>
+                              <p:par>
+                                <p:cTn id="32" presetID="26" presetClass="emph" presetSubtype="0" fill="hold" grpId="1" nodeType="afterEffect">
+                                  <p:stCondLst>
+                                    <p:cond delay="0"/>
+                                  </p:stCondLst>
+                                  <p:childTnLst>
+                                    <p:animEffect transition="out" filter="fade">
+                                      <p:cBhvr>
+                                        <p:cTn id="33" dur="500" tmFilter="0, 0; .2, .5; .8, .5; 1, 0"/>
+                                        <p:tgtEl>
+                                          <p:spTgt spid="16"/>
+                                        </p:tgtEl>
+                                      </p:cBhvr>
+                                    </p:animEffect>
+                                    <p:animScale>
+                                      <p:cBhvr>
+                                        <p:cTn id="34" dur="250" autoRev="1" fill="hold"/>
+                                        <p:tgtEl>
+                                          <p:spTgt spid="16"/>
+                                        </p:tgtEl>
+                                      </p:cBhvr>
+                                      <p:by x="105000" y="105000"/>
+                                    </p:animScale>
+                                  </p:childTnLst>
+                                </p:cTn>
+                              </p:par>
+                            </p:childTnLst>
+                          </p:cTn>
+                        </p:par>
+                        <p:par>
+                          <p:cTn id="35" fill="hold">
+                            <p:stCondLst>
+                              <p:cond delay="3500"/>
+                            </p:stCondLst>
+                            <p:childTnLst>
+                              <p:par>
+                                <p:cTn id="36" presetID="2" presetClass="entr" presetSubtype="1" fill="hold" grpId="0" nodeType="afterEffect">
+                                  <p:stCondLst>
+                                    <p:cond delay="0"/>
+                                  </p:stCondLst>
+                                  <p:childTnLst>
+                                    <p:set>
+                                      <p:cBhvr>
+                                        <p:cTn id="37" dur="1" fill="hold">
+                                          <p:stCondLst>
+                                            <p:cond delay="0"/>
+                                          </p:stCondLst>
+                                        </p:cTn>
+                                        <p:tgtEl>
+                                          <p:spTgt spid="17"/>
+                                        </p:tgtEl>
+                                        <p:attrNameLst>
+                                          <p:attrName>style.visibility</p:attrName>
+                                        </p:attrNameLst>
+                                      </p:cBhvr>
+                                      <p:to>
+                                        <p:strVal val="visible"/>
+                                      </p:to>
+                                    </p:set>
+                                    <p:anim calcmode="lin" valueType="num">
+                                      <p:cBhvr additive="base">
+                                        <p:cTn id="38" dur="500" fill="hold"/>
+                                        <p:tgtEl>
+                                          <p:spTgt spid="17"/>
+                                        </p:tgtEl>
+                                        <p:attrNameLst>
+                                          <p:attrName>ppt_x</p:attrName>
+                                        </p:attrNameLst>
+                                      </p:cBhvr>
+                                      <p:tavLst>
+                                        <p:tav tm="0">
+                                          <p:val>
+                                            <p:strVal val="#ppt_x"/>
+                                          </p:val>
+                                        </p:tav>
+                                        <p:tav tm="100000">
+                                          <p:val>
+                                            <p:strVal val="#ppt_x"/>
+                                          </p:val>
+                                        </p:tav>
+                                      </p:tavLst>
+                                    </p:anim>
+                                    <p:anim calcmode="lin" valueType="num">
+                                      <p:cBhvr additive="base">
+                                        <p:cTn id="39" dur="500" fill="hold"/>
+                                        <p:tgtEl>
+                                          <p:spTgt spid="17"/>
+                                        </p:tgtEl>
+                                        <p:attrNameLst>
+                                          <p:attrName>ppt_y</p:attrName>
+                                        </p:attrNameLst>
+                                      </p:cBhvr>
+                                      <p:tavLst>
+                                        <p:tav tm="0">
+                                          <p:val>
+                                            <p:strVal val="0-#ppt_h/2"/>
+                                          </p:val>
+                                        </p:tav>
+                                        <p:tav tm="100000">
+                                          <p:val>
+                                            <p:strVal val="#ppt_y"/>
+                                          </p:val>
+                                        </p:tav>
+                                      </p:tavLst>
+                                    </p:anim>
+                                  </p:childTnLst>
+                                </p:cTn>
+                              </p:par>
+                            </p:childTnLst>
+                          </p:cTn>
+                        </p:par>
+                        <p:par>
+                          <p:cTn id="40" fill="hold">
+                            <p:stCondLst>
+                              <p:cond delay="4000"/>
+                            </p:stCondLst>
+                            <p:childTnLst>
+                              <p:par>
+                                <p:cTn id="41" presetID="26" presetClass="emph" presetSubtype="0" fill="hold" grpId="1" nodeType="afterEffect">
+                                  <p:stCondLst>
+                                    <p:cond delay="0"/>
+                                  </p:stCondLst>
+                                  <p:childTnLst>
+                                    <p:animEffect transition="out" filter="fade">
+                                      <p:cBhvr>
+                                        <p:cTn id="42" dur="500" tmFilter="0, 0; .2, .5; .8, .5; 1, 0"/>
+                                        <p:tgtEl>
+                                          <p:spTgt spid="17"/>
+                                        </p:tgtEl>
+                                      </p:cBhvr>
+                                    </p:animEffect>
+                                    <p:animScale>
+                                      <p:cBhvr>
+                                        <p:cTn id="43" dur="250" autoRev="1" fill="hold"/>
+                                        <p:tgtEl>
+                                          <p:spTgt spid="17"/>
+                                        </p:tgtEl>
+                                      </p:cBhvr>
+                                      <p:by x="105000" y="105000"/>
+                                    </p:animScale>
+                                  </p:childTnLst>
+                                </p:cTn>
+                              </p:par>
+                            </p:childTnLst>
+                          </p:cTn>
+                        </p:par>
+                        <p:par>
+                          <p:cTn id="44" fill="hold">
+                            <p:stCondLst>
+                              <p:cond delay="4500"/>
+                            </p:stCondLst>
+                            <p:childTnLst>
+                              <p:par>
+                                <p:cTn id="45" presetID="14" presetClass="entr" presetSubtype="10" fill="hold" grpId="0" nodeType="afterEffect">
+                                  <p:stCondLst>
+                                    <p:cond delay="0"/>
+                                  </p:stCondLst>
+                                  <p:childTnLst>
+                                    <p:set>
+                                      <p:cBhvr>
+                                        <p:cTn id="46" dur="1" fill="hold">
+                                          <p:stCondLst>
+                                            <p:cond delay="0"/>
+                                          </p:stCondLst>
+                                        </p:cTn>
+                                        <p:tgtEl>
+                                          <p:spTgt spid="8"/>
+                                        </p:tgtEl>
+                                        <p:attrNameLst>
+                                          <p:attrName>style.visibility</p:attrName>
+                                        </p:attrNameLst>
+                                      </p:cBhvr>
+                                      <p:to>
+                                        <p:strVal val="visible"/>
+                                      </p:to>
+                                    </p:set>
+                                    <p:animEffect transition="in" filter="randombar(horizontal)">
+                                      <p:cBhvr>
+                                        <p:cTn id="47" dur="500"/>
+                                        <p:tgtEl>
+                                          <p:spTgt spid="8"/>
+                                        </p:tgtEl>
+                                      </p:cBhvr>
+                                    </p:animEffect>
+                                  </p:childTnLst>
+                                </p:cTn>
+                              </p:par>
+                            </p:childTnLst>
+                          </p:cTn>
+                        </p:par>
+                        <p:par>
+                          <p:cTn id="48" fill="hold">
+                            <p:stCondLst>
+                              <p:cond delay="5000"/>
+                            </p:stCondLst>
+                            <p:childTnLst>
+                              <p:par>
+                                <p:cTn id="49" presetID="2" presetClass="entr" presetSubtype="4" fill="hold" nodeType="afterEffect">
+                                  <p:stCondLst>
+                                    <p:cond delay="0"/>
+                                  </p:stCondLst>
+                                  <p:childTnLst>
+                                    <p:set>
+                                      <p:cBhvr>
+                                        <p:cTn id="50" dur="1" fill="hold">
+                                          <p:stCondLst>
+                                            <p:cond delay="0"/>
+                                          </p:stCondLst>
+                                        </p:cTn>
+                                        <p:tgtEl>
+                                          <p:spTgt spid="19"/>
+                                        </p:tgtEl>
+                                        <p:attrNameLst>
+                                          <p:attrName>style.visibility</p:attrName>
+                                        </p:attrNameLst>
+                                      </p:cBhvr>
+                                      <p:to>
+                                        <p:strVal val="visible"/>
+                                      </p:to>
+                                    </p:set>
+                                    <p:anim calcmode="lin" valueType="num">
+                                      <p:cBhvr additive="base">
+                                        <p:cTn id="51" dur="500" fill="hold"/>
+                                        <p:tgtEl>
+                                          <p:spTgt spid="19"/>
+                                        </p:tgtEl>
+                                        <p:attrNameLst>
+                                          <p:attrName>ppt_x</p:attrName>
+                                        </p:attrNameLst>
+                                      </p:cBhvr>
+                                      <p:tavLst>
+                                        <p:tav tm="0">
+                                          <p:val>
+                                            <p:strVal val="#ppt_x"/>
+                                          </p:val>
+                                        </p:tav>
+                                        <p:tav tm="100000">
+                                          <p:val>
+                                            <p:strVal val="#ppt_x"/>
+                                          </p:val>
+                                        </p:tav>
+                                      </p:tavLst>
+                                    </p:anim>
+                                    <p:anim calcmode="lin" valueType="num">
+                                      <p:cBhvr additive="base">
+                                        <p:cTn id="52" dur="500" fill="hold"/>
+                                        <p:tgtEl>
+                                          <p:spTgt spid="19"/>
+                                        </p:tgtEl>
+                                        <p:attrNameLst>
+                                          <p:attrName>ppt_y</p:attrName>
+                                        </p:attrNameLst>
+                                      </p:cBhvr>
+                                      <p:tavLst>
+                                        <p:tav tm="0">
+                                          <p:val>
+                                            <p:strVal val="1+#ppt_h/2"/>
+                                          </p:val>
+                                        </p:tav>
+                                        <p:tav tm="100000">
+                                          <p:val>
+                                            <p:strVal val="#ppt_y"/>
+                                          </p:val>
+                                        </p:tav>
+                                      </p:tavLst>
+                                    </p:anim>
+                                  </p:childTnLst>
+                                </p:cTn>
+                              </p:par>
+                            </p:childTnLst>
+                          </p:cTn>
+                        </p:par>
+                        <p:par>
+                          <p:cTn id="53" fill="hold">
+                            <p:stCondLst>
+                              <p:cond delay="5500"/>
+                            </p:stCondLst>
+                            <p:childTnLst>
+                              <p:par>
+                                <p:cTn id="54" presetID="26" presetClass="emph" presetSubtype="0" fill="hold" nodeType="afterEffect">
+                                  <p:stCondLst>
+                                    <p:cond delay="0"/>
+                                  </p:stCondLst>
+                                  <p:childTnLst>
+                                    <p:animEffect transition="out" filter="fade">
+                                      <p:cBhvr>
+                                        <p:cTn id="55" dur="500" tmFilter="0, 0; .2, .5; .8, .5; 1, 0"/>
+                                        <p:tgtEl>
+                                          <p:spTgt spid="19"/>
+                                        </p:tgtEl>
+                                      </p:cBhvr>
+                                    </p:animEffect>
+                                    <p:animScale>
+                                      <p:cBhvr>
+                                        <p:cTn id="56" dur="250" autoRev="1" fill="hold"/>
+                                        <p:tgtEl>
+                                          <p:spTgt spid="19"/>
+                                        </p:tgtEl>
+                                      </p:cBhvr>
+                                      <p:by x="105000" y="105000"/>
+                                    </p:animScale>
+                                  </p:childTnLst>
+                                </p:cTn>
+                              </p:par>
+                            </p:childTnLst>
+                          </p:cTn>
+                        </p:par>
+                        <p:par>
+                          <p:cTn id="57" fill="hold">
+                            <p:stCondLst>
+                              <p:cond delay="6000"/>
+                            </p:stCondLst>
+                            <p:childTnLst>
+                              <p:par>
+                                <p:cTn id="58" presetID="2" presetClass="entr" presetSubtype="4" fill="hold" grpId="0" nodeType="afterEffect">
+                                  <p:stCondLst>
+                                    <p:cond delay="0"/>
+                                  </p:stCondLst>
+                                  <p:childTnLst>
+                                    <p:set>
+                                      <p:cBhvr>
+                                        <p:cTn id="59" dur="1" fill="hold">
+                                          <p:stCondLst>
+                                            <p:cond delay="0"/>
+                                          </p:stCondLst>
+                                        </p:cTn>
+                                        <p:tgtEl>
+                                          <p:spTgt spid="20"/>
+                                        </p:tgtEl>
+                                        <p:attrNameLst>
+                                          <p:attrName>style.visibility</p:attrName>
+                                        </p:attrNameLst>
+                                      </p:cBhvr>
+                                      <p:to>
+                                        <p:strVal val="visible"/>
+                                      </p:to>
+                                    </p:set>
+                                    <p:anim calcmode="lin" valueType="num">
+                                      <p:cBhvr additive="base">
+                                        <p:cTn id="60" dur="500" fill="hold"/>
+                                        <p:tgtEl>
+                                          <p:spTgt spid="20"/>
+                                        </p:tgtEl>
+                                        <p:attrNameLst>
+                                          <p:attrName>ppt_x</p:attrName>
+                                        </p:attrNameLst>
+                                      </p:cBhvr>
+                                      <p:tavLst>
+                                        <p:tav tm="0">
+                                          <p:val>
+                                            <p:strVal val="#ppt_x"/>
+                                          </p:val>
+                                        </p:tav>
+                                        <p:tav tm="100000">
+                                          <p:val>
+                                            <p:strVal val="#ppt_x"/>
+                                          </p:val>
+                                        </p:tav>
+                                      </p:tavLst>
+                                    </p:anim>
+                                    <p:anim calcmode="lin" valueType="num">
+                                      <p:cBhvr additive="base">
+                                        <p:cTn id="61" dur="500" fill="hold"/>
+                                        <p:tgtEl>
+                                          <p:spTgt spid="20"/>
+                                        </p:tgtEl>
+                                        <p:attrNameLst>
+                                          <p:attrName>ppt_y</p:attrName>
+                                        </p:attrNameLst>
+                                      </p:cBhvr>
+                                      <p:tavLst>
+                                        <p:tav tm="0">
+                                          <p:val>
+                                            <p:strVal val="1+#ppt_h/2"/>
+                                          </p:val>
+                                        </p:tav>
+                                        <p:tav tm="100000">
+                                          <p:val>
+                                            <p:strVal val="#ppt_y"/>
+                                          </p:val>
+                                        </p:tav>
+                                      </p:tavLst>
+                                    </p:anim>
+                                  </p:childTnLst>
+                                </p:cTn>
+                              </p:par>
+                            </p:childTnLst>
+                          </p:cTn>
+                        </p:par>
+                        <p:par>
+                          <p:cTn id="62" fill="hold">
+                            <p:stCondLst>
+                              <p:cond delay="6500"/>
+                            </p:stCondLst>
+                            <p:childTnLst>
+                              <p:par>
+                                <p:cTn id="63" presetID="26" presetClass="emph" presetSubtype="0" fill="hold" grpId="1" nodeType="afterEffect">
+                                  <p:stCondLst>
+                                    <p:cond delay="0"/>
+                                  </p:stCondLst>
+                                  <p:childTnLst>
+                                    <p:animEffect transition="out" filter="fade">
+                                      <p:cBhvr>
+                                        <p:cTn id="64" dur="500" tmFilter="0, 0; .2, .5; .8, .5; 1, 0"/>
+                                        <p:tgtEl>
+                                          <p:spTgt spid="20"/>
+                                        </p:tgtEl>
+                                      </p:cBhvr>
+                                    </p:animEffect>
+                                    <p:animScale>
+                                      <p:cBhvr>
+                                        <p:cTn id="65" dur="250" autoRev="1" fill="hold"/>
+                                        <p:tgtEl>
+                                          <p:spTgt spid="20"/>
+                                        </p:tgtEl>
+                                      </p:cBhvr>
+                                      <p:by x="105000" y="105000"/>
+                                    </p:animScale>
+                                  </p:childTnLst>
+                                </p:cTn>
+                              </p:par>
+                            </p:childTnLst>
+                          </p:cTn>
+                        </p:par>
+                        <p:par>
+                          <p:cTn id="66" fill="hold">
+                            <p:stCondLst>
+                              <p:cond delay="7000"/>
+                            </p:stCondLst>
+                            <p:childTnLst>
+                              <p:par>
+                                <p:cTn id="67" presetID="2" presetClass="entr" presetSubtype="4" fill="hold" grpId="0" nodeType="afterEffect">
+                                  <p:stCondLst>
+                                    <p:cond delay="0"/>
+                                  </p:stCondLst>
+                                  <p:childTnLst>
+                                    <p:set>
+                                      <p:cBhvr>
+                                        <p:cTn id="68" dur="1" fill="hold">
+                                          <p:stCondLst>
+                                            <p:cond delay="0"/>
+                                          </p:stCondLst>
+                                        </p:cTn>
+                                        <p:tgtEl>
+                                          <p:spTgt spid="21"/>
+                                        </p:tgtEl>
+                                        <p:attrNameLst>
+                                          <p:attrName>style.visibility</p:attrName>
+                                        </p:attrNameLst>
+                                      </p:cBhvr>
+                                      <p:to>
+                                        <p:strVal val="visible"/>
+                                      </p:to>
+                                    </p:set>
+                                    <p:anim calcmode="lin" valueType="num">
+                                      <p:cBhvr additive="base">
+                                        <p:cTn id="69" dur="500" fill="hold"/>
+                                        <p:tgtEl>
+                                          <p:spTgt spid="21"/>
+                                        </p:tgtEl>
+                                        <p:attrNameLst>
+                                          <p:attrName>ppt_x</p:attrName>
+                                        </p:attrNameLst>
+                                      </p:cBhvr>
+                                      <p:tavLst>
+                                        <p:tav tm="0">
+                                          <p:val>
+                                            <p:strVal val="#ppt_x"/>
+                                          </p:val>
+                                        </p:tav>
+                                        <p:tav tm="100000">
+                                          <p:val>
+                                            <p:strVal val="#ppt_x"/>
+                                          </p:val>
+                                        </p:tav>
+                                      </p:tavLst>
+                                    </p:anim>
+                                    <p:anim calcmode="lin" valueType="num">
+                                      <p:cBhvr additive="base">
+                                        <p:cTn id="70" dur="500" fill="hold"/>
+                                        <p:tgtEl>
+                                          <p:spTgt spid="21"/>
+                                        </p:tgtEl>
+                                        <p:attrNameLst>
+                                          <p:attrName>ppt_y</p:attrName>
+                                        </p:attrNameLst>
+                                      </p:cBhvr>
+                                      <p:tavLst>
+                                        <p:tav tm="0">
+                                          <p:val>
+                                            <p:strVal val="1+#ppt_h/2"/>
+                                          </p:val>
+                                        </p:tav>
+                                        <p:tav tm="100000">
+                                          <p:val>
+                                            <p:strVal val="#ppt_y"/>
+                                          </p:val>
+                                        </p:tav>
+                                      </p:tavLst>
+                                    </p:anim>
+                                  </p:childTnLst>
+                                </p:cTn>
+                              </p:par>
+                            </p:childTnLst>
+                          </p:cTn>
+                        </p:par>
+                        <p:par>
+                          <p:cTn id="71" fill="hold">
+                            <p:stCondLst>
+                              <p:cond delay="7500"/>
+                            </p:stCondLst>
+                            <p:childTnLst>
+                              <p:par>
+                                <p:cTn id="72" presetID="26" presetClass="emph" presetSubtype="0" fill="hold" grpId="1" nodeType="afterEffect">
+                                  <p:stCondLst>
+                                    <p:cond delay="0"/>
+                                  </p:stCondLst>
+                                  <p:childTnLst>
+                                    <p:animEffect transition="out" filter="fade">
+                                      <p:cBhvr>
+                                        <p:cTn id="73" dur="500" tmFilter="0, 0; .2, .5; .8, .5; 1, 0"/>
+                                        <p:tgtEl>
+                                          <p:spTgt spid="21"/>
+                                        </p:tgtEl>
+                                      </p:cBhvr>
+                                    </p:animEffect>
+                                    <p:animScale>
+                                      <p:cBhvr>
+                                        <p:cTn id="74" dur="250" autoRev="1" fill="hold"/>
+                                        <p:tgtEl>
+                                          <p:spTgt spid="21"/>
+                                        </p:tgtEl>
+                                      </p:cBhvr>
+                                      <p:by x="105000" y="105000"/>
+                                    </p:animScale>
+                                  </p:childTnLst>
+                                </p:cTn>
+                              </p:par>
+                            </p:childTnLst>
+                          </p:cTn>
+                        </p:par>
+                        <p:par>
+                          <p:cTn id="75" fill="hold">
+                            <p:stCondLst>
+                              <p:cond delay="8000"/>
+                            </p:stCondLst>
+                            <p:childTnLst>
+                              <p:par>
+                                <p:cTn id="76" presetID="2" presetClass="entr" presetSubtype="4" fill="hold" grpId="0" nodeType="afterEffect">
+                                  <p:stCondLst>
+                                    <p:cond delay="0"/>
+                                  </p:stCondLst>
+                                  <p:childTnLst>
+                                    <p:set>
+                                      <p:cBhvr>
+                                        <p:cTn id="77" dur="1" fill="hold">
+                                          <p:stCondLst>
+                                            <p:cond delay="0"/>
+                                          </p:stCondLst>
+                                        </p:cTn>
+                                        <p:tgtEl>
+                                          <p:spTgt spid="22"/>
+                                        </p:tgtEl>
+                                        <p:attrNameLst>
+                                          <p:attrName>style.visibility</p:attrName>
+                                        </p:attrNameLst>
+                                      </p:cBhvr>
+                                      <p:to>
+                                        <p:strVal val="visible"/>
+                                      </p:to>
+                                    </p:set>
+                                    <p:anim calcmode="lin" valueType="num">
+                                      <p:cBhvr additive="base">
+                                        <p:cTn id="78" dur="500" fill="hold"/>
+                                        <p:tgtEl>
+                                          <p:spTgt spid="22"/>
+                                        </p:tgtEl>
+                                        <p:attrNameLst>
+                                          <p:attrName>ppt_x</p:attrName>
+                                        </p:attrNameLst>
+                                      </p:cBhvr>
+                                      <p:tavLst>
+                                        <p:tav tm="0">
+                                          <p:val>
+                                            <p:strVal val="#ppt_x"/>
+                                          </p:val>
+                                        </p:tav>
+                                        <p:tav tm="100000">
+                                          <p:val>
+                                            <p:strVal val="#ppt_x"/>
+                                          </p:val>
+                                        </p:tav>
+                                      </p:tavLst>
+                                    </p:anim>
+                                    <p:anim calcmode="lin" valueType="num">
+                                      <p:cBhvr additive="base">
+                                        <p:cTn id="79" dur="500" fill="hold"/>
+                                        <p:tgtEl>
+                                          <p:spTgt spid="22"/>
+                                        </p:tgtEl>
+                                        <p:attrNameLst>
+                                          <p:attrName>ppt_y</p:attrName>
+                                        </p:attrNameLst>
+                                      </p:cBhvr>
+                                      <p:tavLst>
+                                        <p:tav tm="0">
+                                          <p:val>
+                                            <p:strVal val="1+#ppt_h/2"/>
+                                          </p:val>
+                                        </p:tav>
+                                        <p:tav tm="100000">
+                                          <p:val>
+                                            <p:strVal val="#ppt_y"/>
+                                          </p:val>
+                                        </p:tav>
+                                      </p:tavLst>
+                                    </p:anim>
+                                  </p:childTnLst>
+                                </p:cTn>
+                              </p:par>
+                            </p:childTnLst>
+                          </p:cTn>
+                        </p:par>
+                        <p:par>
+                          <p:cTn id="80" fill="hold">
+                            <p:stCondLst>
+                              <p:cond delay="8500"/>
+                            </p:stCondLst>
+                            <p:childTnLst>
+                              <p:par>
+                                <p:cTn id="81" presetID="26" presetClass="emph" presetSubtype="0" fill="hold" grpId="1" nodeType="afterEffect">
+                                  <p:stCondLst>
+                                    <p:cond delay="0"/>
+                                  </p:stCondLst>
+                                  <p:childTnLst>
+                                    <p:animEffect transition="out" filter="fade">
+                                      <p:cBhvr>
+                                        <p:cTn id="82" dur="500" tmFilter="0, 0; .2, .5; .8, .5; 1, 0"/>
+                                        <p:tgtEl>
+                                          <p:spTgt spid="22"/>
+                                        </p:tgtEl>
+                                      </p:cBhvr>
+                                    </p:animEffect>
+                                    <p:animScale>
+                                      <p:cBhvr>
+                                        <p:cTn id="83" dur="250" autoRev="1" fill="hold"/>
+                                        <p:tgtEl>
+                                          <p:spTgt spid="22"/>
+                                        </p:tgtEl>
+                                      </p:cBhvr>
+                                      <p:by x="105000" y="105000"/>
+                                    </p:animScale>
+                                  </p:childTnLst>
+                                </p:cTn>
+                              </p:par>
+                            </p:childTnLst>
+                          </p:cTn>
+                        </p:par>
+                        <p:par>
+                          <p:cTn id="84" fill="hold">
+                            <p:stCondLst>
+                              <p:cond delay="9000"/>
+                            </p:stCondLst>
+                            <p:childTnLst>
+                              <p:par>
+                                <p:cTn id="85" presetID="47" presetClass="entr" presetSubtype="0" fill="hold" nodeType="afterEffect">
+                                  <p:stCondLst>
+                                    <p:cond delay="0"/>
+                                  </p:stCondLst>
+                                  <p:childTnLst>
+                                    <p:set>
+                                      <p:cBhvr>
+                                        <p:cTn id="86" dur="1" fill="hold">
+                                          <p:stCondLst>
+                                            <p:cond delay="0"/>
+                                          </p:stCondLst>
+                                        </p:cTn>
+                                        <p:tgtEl>
+                                          <p:spTgt spid="12"/>
+                                        </p:tgtEl>
+                                        <p:attrNameLst>
+                                          <p:attrName>style.visibility</p:attrName>
+                                        </p:attrNameLst>
+                                      </p:cBhvr>
+                                      <p:to>
+                                        <p:strVal val="visible"/>
+                                      </p:to>
+                                    </p:set>
+                                    <p:animEffect transition="in" filter="fade">
+                                      <p:cBhvr>
+                                        <p:cTn id="87" dur="1000"/>
+                                        <p:tgtEl>
+                                          <p:spTgt spid="12"/>
+                                        </p:tgtEl>
+                                      </p:cBhvr>
+                                    </p:animEffect>
+                                    <p:anim calcmode="lin" valueType="num">
+                                      <p:cBhvr>
+                                        <p:cTn id="88" dur="1000" fill="hold"/>
+                                        <p:tgtEl>
+                                          <p:spTgt spid="12"/>
+                                        </p:tgtEl>
+                                        <p:attrNameLst>
+                                          <p:attrName>ppt_x</p:attrName>
+                                        </p:attrNameLst>
+                                      </p:cBhvr>
+                                      <p:tavLst>
+                                        <p:tav tm="0">
+                                          <p:val>
+                                            <p:strVal val="#ppt_x"/>
+                                          </p:val>
+                                        </p:tav>
+                                        <p:tav tm="100000">
+                                          <p:val>
+                                            <p:strVal val="#ppt_x"/>
+                                          </p:val>
+                                        </p:tav>
+                                      </p:tavLst>
+                                    </p:anim>
+                                    <p:anim calcmode="lin" valueType="num">
+                                      <p:cBhvr>
+                                        <p:cTn id="89" dur="1000" fill="hold"/>
+                                        <p:tgtEl>
+                                          <p:spTgt spid="12"/>
+                                        </p:tgtEl>
+                                        <p:attrNameLst>
+                                          <p:attrName>ppt_y</p:attrName>
+                                        </p:attrNameLst>
+                                      </p:cBhvr>
+                                      <p:tavLst>
+                                        <p:tav tm="0">
+                                          <p:val>
+                                            <p:strVal val="#ppt_y-.1"/>
+                                          </p:val>
+                                        </p:tav>
+                                        <p:tav tm="100000">
+                                          <p:val>
+                                            <p:strVal val="#ppt_y"/>
+                                          </p:val>
+                                        </p:tav>
+                                      </p:tavLst>
+                                    </p:anim>
+                                  </p:childTnLst>
+                                </p:cTn>
+                              </p:par>
+                            </p:childTnLst>
+                          </p:cTn>
+                        </p:par>
+                        <p:par>
+                          <p:cTn id="90" fill="hold">
+                            <p:stCondLst>
+                              <p:cond delay="10000"/>
+                            </p:stCondLst>
+                            <p:childTnLst>
+                              <p:par>
+                                <p:cTn id="91" presetID="26" presetClass="emph" presetSubtype="0" fill="hold" nodeType="afterEffect">
+                                  <p:stCondLst>
+                                    <p:cond delay="0"/>
+                                  </p:stCondLst>
+                                  <p:childTnLst>
+                                    <p:animEffect transition="out" filter="fade">
+                                      <p:cBhvr>
+                                        <p:cTn id="92" dur="500" tmFilter="0, 0; .2, .5; .8, .5; 1, 0"/>
+                                        <p:tgtEl>
+                                          <p:spTgt spid="12"/>
+                                        </p:tgtEl>
+                                      </p:cBhvr>
+                                    </p:animEffect>
+                                    <p:animScale>
+                                      <p:cBhvr>
+                                        <p:cTn id="93" dur="250" autoRev="1" fill="hold"/>
+                                        <p:tgtEl>
+                                          <p:spTgt spid="12"/>
+                                        </p:tgtEl>
+                                      </p:cBhvr>
+                                      <p:by x="105000" y="105000"/>
+                                    </p:animScale>
+                                  </p:childTnLst>
+                                </p:cTn>
+                              </p:par>
+                            </p:childTnLst>
+                          </p:cTn>
+                        </p:par>
+                      </p:childTnLst>
+                    </p:cTn>
+                  </p:par>
+                </p:childTnLst>
+              </p:cTn>
+              <p:prevCondLst>
+                <p:cond evt="onPrev" delay="0">
+                  <p:tgtEl>
+                    <p:sldTgt/>
+                  </p:tgtEl>
+                </p:cond>
+              </p:prevCondLst>
+              <p:nextCondLst>
+                <p:cond evt="onNext" delay="0">
+                  <p:tgtEl>
+                    <p:sldTgt/>
+                  </p:tgtEl>
+                </p:cond>
+              </p:nextCondLst>
+            </p:seq>
+          </p:childTnLst>
+        </p:cTn>
+      </p:par>
+    </p:tnLst>
+    <p:bldLst>
+      <p:bldP spid="15" grpId="0" animBg="1"/>
+      <p:bldP spid="15" grpId="1" animBg="1"/>
+      <p:bldP spid="16" grpId="0" animBg="1"/>
+      <p:bldP spid="16" grpId="1" animBg="1"/>
+      <p:bldP spid="17" grpId="0" animBg="1"/>
+      <p:bldP spid="17" grpId="1" animBg="1"/>
+      <p:bldP spid="20" grpId="0" animBg="1"/>
+      <p:bldP spid="20" grpId="1" animBg="1"/>
+      <p:bldP spid="21" grpId="0" animBg="1"/>
+      <p:bldP spid="21" grpId="1" animBg="1"/>
+      <p:bldP spid="22" grpId="0" animBg="1"/>
+      <p:bldP spid="22" grpId="1" animBg="1"/>
+      <p:bldP spid="7" grpId="0" animBg="1"/>
+      <p:bldP spid="8" grpId="0" animBg="1"/>
+    </p:bldLst>
+  </p:timing>
+</p:sld>
+</file>
+
+<file path=ppt/slides/slide9.xml><?xml version="1.0" encoding="utf-8"?>
+<p:sld xmlns:a="http://schemas.openxmlformats.org/drawingml/2006/main" xmlns:r="http://schemas.openxmlformats.org/officeDocument/2006/relationships" xmlns:p="http://schemas.openxmlformats.org/presentationml/2006/main">
+  <p:cSld>
+    <p:spTree>
+      <p:nvGrpSpPr>
+        <p:cNvPr id="1" name=""/>
+        <p:cNvGrpSpPr/>
+        <p:nvPr/>
+      </p:nvGrpSpPr>
+      <p:grpSpPr>
+        <a:xfrm>
+          <a:off x="0" y="0"/>
+          <a:ext cx="0" cy="0"/>
+          <a:chOff x="0" y="0"/>
+          <a:chExt cx="0" cy="0"/>
+        </a:xfrm>
+      </p:grpSpPr>
+      <p:sp>
+        <p:nvSpPr>
+          <p:cNvPr id="4" name="Title 3">
+            <a:extLst>
+              <a:ext uri="{FF2B5EF4-FFF2-40B4-BE49-F238E27FC236}">
+                <a16:creationId xmlns:a16="http://schemas.microsoft.com/office/drawing/2014/main" id="{5E6F96C1-3D71-672B-1741-9934C6E4F50F}"/>
+              </a:ext>
+            </a:extLst>
+          </p:cNvPr>
+          <p:cNvSpPr>
+            <a:spLocks noGrp="1"/>
+          </p:cNvSpPr>
+          <p:nvPr>
+            <p:ph type="ctrTitle"/>
+          </p:nvPr>
+        </p:nvSpPr>
+        <p:spPr/>
+        <p:txBody>
+          <a:bodyPr anchor="ctr"/>
+          <a:lstStyle/>
+          <a:p>
+            <a:pPr algn="ctr"/>
+            <a:r>
+              <a:rPr lang="en-US" dirty="0">
+                <a:latin typeface="Eras Bold ITC" panose="020B0907030504020204" pitchFamily="34" charset="0"/>
+              </a:rPr>
+              <a:t>THANK YOU</a:t>
             </a:r>
           </a:p>
         </p:txBody>

--- a/Pallet Scan and Print Project Presentation.pptx
+++ b/Pallet Scan and Print Project Presentation.pptx
@@ -8,18 +8,19 @@
     <p:sldMasterId id="2147484109" r:id="rId7"/>
   </p:sldMasterIdLst>
   <p:notesMasterIdLst>
-    <p:notesMasterId r:id="rId17"/>
+    <p:notesMasterId r:id="rId18"/>
   </p:notesMasterIdLst>
   <p:sldIdLst>
     <p:sldId id="256" r:id="rId8"/>
     <p:sldId id="277" r:id="rId9"/>
     <p:sldId id="276" r:id="rId10"/>
-    <p:sldId id="271" r:id="rId11"/>
-    <p:sldId id="273" r:id="rId12"/>
-    <p:sldId id="259" r:id="rId13"/>
-    <p:sldId id="274" r:id="rId14"/>
-    <p:sldId id="279" r:id="rId15"/>
-    <p:sldId id="267" r:id="rId16"/>
+    <p:sldId id="280" r:id="rId11"/>
+    <p:sldId id="271" r:id="rId12"/>
+    <p:sldId id="273" r:id="rId13"/>
+    <p:sldId id="259" r:id="rId14"/>
+    <p:sldId id="274" r:id="rId15"/>
+    <p:sldId id="279" r:id="rId16"/>
+    <p:sldId id="267" r:id="rId17"/>
   </p:sldIdLst>
   <p:sldSz cx="12192000" cy="6858000"/>
   <p:notesSz cx="6858000" cy="9144000"/>
@@ -3432,7 +3433,7 @@
           <a:p>
             <a:fld id="{B3ED1C80-5D8D-4070-B38C-E06E8467A079}" type="slidenum">
               <a:rPr lang="en-US" smtClean="0"/>
-              <a:t>6</a:t>
+              <a:t>7</a:t>
             </a:fld>
             <a:endParaRPr lang="en-US"/>
           </a:p>
@@ -3516,7 +3517,7 @@
           <a:p>
             <a:fld id="{B3ED1C80-5D8D-4070-B38C-E06E8467A079}" type="slidenum">
               <a:rPr lang="en-US" smtClean="0"/>
-              <a:t>7</a:t>
+              <a:t>8</a:t>
             </a:fld>
             <a:endParaRPr lang="en-US"/>
           </a:p>
@@ -3600,7 +3601,7 @@
           <a:p>
             <a:fld id="{B3ED1C80-5D8D-4070-B38C-E06E8467A079}" type="slidenum">
               <a:rPr lang="en-US" smtClean="0"/>
-              <a:t>9</a:t>
+              <a:t>10</a:t>
             </a:fld>
             <a:endParaRPr lang="en-US"/>
           </a:p>
@@ -35187,6 +35188,79 @@
 </p:sld>
 </file>
 
+<file path=ppt/slides/slide10.xml><?xml version="1.0" encoding="utf-8"?>
+<p:sld xmlns:a="http://schemas.openxmlformats.org/drawingml/2006/main" xmlns:r="http://schemas.openxmlformats.org/officeDocument/2006/relationships" xmlns:p="http://schemas.openxmlformats.org/presentationml/2006/main">
+  <p:cSld>
+    <p:spTree>
+      <p:nvGrpSpPr>
+        <p:cNvPr id="1" name=""/>
+        <p:cNvGrpSpPr/>
+        <p:nvPr/>
+      </p:nvGrpSpPr>
+      <p:grpSpPr>
+        <a:xfrm>
+          <a:off x="0" y="0"/>
+          <a:ext cx="0" cy="0"/>
+          <a:chOff x="0" y="0"/>
+          <a:chExt cx="0" cy="0"/>
+        </a:xfrm>
+      </p:grpSpPr>
+      <p:sp>
+        <p:nvSpPr>
+          <p:cNvPr id="4" name="Title 3">
+            <a:extLst>
+              <a:ext uri="{FF2B5EF4-FFF2-40B4-BE49-F238E27FC236}">
+                <a16:creationId xmlns:a16="http://schemas.microsoft.com/office/drawing/2014/main" id="{5E6F96C1-3D71-672B-1741-9934C6E4F50F}"/>
+              </a:ext>
+            </a:extLst>
+          </p:cNvPr>
+          <p:cNvSpPr>
+            <a:spLocks noGrp="1"/>
+          </p:cNvSpPr>
+          <p:nvPr>
+            <p:ph type="ctrTitle"/>
+          </p:nvPr>
+        </p:nvSpPr>
+        <p:spPr/>
+        <p:txBody>
+          <a:bodyPr anchor="ctr"/>
+          <a:lstStyle/>
+          <a:p>
+            <a:pPr algn="ctr"/>
+            <a:r>
+              <a:rPr lang="en-US" dirty="0">
+                <a:latin typeface="Eras Bold ITC" panose="020B0907030504020204" pitchFamily="34" charset="0"/>
+              </a:rPr>
+              <a:t>THANK YOU</a:t>
+            </a:r>
+          </a:p>
+        </p:txBody>
+      </p:sp>
+    </p:spTree>
+    <p:extLst>
+      <p:ext uri="{BB962C8B-B14F-4D97-AF65-F5344CB8AC3E}">
+        <p14:creationId xmlns:p14="http://schemas.microsoft.com/office/powerpoint/2010/main" val="1799983889"/>
+      </p:ext>
+    </p:extLst>
+  </p:cSld>
+  <p:clrMapOvr>
+    <a:masterClrMapping/>
+  </p:clrMapOvr>
+  <mc:AlternateContent xmlns:mc="http://schemas.openxmlformats.org/markup-compatibility/2006" xmlns:p159="http://schemas.microsoft.com/office/powerpoint/2015/09/main">
+    <mc:Choice Requires="p159">
+      <p:transition xmlns:p14="http://schemas.microsoft.com/office/powerpoint/2010/main" spd="slow" p14:dur="2000">
+        <p159:morph option="byObject"/>
+      </p:transition>
+    </mc:Choice>
+    <mc:Fallback xmlns="">
+      <p:transition spd="slow">
+        <p:fade/>
+      </p:transition>
+    </mc:Fallback>
+  </mc:AlternateContent>
+</p:sld>
+</file>
+
 <file path=ppt/slides/slide2.xml><?xml version="1.0" encoding="utf-8"?>
 <p:sld xmlns:a="http://schemas.openxmlformats.org/drawingml/2006/main" xmlns:r="http://schemas.openxmlformats.org/officeDocument/2006/relationships" xmlns:p="http://schemas.openxmlformats.org/presentationml/2006/main">
   <p:cSld>
@@ -36451,6 +36525,254 @@
       </p:grpSpPr>
       <p:pic>
         <p:nvPicPr>
+          <p:cNvPr id="5" name="Picture 4">
+            <a:extLst>
+              <a:ext uri="{FF2B5EF4-FFF2-40B4-BE49-F238E27FC236}">
+                <a16:creationId xmlns:a16="http://schemas.microsoft.com/office/drawing/2014/main" id="{E9A99879-80FE-DC19-EB16-6CD60E9E7E82}"/>
+              </a:ext>
+            </a:extLst>
+          </p:cNvPr>
+          <p:cNvPicPr>
+            <a:picLocks noChangeAspect="1"/>
+          </p:cNvPicPr>
+          <p:nvPr/>
+        </p:nvPicPr>
+        <p:blipFill>
+          <a:blip r:embed="rId2"/>
+          <a:stretch>
+            <a:fillRect/>
+          </a:stretch>
+        </p:blipFill>
+        <p:spPr>
+          <a:xfrm>
+            <a:off x="106532" y="2160479"/>
+            <a:ext cx="8273988" cy="4481744"/>
+          </a:xfrm>
+          <a:prstGeom prst="rect">
+            <a:avLst/>
+          </a:prstGeom>
+        </p:spPr>
+      </p:pic>
+      <p:sp>
+        <p:nvSpPr>
+          <p:cNvPr id="6" name="TextBox 5">
+            <a:extLst>
+              <a:ext uri="{FF2B5EF4-FFF2-40B4-BE49-F238E27FC236}">
+                <a16:creationId xmlns:a16="http://schemas.microsoft.com/office/drawing/2014/main" id="{C7773049-E9EB-B67C-31AD-587E55494090}"/>
+              </a:ext>
+            </a:extLst>
+          </p:cNvPr>
+          <p:cNvSpPr txBox="1"/>
+          <p:nvPr/>
+        </p:nvSpPr>
+        <p:spPr>
+          <a:xfrm>
+            <a:off x="8726750" y="2671905"/>
+            <a:ext cx="3204838" cy="3970318"/>
+          </a:xfrm>
+          <a:prstGeom prst="rect">
+            <a:avLst/>
+          </a:prstGeom>
+          <a:noFill/>
+        </p:spPr>
+        <p:txBody>
+          <a:bodyPr wrap="square" rtlCol="0">
+            <a:spAutoFit/>
+          </a:bodyPr>
+          <a:lstStyle/>
+          <a:p>
+            <a:r>
+              <a:rPr lang="en-US" dirty="0"/>
+              <a:t>FUNCTIONALITIES:</a:t>
+            </a:r>
+          </a:p>
+          <a:p>
+            <a:endParaRPr lang="en-US" dirty="0"/>
+          </a:p>
+          <a:p>
+            <a:pPr marL="342900" indent="-342900">
+              <a:buAutoNum type="arabicPeriod"/>
+            </a:pPr>
+            <a:r>
+              <a:rPr lang="en-US" dirty="0"/>
+              <a:t>Scanner tool</a:t>
+            </a:r>
+          </a:p>
+          <a:p>
+            <a:pPr marL="342900" indent="-342900">
+              <a:buAutoNum type="arabicPeriod"/>
+            </a:pPr>
+            <a:r>
+              <a:rPr lang="en-US" dirty="0"/>
+              <a:t>Status bar</a:t>
+            </a:r>
+          </a:p>
+          <a:p>
+            <a:pPr marL="342900" indent="-342900">
+              <a:buAutoNum type="arabicPeriod"/>
+            </a:pPr>
+            <a:r>
+              <a:rPr lang="en-US" dirty="0"/>
+              <a:t>Information Display</a:t>
+            </a:r>
+          </a:p>
+          <a:p>
+            <a:pPr marL="342900" indent="-342900">
+              <a:buAutoNum type="arabicPeriod"/>
+            </a:pPr>
+            <a:r>
+              <a:rPr lang="en-US" dirty="0"/>
+              <a:t>Total amount of scanned pallets (current day)</a:t>
+            </a:r>
+          </a:p>
+          <a:p>
+            <a:pPr marL="342900" indent="-342900">
+              <a:buAutoNum type="arabicPeriod"/>
+            </a:pPr>
+            <a:r>
+              <a:rPr lang="en-US" dirty="0"/>
+              <a:t>Automated printing function</a:t>
+            </a:r>
+          </a:p>
+          <a:p>
+            <a:pPr marL="342900" indent="-342900">
+              <a:buAutoNum type="arabicPeriod"/>
+            </a:pPr>
+            <a:r>
+              <a:rPr lang="en-US" dirty="0"/>
+              <a:t>Countdown tool for printer</a:t>
+            </a:r>
+          </a:p>
+          <a:p>
+            <a:pPr marL="342900" indent="-342900">
+              <a:buAutoNum type="arabicPeriod"/>
+            </a:pPr>
+            <a:r>
+              <a:rPr lang="en-US" dirty="0"/>
+              <a:t>Print &amp; Stop Button</a:t>
+            </a:r>
+          </a:p>
+          <a:p>
+            <a:pPr marL="342900" indent="-342900">
+              <a:buAutoNum type="arabicPeriod"/>
+            </a:pPr>
+            <a:r>
+              <a:rPr lang="en-US" dirty="0"/>
+              <a:t>Settings</a:t>
+            </a:r>
+          </a:p>
+          <a:p>
+            <a:pPr marL="342900" indent="-342900">
+              <a:buAutoNum type="arabicPeriod"/>
+            </a:pPr>
+            <a:r>
+              <a:rPr lang="en-US" dirty="0"/>
+              <a:t>Reprint function</a:t>
+            </a:r>
+          </a:p>
+        </p:txBody>
+      </p:sp>
+      <p:sp>
+        <p:nvSpPr>
+          <p:cNvPr id="7" name="Title 1">
+            <a:extLst>
+              <a:ext uri="{FF2B5EF4-FFF2-40B4-BE49-F238E27FC236}">
+                <a16:creationId xmlns:a16="http://schemas.microsoft.com/office/drawing/2014/main" id="{F5CDA87A-FC0F-6A48-D4B5-CA0E39349883}"/>
+              </a:ext>
+            </a:extLst>
+          </p:cNvPr>
+          <p:cNvSpPr txBox="1">
+            <a:spLocks/>
+          </p:cNvSpPr>
+          <p:nvPr/>
+        </p:nvSpPr>
+        <p:spPr>
+          <a:xfrm>
+            <a:off x="0" y="632263"/>
+            <a:ext cx="10422384" cy="1196535"/>
+          </a:xfrm>
+          <a:prstGeom prst="rect">
+            <a:avLst/>
+          </a:prstGeom>
+        </p:spPr>
+        <p:txBody>
+          <a:bodyPr vert="horz" lIns="91440" tIns="45720" rIns="91440" bIns="45720" rtlCol="0" anchor="ctr">
+            <a:normAutofit fontScale="97500"/>
+          </a:bodyPr>
+          <a:lstStyle>
+            <a:lvl1pPr algn="r" defTabSz="914400" rtl="0" eaLnBrk="1" latinLnBrk="0" hangingPunct="1">
+              <a:lnSpc>
+                <a:spcPct val="90000"/>
+              </a:lnSpc>
+              <a:spcBef>
+                <a:spcPct val="0"/>
+              </a:spcBef>
+              <a:buNone/>
+              <a:defRPr sz="5400" kern="1200">
+                <a:solidFill>
+                  <a:schemeClr val="tx1"/>
+                </a:solidFill>
+                <a:latin typeface="+mj-lt"/>
+                <a:ea typeface="+mj-ea"/>
+                <a:cs typeface="+mj-cs"/>
+              </a:defRPr>
+            </a:lvl1pPr>
+          </a:lstStyle>
+          <a:p>
+            <a:pPr algn="ctr"/>
+            <a:r>
+              <a:rPr lang="en-US" dirty="0">
+                <a:latin typeface="Eras Bold ITC" panose="020B0907030504020204" pitchFamily="34" charset="0"/>
+              </a:rPr>
+              <a:t>SCAN &amp; PRINT APPLICATION</a:t>
+            </a:r>
+          </a:p>
+        </p:txBody>
+      </p:sp>
+    </p:spTree>
+    <p:extLst>
+      <p:ext uri="{BB962C8B-B14F-4D97-AF65-F5344CB8AC3E}">
+        <p14:creationId xmlns:p14="http://schemas.microsoft.com/office/powerpoint/2010/main" val="2233219879"/>
+      </p:ext>
+    </p:extLst>
+  </p:cSld>
+  <p:clrMapOvr>
+    <a:masterClrMapping/>
+  </p:clrMapOvr>
+  <mc:AlternateContent xmlns:mc="http://schemas.openxmlformats.org/markup-compatibility/2006" xmlns:p14="http://schemas.microsoft.com/office/powerpoint/2010/main">
+    <mc:Choice Requires="p14">
+      <p:transition spd="med" p14:dur="700">
+        <p:fade/>
+      </p:transition>
+    </mc:Choice>
+    <mc:Fallback xmlns="">
+      <p:transition spd="med">
+        <p:fade/>
+      </p:transition>
+    </mc:Fallback>
+  </mc:AlternateContent>
+</p:sld>
+</file>
+
+<file path=ppt/slides/slide5.xml><?xml version="1.0" encoding="utf-8"?>
+<p:sld xmlns:a="http://schemas.openxmlformats.org/drawingml/2006/main" xmlns:r="http://schemas.openxmlformats.org/officeDocument/2006/relationships" xmlns:p="http://schemas.openxmlformats.org/presentationml/2006/main">
+  <p:cSld>
+    <p:spTree>
+      <p:nvGrpSpPr>
+        <p:cNvPr id="1" name=""/>
+        <p:cNvGrpSpPr/>
+        <p:nvPr/>
+      </p:nvGrpSpPr>
+      <p:grpSpPr>
+        <a:xfrm>
+          <a:off x="0" y="0"/>
+          <a:ext cx="0" cy="0"/>
+          <a:chOff x="0" y="0"/>
+          <a:chExt cx="0" cy="0"/>
+        </a:xfrm>
+      </p:grpSpPr>
+      <p:pic>
+        <p:nvPicPr>
           <p:cNvPr id="27" name="Picture 26">
             <a:extLst>
               <a:ext uri="{FF2B5EF4-FFF2-40B4-BE49-F238E27FC236}">
@@ -36477,7 +36799,7 @@
         </p:blipFill>
         <p:spPr>
           <a:xfrm rot="12600000">
-            <a:off x="6057724" y="3402880"/>
+            <a:off x="5416293" y="3292855"/>
             <a:ext cx="2343967" cy="2343967"/>
           </a:xfrm>
           <a:prstGeom prst="rect">
@@ -36500,7 +36822,7 @@
         <p:spPr>
           <a:xfrm>
             <a:off x="0" y="2175722"/>
-            <a:ext cx="4918229" cy="646331"/>
+            <a:ext cx="9259410" cy="369332"/>
           </a:xfrm>
           <a:prstGeom prst="rect">
             <a:avLst/>
@@ -36537,8 +36859,8 @@
         </p:nvSpPr>
         <p:spPr>
           <a:xfrm>
-            <a:off x="5362113" y="4125795"/>
-            <a:ext cx="1011540" cy="449068"/>
+            <a:off x="4987317" y="4178432"/>
+            <a:ext cx="497149" cy="449068"/>
           </a:xfrm>
           <a:prstGeom prst="rightArrow">
             <a:avLst/>
@@ -36571,88 +36893,6 @@
           <a:p>
             <a:pPr algn="ctr"/>
             <a:endParaRPr lang="en-GB"/>
-          </a:p>
-        </p:txBody>
-      </p:sp>
-      <p:sp>
-        <p:nvSpPr>
-          <p:cNvPr id="33" name="TextBox 32">
-            <a:extLst>
-              <a:ext uri="{FF2B5EF4-FFF2-40B4-BE49-F238E27FC236}">
-                <a16:creationId xmlns:a16="http://schemas.microsoft.com/office/drawing/2014/main" id="{C61A92DD-DDAF-BE7D-E0AD-F11B22A5C54B}"/>
-              </a:ext>
-            </a:extLst>
-          </p:cNvPr>
-          <p:cNvSpPr txBox="1"/>
-          <p:nvPr/>
-        </p:nvSpPr>
-        <p:spPr>
-          <a:xfrm>
-            <a:off x="8578788" y="3477097"/>
-            <a:ext cx="3764132" cy="1477328"/>
-          </a:xfrm>
-          <a:prstGeom prst="rect">
-            <a:avLst/>
-          </a:prstGeom>
-          <a:noFill/>
-        </p:spPr>
-        <p:txBody>
-          <a:bodyPr wrap="square" rtlCol="0">
-            <a:spAutoFit/>
-          </a:bodyPr>
-          <a:lstStyle/>
-          <a:p>
-            <a:pPr marL="0" indent="0">
-              <a:buNone/>
-            </a:pPr>
-            <a:r>
-              <a:rPr lang="en-US" u="sng" dirty="0"/>
-              <a:t>Functionalities</a:t>
-            </a:r>
-            <a:r>
-              <a:rPr lang="en-US" dirty="0"/>
-              <a:t>:</a:t>
-            </a:r>
-          </a:p>
-          <a:p>
-            <a:pPr marL="285750" indent="-285750">
-              <a:buFont typeface="Arial" panose="020B0604020202020204" pitchFamily="34" charset="0"/>
-              <a:buChar char="•"/>
-            </a:pPr>
-            <a:r>
-              <a:rPr lang="en-US" dirty="0"/>
-              <a:t>Display pallet information</a:t>
-            </a:r>
-          </a:p>
-          <a:p>
-            <a:pPr marL="285750" indent="-285750">
-              <a:buFont typeface="Arial" panose="020B0604020202020204" pitchFamily="34" charset="0"/>
-              <a:buChar char="•"/>
-            </a:pPr>
-            <a:r>
-              <a:rPr lang="en-US" dirty="0"/>
-              <a:t>Automatic printing with timer</a:t>
-            </a:r>
-          </a:p>
-          <a:p>
-            <a:pPr marL="285750" indent="-285750">
-              <a:buFont typeface="Arial" panose="020B0604020202020204" pitchFamily="34" charset="0"/>
-              <a:buChar char="•"/>
-            </a:pPr>
-            <a:r>
-              <a:rPr lang="en-US" dirty="0"/>
-              <a:t>Print history</a:t>
-            </a:r>
-          </a:p>
-          <a:p>
-            <a:pPr marL="285750" indent="-285750">
-              <a:buFont typeface="Arial" panose="020B0604020202020204" pitchFamily="34" charset="0"/>
-              <a:buChar char="•"/>
-            </a:pPr>
-            <a:r>
-              <a:rPr lang="en-US" dirty="0"/>
-              <a:t>Reprint function</a:t>
-            </a:r>
           </a:p>
         </p:txBody>
       </p:sp>
@@ -36678,7 +36918,7 @@
         </p:blipFill>
         <p:spPr>
           <a:xfrm>
-            <a:off x="426127" y="3222824"/>
+            <a:off x="97652" y="3222824"/>
             <a:ext cx="4744774" cy="2570086"/>
           </a:xfrm>
           <a:prstGeom prst="rect">
@@ -36788,6 +37028,99 @@
               </a:rPr>
               <a:t>Old process Vs. New process</a:t>
             </a:r>
+          </a:p>
+        </p:txBody>
+      </p:sp>
+      <p:pic>
+        <p:nvPicPr>
+          <p:cNvPr id="3" name="Picture 2">
+            <a:extLst>
+              <a:ext uri="{FF2B5EF4-FFF2-40B4-BE49-F238E27FC236}">
+                <a16:creationId xmlns:a16="http://schemas.microsoft.com/office/drawing/2014/main" id="{03A7AA50-F071-6661-A6E0-C4EFD5BE67D6}"/>
+              </a:ext>
+            </a:extLst>
+          </p:cNvPr>
+          <p:cNvPicPr>
+            <a:picLocks noChangeAspect="1"/>
+          </p:cNvPicPr>
+          <p:nvPr/>
+        </p:nvPicPr>
+        <p:blipFill>
+          <a:blip r:embed="rId5">
+            <a:extLst>
+              <a:ext uri="{28A0092B-C50C-407E-A947-70E740481C1C}">
+                <a14:useLocalDpi xmlns:a14="http://schemas.microsoft.com/office/drawing/2010/main" val="0"/>
+              </a:ext>
+            </a:extLst>
+          </a:blip>
+          <a:stretch>
+            <a:fillRect/>
+          </a:stretch>
+        </p:blipFill>
+        <p:spPr>
+          <a:xfrm>
+            <a:off x="8334820" y="3016728"/>
+            <a:ext cx="3857180" cy="2896222"/>
+          </a:xfrm>
+          <a:prstGeom prst="ellipse">
+            <a:avLst/>
+          </a:prstGeom>
+          <a:ln>
+            <a:noFill/>
+          </a:ln>
+          <a:effectLst>
+            <a:softEdge rad="112500"/>
+          </a:effectLst>
+        </p:spPr>
+      </p:pic>
+      <p:sp>
+        <p:nvSpPr>
+          <p:cNvPr id="4" name="Arrow: Right 3">
+            <a:extLst>
+              <a:ext uri="{FF2B5EF4-FFF2-40B4-BE49-F238E27FC236}">
+                <a16:creationId xmlns:a16="http://schemas.microsoft.com/office/drawing/2014/main" id="{88A3A76B-D5D4-2B02-1932-06E9A64905DF}"/>
+              </a:ext>
+            </a:extLst>
+          </p:cNvPr>
+          <p:cNvSpPr/>
+          <p:nvPr/>
+        </p:nvSpPr>
+        <p:spPr>
+          <a:xfrm>
+            <a:off x="7632183" y="4178432"/>
+            <a:ext cx="497149" cy="449068"/>
+          </a:xfrm>
+          <a:prstGeom prst="rightArrow">
+            <a:avLst/>
+          </a:prstGeom>
+          <a:solidFill>
+            <a:schemeClr val="tx2">
+              <a:lumMod val="90000"/>
+            </a:schemeClr>
+          </a:solidFill>
+        </p:spPr>
+        <p:style>
+          <a:lnRef idx="2">
+            <a:schemeClr val="accent1">
+              <a:shade val="50000"/>
+            </a:schemeClr>
+          </a:lnRef>
+          <a:fillRef idx="1">
+            <a:schemeClr val="accent1"/>
+          </a:fillRef>
+          <a:effectRef idx="0">
+            <a:schemeClr val="accent1"/>
+          </a:effectRef>
+          <a:fontRef idx="minor">
+            <a:schemeClr val="lt1"/>
+          </a:fontRef>
+        </p:style>
+        <p:txBody>
+          <a:bodyPr rtlCol="0" anchor="ctr"/>
+          <a:lstStyle/>
+          <a:p>
+            <a:pPr algn="ctr"/>
+            <a:endParaRPr lang="en-GB"/>
           </a:p>
         </p:txBody>
       </p:sp>
@@ -36816,7 +37149,7 @@
 </p:sld>
 </file>
 
-<file path=ppt/slides/slide5.xml><?xml version="1.0" encoding="utf-8"?>
+<file path=ppt/slides/slide6.xml><?xml version="1.0" encoding="utf-8"?>
 <p:sld xmlns:a="http://schemas.openxmlformats.org/drawingml/2006/main" xmlns:r="http://schemas.openxmlformats.org/officeDocument/2006/relationships" xmlns:p="http://schemas.openxmlformats.org/presentationml/2006/main">
   <p:cSld>
     <p:spTree>
@@ -37532,7 +37865,7 @@
 </p:sld>
 </file>
 
-<file path=ppt/slides/slide6.xml><?xml version="1.0" encoding="utf-8"?>
+<file path=ppt/slides/slide7.xml><?xml version="1.0" encoding="utf-8"?>
 <p:sld xmlns:a="http://schemas.openxmlformats.org/drawingml/2006/main" xmlns:r="http://schemas.openxmlformats.org/officeDocument/2006/relationships" xmlns:p="http://schemas.openxmlformats.org/presentationml/2006/main">
   <p:cSld>
     <p:spTree>
@@ -37687,7 +38020,7 @@
 </p:sld>
 </file>
 
-<file path=ppt/slides/slide7.xml><?xml version="1.0" encoding="utf-8"?>
+<file path=ppt/slides/slide8.xml><?xml version="1.0" encoding="utf-8"?>
 <p:sld xmlns:a="http://schemas.openxmlformats.org/drawingml/2006/main" xmlns:r="http://schemas.openxmlformats.org/officeDocument/2006/relationships" xmlns:p="http://schemas.openxmlformats.org/presentationml/2006/main">
   <p:cSld>
     <p:spTree>
@@ -38002,7 +38335,7 @@
         <p:spPr>
           <a:xfrm>
             <a:off x="7072029" y="2441490"/>
-            <a:ext cx="4930581" cy="923330"/>
+            <a:ext cx="4930581" cy="646331"/>
           </a:xfrm>
           <a:prstGeom prst="rect">
             <a:avLst/>
@@ -38023,7 +38356,7 @@
           <a:p>
             <a:r>
               <a:rPr lang="en-US" dirty="0"/>
-              <a:t>Eliminate the need for more than 3 operators on process</a:t>
+              <a:t>Eliminate the need for 3 operators on process</a:t>
             </a:r>
           </a:p>
         </p:txBody>
@@ -38225,7 +38558,7 @@
 </p:sld>
 </file>
 
-<file path=ppt/slides/slide8.xml><?xml version="1.0" encoding="utf-8"?>
+<file path=ppt/slides/slide9.xml><?xml version="1.0" encoding="utf-8"?>
 <p:sld xmlns:a="http://schemas.openxmlformats.org/drawingml/2006/main" xmlns:r="http://schemas.openxmlformats.org/officeDocument/2006/relationships" xmlns:p="http://schemas.openxmlformats.org/presentationml/2006/main">
   <p:cSld>
     <p:spTree>
@@ -41122,79 +41455,6 @@
 </p:sld>
 </file>
 
-<file path=ppt/slides/slide9.xml><?xml version="1.0" encoding="utf-8"?>
-<p:sld xmlns:a="http://schemas.openxmlformats.org/drawingml/2006/main" xmlns:r="http://schemas.openxmlformats.org/officeDocument/2006/relationships" xmlns:p="http://schemas.openxmlformats.org/presentationml/2006/main">
-  <p:cSld>
-    <p:spTree>
-      <p:nvGrpSpPr>
-        <p:cNvPr id="1" name=""/>
-        <p:cNvGrpSpPr/>
-        <p:nvPr/>
-      </p:nvGrpSpPr>
-      <p:grpSpPr>
-        <a:xfrm>
-          <a:off x="0" y="0"/>
-          <a:ext cx="0" cy="0"/>
-          <a:chOff x="0" y="0"/>
-          <a:chExt cx="0" cy="0"/>
-        </a:xfrm>
-      </p:grpSpPr>
-      <p:sp>
-        <p:nvSpPr>
-          <p:cNvPr id="4" name="Title 3">
-            <a:extLst>
-              <a:ext uri="{FF2B5EF4-FFF2-40B4-BE49-F238E27FC236}">
-                <a16:creationId xmlns:a16="http://schemas.microsoft.com/office/drawing/2014/main" id="{5E6F96C1-3D71-672B-1741-9934C6E4F50F}"/>
-              </a:ext>
-            </a:extLst>
-          </p:cNvPr>
-          <p:cNvSpPr>
-            <a:spLocks noGrp="1"/>
-          </p:cNvSpPr>
-          <p:nvPr>
-            <p:ph type="ctrTitle"/>
-          </p:nvPr>
-        </p:nvSpPr>
-        <p:spPr/>
-        <p:txBody>
-          <a:bodyPr anchor="ctr"/>
-          <a:lstStyle/>
-          <a:p>
-            <a:pPr algn="ctr"/>
-            <a:r>
-              <a:rPr lang="en-US" dirty="0">
-                <a:latin typeface="Eras Bold ITC" panose="020B0907030504020204" pitchFamily="34" charset="0"/>
-              </a:rPr>
-              <a:t>THANK YOU</a:t>
-            </a:r>
-          </a:p>
-        </p:txBody>
-      </p:sp>
-    </p:spTree>
-    <p:extLst>
-      <p:ext uri="{BB962C8B-B14F-4D97-AF65-F5344CB8AC3E}">
-        <p14:creationId xmlns:p14="http://schemas.microsoft.com/office/powerpoint/2010/main" val="1799983889"/>
-      </p:ext>
-    </p:extLst>
-  </p:cSld>
-  <p:clrMapOvr>
-    <a:masterClrMapping/>
-  </p:clrMapOvr>
-  <mc:AlternateContent xmlns:mc="http://schemas.openxmlformats.org/markup-compatibility/2006" xmlns:p159="http://schemas.microsoft.com/office/powerpoint/2015/09/main">
-    <mc:Choice Requires="p159">
-      <p:transition xmlns:p14="http://schemas.microsoft.com/office/powerpoint/2010/main" spd="slow" p14:dur="2000">
-        <p159:morph option="byObject"/>
-      </p:transition>
-    </mc:Choice>
-    <mc:Fallback xmlns="">
-      <p:transition spd="slow">
-        <p:fade/>
-      </p:transition>
-    </mc:Fallback>
-  </mc:AlternateContent>
-</p:sld>
-</file>
-
 <file path=ppt/theme/theme1.xml><?xml version="1.0" encoding="utf-8"?>
 <a:theme xmlns:a="http://schemas.openxmlformats.org/drawingml/2006/main" name="1_Berlin">
   <a:themeElements>
@@ -42507,18 +42767,18 @@
 </file>
 
 <file path=customXml/item1.xml><?xml version="1.0" encoding="utf-8"?>
+<p:properties xmlns:p="http://schemas.microsoft.com/office/2006/metadata/properties" xmlns:xsi="http://www.w3.org/2001/XMLSchema-instance" xmlns:pc="http://schemas.microsoft.com/office/infopath/2007/PartnerControls">
+  <documentManagement/>
+</p:properties>
+</file>
+
+<file path=customXml/item2.xml><?xml version="1.0" encoding="utf-8"?>
 <?mso-contentType ?>
 <FormTemplates xmlns="http://schemas.microsoft.com/sharepoint/v3/contenttype/forms">
   <Display>DocumentLibraryForm</Display>
   <Edit>DocumentLibraryForm</Edit>
   <New>DocumentLibraryForm</New>
 </FormTemplates>
-</file>
-
-<file path=customXml/item2.xml><?xml version="1.0" encoding="utf-8"?>
-<p:properties xmlns:p="http://schemas.microsoft.com/office/2006/metadata/properties" xmlns:xsi="http://www.w3.org/2001/XMLSchema-instance" xmlns:pc="http://schemas.microsoft.com/office/infopath/2007/PartnerControls">
-  <documentManagement/>
-</p:properties>
 </file>
 
 <file path=customXml/item3.xml><?xml version="1.0" encoding="utf-8"?>
@@ -42636,18 +42896,18 @@
 </file>
 
 <file path=customXml/itemProps1.xml><?xml version="1.0" encoding="utf-8"?>
-<ds:datastoreItem xmlns:ds="http://schemas.openxmlformats.org/officeDocument/2006/customXml" ds:itemID="{CCBDB0D1-E132-4B84-9939-7C8E209C6CA5}">
+<ds:datastoreItem xmlns:ds="http://schemas.openxmlformats.org/officeDocument/2006/customXml" ds:itemID="{5D36D5C4-61AE-4F7F-BAFB-CE6A66DB4121}">
   <ds:schemaRefs>
-    <ds:schemaRef ds:uri="http://schemas.microsoft.com/sharepoint/v3/contenttype/forms"/>
+    <ds:schemaRef ds:uri="http://schemas.microsoft.com/office/2006/metadata/properties"/>
+    <ds:schemaRef ds:uri="http://schemas.microsoft.com/office/infopath/2007/PartnerControls"/>
   </ds:schemaRefs>
 </ds:datastoreItem>
 </file>
 
 <file path=customXml/itemProps2.xml><?xml version="1.0" encoding="utf-8"?>
-<ds:datastoreItem xmlns:ds="http://schemas.openxmlformats.org/officeDocument/2006/customXml" ds:itemID="{5D36D5C4-61AE-4F7F-BAFB-CE6A66DB4121}">
+<ds:datastoreItem xmlns:ds="http://schemas.openxmlformats.org/officeDocument/2006/customXml" ds:itemID="{CCBDB0D1-E132-4B84-9939-7C8E209C6CA5}">
   <ds:schemaRefs>
-    <ds:schemaRef ds:uri="http://schemas.microsoft.com/office/2006/metadata/properties"/>
-    <ds:schemaRef ds:uri="http://schemas.microsoft.com/office/infopath/2007/PartnerControls"/>
+    <ds:schemaRef ds:uri="http://schemas.microsoft.com/sharepoint/v3/contenttype/forms"/>
   </ds:schemaRefs>
 </ds:datastoreItem>
 </file>
